--- a/MassPass.pptx
+++ b/MassPass.pptx
@@ -2,17 +2,18 @@
 <file path=ppt/presentation.xml><?xml version="1.0" encoding="utf-8"?>
 <p:presentation xmlns:a="http://schemas.openxmlformats.org/drawingml/2006/main" xmlns:r="http://schemas.openxmlformats.org/officeDocument/2006/relationships" xmlns:p="http://schemas.openxmlformats.org/presentationml/2006/main" saveSubsetFonts="1">
   <p:sldMasterIdLst>
-    <p:sldMasterId id="2147483648" r:id="rId1"/>
+    <p:sldMasterId id="2147483732" r:id="rId1"/>
   </p:sldMasterIdLst>
   <p:sldIdLst>
     <p:sldId id="256" r:id="rId2"/>
-    <p:sldId id="260" r:id="rId3"/>
-    <p:sldId id="261" r:id="rId4"/>
-    <p:sldId id="262" r:id="rId5"/>
-    <p:sldId id="259" r:id="rId6"/>
-    <p:sldId id="257" r:id="rId7"/>
-    <p:sldId id="258" r:id="rId8"/>
+    <p:sldId id="264" r:id="rId3"/>
+    <p:sldId id="265" r:id="rId4"/>
+    <p:sldId id="266" r:id="rId5"/>
+    <p:sldId id="260" r:id="rId6"/>
+    <p:sldId id="261" r:id="rId7"/>
+    <p:sldId id="262" r:id="rId8"/>
     <p:sldId id="263" r:id="rId9"/>
+    <p:sldId id="267" r:id="rId10"/>
   </p:sldIdLst>
   <p:sldSz cx="9144000" cy="6858000" type="screen4x3"/>
   <p:notesSz cx="6858000" cy="9144000"/>
@@ -114,8 +115,2738 @@
 </p:presentation>
 </file>
 
+<file path=ppt/diagrams/colors1.xml><?xml version="1.0" encoding="utf-8"?>
+<dgm:colorsDef xmlns:dgm="http://schemas.openxmlformats.org/drawingml/2006/diagram" xmlns:a="http://schemas.openxmlformats.org/drawingml/2006/main" uniqueId="urn:microsoft.com/office/officeart/2005/8/colors/accent1_2">
+  <dgm:title val=""/>
+  <dgm:desc val=""/>
+  <dgm:catLst>
+    <dgm:cat type="accent1" pri="11200"/>
+  </dgm:catLst>
+  <dgm:styleLbl name="node0">
+    <dgm:fillClrLst meth="repeat">
+      <a:schemeClr val="accent1"/>
+    </dgm:fillClrLst>
+    <dgm:linClrLst meth="repeat">
+      <a:schemeClr val="lt1"/>
+    </dgm:linClrLst>
+    <dgm:effectClrLst/>
+    <dgm:txLinClrLst/>
+    <dgm:txFillClrLst/>
+    <dgm:txEffectClrLst/>
+  </dgm:styleLbl>
+  <dgm:styleLbl name="alignNode1">
+    <dgm:fillClrLst meth="repeat">
+      <a:schemeClr val="accent1"/>
+    </dgm:fillClrLst>
+    <dgm:linClrLst meth="repeat">
+      <a:schemeClr val="accent1"/>
+    </dgm:linClrLst>
+    <dgm:effectClrLst/>
+    <dgm:txLinClrLst/>
+    <dgm:txFillClrLst/>
+    <dgm:txEffectClrLst/>
+  </dgm:styleLbl>
+  <dgm:styleLbl name="node1">
+    <dgm:fillClrLst meth="repeat">
+      <a:schemeClr val="accent1"/>
+    </dgm:fillClrLst>
+    <dgm:linClrLst meth="repeat">
+      <a:schemeClr val="lt1"/>
+    </dgm:linClrLst>
+    <dgm:effectClrLst/>
+    <dgm:txLinClrLst/>
+    <dgm:txFillClrLst/>
+    <dgm:txEffectClrLst/>
+  </dgm:styleLbl>
+  <dgm:styleLbl name="lnNode1">
+    <dgm:fillClrLst meth="repeat">
+      <a:schemeClr val="accent1"/>
+    </dgm:fillClrLst>
+    <dgm:linClrLst meth="repeat">
+      <a:schemeClr val="lt1"/>
+    </dgm:linClrLst>
+    <dgm:effectClrLst/>
+    <dgm:txLinClrLst/>
+    <dgm:txFillClrLst/>
+    <dgm:txEffectClrLst/>
+  </dgm:styleLbl>
+  <dgm:styleLbl name="vennNode1">
+    <dgm:fillClrLst meth="repeat">
+      <a:schemeClr val="accent1">
+        <a:alpha val="50000"/>
+      </a:schemeClr>
+    </dgm:fillClrLst>
+    <dgm:linClrLst meth="repeat">
+      <a:schemeClr val="lt1"/>
+    </dgm:linClrLst>
+    <dgm:effectClrLst/>
+    <dgm:txLinClrLst/>
+    <dgm:txFillClrLst/>
+    <dgm:txEffectClrLst/>
+  </dgm:styleLbl>
+  <dgm:styleLbl name="node2">
+    <dgm:fillClrLst meth="repeat">
+      <a:schemeClr val="accent1"/>
+    </dgm:fillClrLst>
+    <dgm:linClrLst meth="repeat">
+      <a:schemeClr val="lt1"/>
+    </dgm:linClrLst>
+    <dgm:effectClrLst/>
+    <dgm:txLinClrLst/>
+    <dgm:txFillClrLst/>
+    <dgm:txEffectClrLst/>
+  </dgm:styleLbl>
+  <dgm:styleLbl name="node3">
+    <dgm:fillClrLst meth="repeat">
+      <a:schemeClr val="accent1"/>
+    </dgm:fillClrLst>
+    <dgm:linClrLst meth="repeat">
+      <a:schemeClr val="lt1"/>
+    </dgm:linClrLst>
+    <dgm:effectClrLst/>
+    <dgm:txLinClrLst/>
+    <dgm:txFillClrLst/>
+    <dgm:txEffectClrLst/>
+  </dgm:styleLbl>
+  <dgm:styleLbl name="node4">
+    <dgm:fillClrLst meth="repeat">
+      <a:schemeClr val="accent1"/>
+    </dgm:fillClrLst>
+    <dgm:linClrLst meth="repeat">
+      <a:schemeClr val="lt1"/>
+    </dgm:linClrLst>
+    <dgm:effectClrLst/>
+    <dgm:txLinClrLst/>
+    <dgm:txFillClrLst/>
+    <dgm:txEffectClrLst/>
+  </dgm:styleLbl>
+  <dgm:styleLbl name="fgImgPlace1">
+    <dgm:fillClrLst meth="repeat">
+      <a:schemeClr val="accent1">
+        <a:tint val="50000"/>
+      </a:schemeClr>
+    </dgm:fillClrLst>
+    <dgm:linClrLst meth="repeat">
+      <a:schemeClr val="lt1"/>
+    </dgm:linClrLst>
+    <dgm:effectClrLst/>
+    <dgm:txLinClrLst/>
+    <dgm:txFillClrLst meth="repeat">
+      <a:schemeClr val="lt1"/>
+    </dgm:txFillClrLst>
+    <dgm:txEffectClrLst/>
+  </dgm:styleLbl>
+  <dgm:styleLbl name="alignImgPlace1">
+    <dgm:fillClrLst meth="repeat">
+      <a:schemeClr val="accent1">
+        <a:tint val="50000"/>
+      </a:schemeClr>
+    </dgm:fillClrLst>
+    <dgm:linClrLst meth="repeat">
+      <a:schemeClr val="lt1"/>
+    </dgm:linClrLst>
+    <dgm:effectClrLst/>
+    <dgm:txLinClrLst/>
+    <dgm:txFillClrLst meth="repeat">
+      <a:schemeClr val="lt1"/>
+    </dgm:txFillClrLst>
+    <dgm:txEffectClrLst/>
+  </dgm:styleLbl>
+  <dgm:styleLbl name="bgImgPlace1">
+    <dgm:fillClrLst meth="repeat">
+      <a:schemeClr val="accent1">
+        <a:tint val="50000"/>
+      </a:schemeClr>
+    </dgm:fillClrLst>
+    <dgm:linClrLst meth="repeat">
+      <a:schemeClr val="lt1"/>
+    </dgm:linClrLst>
+    <dgm:effectClrLst/>
+    <dgm:txLinClrLst/>
+    <dgm:txFillClrLst meth="repeat">
+      <a:schemeClr val="lt1"/>
+    </dgm:txFillClrLst>
+    <dgm:txEffectClrLst/>
+  </dgm:styleLbl>
+  <dgm:styleLbl name="sibTrans2D1">
+    <dgm:fillClrLst meth="repeat">
+      <a:schemeClr val="accent1">
+        <a:tint val="60000"/>
+      </a:schemeClr>
+    </dgm:fillClrLst>
+    <dgm:linClrLst meth="repeat">
+      <a:schemeClr val="accent1">
+        <a:tint val="60000"/>
+      </a:schemeClr>
+    </dgm:linClrLst>
+    <dgm:effectClrLst/>
+    <dgm:txLinClrLst/>
+    <dgm:txFillClrLst/>
+    <dgm:txEffectClrLst/>
+  </dgm:styleLbl>
+  <dgm:styleLbl name="fgSibTrans2D1">
+    <dgm:fillClrLst meth="repeat">
+      <a:schemeClr val="accent1">
+        <a:tint val="60000"/>
+      </a:schemeClr>
+    </dgm:fillClrLst>
+    <dgm:linClrLst meth="repeat">
+      <a:schemeClr val="accent1">
+        <a:tint val="60000"/>
+      </a:schemeClr>
+    </dgm:linClrLst>
+    <dgm:effectClrLst/>
+    <dgm:txLinClrLst/>
+    <dgm:txFillClrLst/>
+    <dgm:txEffectClrLst/>
+  </dgm:styleLbl>
+  <dgm:styleLbl name="bgSibTrans2D1">
+    <dgm:fillClrLst meth="repeat">
+      <a:schemeClr val="accent1">
+        <a:tint val="60000"/>
+      </a:schemeClr>
+    </dgm:fillClrLst>
+    <dgm:linClrLst meth="repeat">
+      <a:schemeClr val="accent1">
+        <a:tint val="60000"/>
+      </a:schemeClr>
+    </dgm:linClrLst>
+    <dgm:effectClrLst/>
+    <dgm:txLinClrLst/>
+    <dgm:txFillClrLst/>
+    <dgm:txEffectClrLst/>
+  </dgm:styleLbl>
+  <dgm:styleLbl name="sibTrans1D1">
+    <dgm:fillClrLst meth="repeat">
+      <a:schemeClr val="accent1"/>
+    </dgm:fillClrLst>
+    <dgm:linClrLst meth="repeat">
+      <a:schemeClr val="accent1"/>
+    </dgm:linClrLst>
+    <dgm:effectClrLst/>
+    <dgm:txLinClrLst/>
+    <dgm:txFillClrLst meth="repeat">
+      <a:schemeClr val="tx1"/>
+    </dgm:txFillClrLst>
+    <dgm:txEffectClrLst/>
+  </dgm:styleLbl>
+  <dgm:styleLbl name="callout">
+    <dgm:fillClrLst meth="repeat">
+      <a:schemeClr val="accent1"/>
+    </dgm:fillClrLst>
+    <dgm:linClrLst meth="repeat">
+      <a:schemeClr val="accent1">
+        <a:tint val="50000"/>
+      </a:schemeClr>
+    </dgm:linClrLst>
+    <dgm:effectClrLst/>
+    <dgm:txLinClrLst/>
+    <dgm:txFillClrLst meth="repeat">
+      <a:schemeClr val="tx1"/>
+    </dgm:txFillClrLst>
+    <dgm:txEffectClrLst/>
+  </dgm:styleLbl>
+  <dgm:styleLbl name="asst0">
+    <dgm:fillClrLst meth="repeat">
+      <a:schemeClr val="accent1"/>
+    </dgm:fillClrLst>
+    <dgm:linClrLst meth="repeat">
+      <a:schemeClr val="lt1"/>
+    </dgm:linClrLst>
+    <dgm:effectClrLst/>
+    <dgm:txLinClrLst/>
+    <dgm:txFillClrLst/>
+    <dgm:txEffectClrLst/>
+  </dgm:styleLbl>
+  <dgm:styleLbl name="asst1">
+    <dgm:fillClrLst meth="repeat">
+      <a:schemeClr val="accent1"/>
+    </dgm:fillClrLst>
+    <dgm:linClrLst meth="repeat">
+      <a:schemeClr val="lt1"/>
+    </dgm:linClrLst>
+    <dgm:effectClrLst/>
+    <dgm:txLinClrLst/>
+    <dgm:txFillClrLst/>
+    <dgm:txEffectClrLst/>
+  </dgm:styleLbl>
+  <dgm:styleLbl name="asst2">
+    <dgm:fillClrLst meth="repeat">
+      <a:schemeClr val="accent1"/>
+    </dgm:fillClrLst>
+    <dgm:linClrLst meth="repeat">
+      <a:schemeClr val="lt1"/>
+    </dgm:linClrLst>
+    <dgm:effectClrLst/>
+    <dgm:txLinClrLst/>
+    <dgm:txFillClrLst/>
+    <dgm:txEffectClrLst/>
+  </dgm:styleLbl>
+  <dgm:styleLbl name="asst3">
+    <dgm:fillClrLst meth="repeat">
+      <a:schemeClr val="accent1"/>
+    </dgm:fillClrLst>
+    <dgm:linClrLst meth="repeat">
+      <a:schemeClr val="lt1"/>
+    </dgm:linClrLst>
+    <dgm:effectClrLst/>
+    <dgm:txLinClrLst/>
+    <dgm:txFillClrLst/>
+    <dgm:txEffectClrLst/>
+  </dgm:styleLbl>
+  <dgm:styleLbl name="asst4">
+    <dgm:fillClrLst meth="repeat">
+      <a:schemeClr val="accent1"/>
+    </dgm:fillClrLst>
+    <dgm:linClrLst meth="repeat">
+      <a:schemeClr val="lt1"/>
+    </dgm:linClrLst>
+    <dgm:effectClrLst/>
+    <dgm:txLinClrLst/>
+    <dgm:txFillClrLst/>
+    <dgm:txEffectClrLst/>
+  </dgm:styleLbl>
+  <dgm:styleLbl name="parChTrans2D1">
+    <dgm:fillClrLst meth="repeat">
+      <a:schemeClr val="accent1">
+        <a:tint val="60000"/>
+      </a:schemeClr>
+    </dgm:fillClrLst>
+    <dgm:linClrLst meth="repeat">
+      <a:schemeClr val="accent1">
+        <a:tint val="60000"/>
+      </a:schemeClr>
+    </dgm:linClrLst>
+    <dgm:effectClrLst/>
+    <dgm:txLinClrLst/>
+    <dgm:txFillClrLst meth="repeat">
+      <a:schemeClr val="lt1"/>
+    </dgm:txFillClrLst>
+    <dgm:txEffectClrLst/>
+  </dgm:styleLbl>
+  <dgm:styleLbl name="parChTrans2D2">
+    <dgm:fillClrLst meth="repeat">
+      <a:schemeClr val="accent1"/>
+    </dgm:fillClrLst>
+    <dgm:linClrLst meth="repeat">
+      <a:schemeClr val="accent1"/>
+    </dgm:linClrLst>
+    <dgm:effectClrLst/>
+    <dgm:txLinClrLst/>
+    <dgm:txFillClrLst meth="repeat">
+      <a:schemeClr val="lt1"/>
+    </dgm:txFillClrLst>
+    <dgm:txEffectClrLst/>
+  </dgm:styleLbl>
+  <dgm:styleLbl name="parChTrans2D3">
+    <dgm:fillClrLst meth="repeat">
+      <a:schemeClr val="accent1"/>
+    </dgm:fillClrLst>
+    <dgm:linClrLst meth="repeat">
+      <a:schemeClr val="accent1"/>
+    </dgm:linClrLst>
+    <dgm:effectClrLst/>
+    <dgm:txLinClrLst/>
+    <dgm:txFillClrLst meth="repeat">
+      <a:schemeClr val="lt1"/>
+    </dgm:txFillClrLst>
+    <dgm:txEffectClrLst/>
+  </dgm:styleLbl>
+  <dgm:styleLbl name="parChTrans2D4">
+    <dgm:fillClrLst meth="repeat">
+      <a:schemeClr val="accent1"/>
+    </dgm:fillClrLst>
+    <dgm:linClrLst meth="repeat">
+      <a:schemeClr val="accent1"/>
+    </dgm:linClrLst>
+    <dgm:effectClrLst/>
+    <dgm:txLinClrLst/>
+    <dgm:txFillClrLst meth="repeat">
+      <a:schemeClr val="lt1"/>
+    </dgm:txFillClrLst>
+    <dgm:txEffectClrLst/>
+  </dgm:styleLbl>
+  <dgm:styleLbl name="parChTrans1D1">
+    <dgm:fillClrLst meth="repeat">
+      <a:schemeClr val="accent1"/>
+    </dgm:fillClrLst>
+    <dgm:linClrLst meth="repeat">
+      <a:schemeClr val="accent1">
+        <a:shade val="60000"/>
+      </a:schemeClr>
+    </dgm:linClrLst>
+    <dgm:effectClrLst/>
+    <dgm:txLinClrLst/>
+    <dgm:txFillClrLst meth="repeat">
+      <a:schemeClr val="tx1"/>
+    </dgm:txFillClrLst>
+    <dgm:txEffectClrLst/>
+  </dgm:styleLbl>
+  <dgm:styleLbl name="parChTrans1D2">
+    <dgm:fillClrLst meth="repeat">
+      <a:schemeClr val="accent1"/>
+    </dgm:fillClrLst>
+    <dgm:linClrLst meth="repeat">
+      <a:schemeClr val="accent1">
+        <a:shade val="60000"/>
+      </a:schemeClr>
+    </dgm:linClrLst>
+    <dgm:effectClrLst/>
+    <dgm:txLinClrLst/>
+    <dgm:txFillClrLst meth="repeat">
+      <a:schemeClr val="tx1"/>
+    </dgm:txFillClrLst>
+    <dgm:txEffectClrLst/>
+  </dgm:styleLbl>
+  <dgm:styleLbl name="parChTrans1D3">
+    <dgm:fillClrLst meth="repeat">
+      <a:schemeClr val="accent1"/>
+    </dgm:fillClrLst>
+    <dgm:linClrLst meth="repeat">
+      <a:schemeClr val="accent1">
+        <a:shade val="80000"/>
+      </a:schemeClr>
+    </dgm:linClrLst>
+    <dgm:effectClrLst/>
+    <dgm:txLinClrLst/>
+    <dgm:txFillClrLst meth="repeat">
+      <a:schemeClr val="tx1"/>
+    </dgm:txFillClrLst>
+    <dgm:txEffectClrLst/>
+  </dgm:styleLbl>
+  <dgm:styleLbl name="parChTrans1D4">
+    <dgm:fillClrLst meth="repeat">
+      <a:schemeClr val="accent1"/>
+    </dgm:fillClrLst>
+    <dgm:linClrLst meth="repeat">
+      <a:schemeClr val="accent1">
+        <a:shade val="80000"/>
+      </a:schemeClr>
+    </dgm:linClrLst>
+    <dgm:effectClrLst/>
+    <dgm:txLinClrLst/>
+    <dgm:txFillClrLst meth="repeat">
+      <a:schemeClr val="tx1"/>
+    </dgm:txFillClrLst>
+    <dgm:txEffectClrLst/>
+  </dgm:styleLbl>
+  <dgm:styleLbl name="fgAcc1">
+    <dgm:fillClrLst meth="repeat">
+      <a:schemeClr val="lt1">
+        <a:alpha val="90000"/>
+      </a:schemeClr>
+    </dgm:fillClrLst>
+    <dgm:linClrLst meth="repeat">
+      <a:schemeClr val="accent1"/>
+    </dgm:linClrLst>
+    <dgm:effectClrLst/>
+    <dgm:txLinClrLst/>
+    <dgm:txFillClrLst meth="repeat">
+      <a:schemeClr val="dk1"/>
+    </dgm:txFillClrLst>
+    <dgm:txEffectClrLst/>
+  </dgm:styleLbl>
+  <dgm:styleLbl name="conFgAcc1">
+    <dgm:fillClrLst meth="repeat">
+      <a:schemeClr val="lt1">
+        <a:alpha val="90000"/>
+      </a:schemeClr>
+    </dgm:fillClrLst>
+    <dgm:linClrLst meth="repeat">
+      <a:schemeClr val="accent1"/>
+    </dgm:linClrLst>
+    <dgm:effectClrLst/>
+    <dgm:txLinClrLst/>
+    <dgm:txFillClrLst meth="repeat">
+      <a:schemeClr val="dk1"/>
+    </dgm:txFillClrLst>
+    <dgm:txEffectClrLst/>
+  </dgm:styleLbl>
+  <dgm:styleLbl name="alignAcc1">
+    <dgm:fillClrLst meth="repeat">
+      <a:schemeClr val="lt1">
+        <a:alpha val="90000"/>
+      </a:schemeClr>
+    </dgm:fillClrLst>
+    <dgm:linClrLst meth="repeat">
+      <a:schemeClr val="accent1"/>
+    </dgm:linClrLst>
+    <dgm:effectClrLst/>
+    <dgm:txLinClrLst/>
+    <dgm:txFillClrLst meth="repeat">
+      <a:schemeClr val="dk1"/>
+    </dgm:txFillClrLst>
+    <dgm:txEffectClrLst/>
+  </dgm:styleLbl>
+  <dgm:styleLbl name="trAlignAcc1">
+    <dgm:fillClrLst meth="repeat">
+      <a:schemeClr val="lt1">
+        <a:alpha val="40000"/>
+      </a:schemeClr>
+    </dgm:fillClrLst>
+    <dgm:linClrLst meth="repeat">
+      <a:schemeClr val="accent1"/>
+    </dgm:linClrLst>
+    <dgm:effectClrLst/>
+    <dgm:txLinClrLst/>
+    <dgm:txFillClrLst meth="repeat">
+      <a:schemeClr val="dk1"/>
+    </dgm:txFillClrLst>
+    <dgm:txEffectClrLst/>
+  </dgm:styleLbl>
+  <dgm:styleLbl name="bgAcc1">
+    <dgm:fillClrLst meth="repeat">
+      <a:schemeClr val="lt1">
+        <a:alpha val="90000"/>
+      </a:schemeClr>
+    </dgm:fillClrLst>
+    <dgm:linClrLst meth="repeat">
+      <a:schemeClr val="accent1"/>
+    </dgm:linClrLst>
+    <dgm:effectClrLst/>
+    <dgm:txLinClrLst/>
+    <dgm:txFillClrLst meth="repeat">
+      <a:schemeClr val="dk1"/>
+    </dgm:txFillClrLst>
+    <dgm:txEffectClrLst/>
+  </dgm:styleLbl>
+  <dgm:styleLbl name="solidFgAcc1">
+    <dgm:fillClrLst meth="repeat">
+      <a:schemeClr val="lt1"/>
+    </dgm:fillClrLst>
+    <dgm:linClrLst meth="repeat">
+      <a:schemeClr val="accent1"/>
+    </dgm:linClrLst>
+    <dgm:effectClrLst/>
+    <dgm:txLinClrLst/>
+    <dgm:txFillClrLst meth="repeat">
+      <a:schemeClr val="dk1"/>
+    </dgm:txFillClrLst>
+    <dgm:txEffectClrLst/>
+  </dgm:styleLbl>
+  <dgm:styleLbl name="solidAlignAcc1">
+    <dgm:fillClrLst meth="repeat">
+      <a:schemeClr val="lt1"/>
+    </dgm:fillClrLst>
+    <dgm:linClrLst meth="repeat">
+      <a:schemeClr val="accent1"/>
+    </dgm:linClrLst>
+    <dgm:effectClrLst/>
+    <dgm:txLinClrLst/>
+    <dgm:txFillClrLst meth="repeat">
+      <a:schemeClr val="dk1"/>
+    </dgm:txFillClrLst>
+    <dgm:txEffectClrLst/>
+  </dgm:styleLbl>
+  <dgm:styleLbl name="solidBgAcc1">
+    <dgm:fillClrLst meth="repeat">
+      <a:schemeClr val="lt1"/>
+    </dgm:fillClrLst>
+    <dgm:linClrLst meth="repeat">
+      <a:schemeClr val="accent1"/>
+    </dgm:linClrLst>
+    <dgm:effectClrLst/>
+    <dgm:txLinClrLst/>
+    <dgm:txFillClrLst meth="repeat">
+      <a:schemeClr val="dk1"/>
+    </dgm:txFillClrLst>
+    <dgm:txEffectClrLst/>
+  </dgm:styleLbl>
+  <dgm:styleLbl name="fgAccFollowNode1">
+    <dgm:fillClrLst meth="repeat">
+      <a:schemeClr val="accent1">
+        <a:alpha val="90000"/>
+        <a:tint val="40000"/>
+      </a:schemeClr>
+    </dgm:fillClrLst>
+    <dgm:linClrLst meth="repeat">
+      <a:schemeClr val="accent1">
+        <a:alpha val="90000"/>
+        <a:tint val="40000"/>
+      </a:schemeClr>
+    </dgm:linClrLst>
+    <dgm:effectClrLst/>
+    <dgm:txLinClrLst/>
+    <dgm:txFillClrLst meth="repeat">
+      <a:schemeClr val="dk1"/>
+    </dgm:txFillClrLst>
+    <dgm:txEffectClrLst/>
+  </dgm:styleLbl>
+  <dgm:styleLbl name="alignAccFollowNode1">
+    <dgm:fillClrLst meth="repeat">
+      <a:schemeClr val="accent1">
+        <a:alpha val="90000"/>
+        <a:tint val="40000"/>
+      </a:schemeClr>
+    </dgm:fillClrLst>
+    <dgm:linClrLst meth="repeat">
+      <a:schemeClr val="accent1">
+        <a:alpha val="90000"/>
+        <a:tint val="40000"/>
+      </a:schemeClr>
+    </dgm:linClrLst>
+    <dgm:effectClrLst/>
+    <dgm:txLinClrLst/>
+    <dgm:txFillClrLst meth="repeat">
+      <a:schemeClr val="dk1"/>
+    </dgm:txFillClrLst>
+    <dgm:txEffectClrLst/>
+  </dgm:styleLbl>
+  <dgm:styleLbl name="bgAccFollowNode1">
+    <dgm:fillClrLst meth="repeat">
+      <a:schemeClr val="accent1">
+        <a:alpha val="90000"/>
+        <a:tint val="40000"/>
+      </a:schemeClr>
+    </dgm:fillClrLst>
+    <dgm:linClrLst meth="repeat">
+      <a:schemeClr val="accent1">
+        <a:alpha val="90000"/>
+        <a:tint val="40000"/>
+      </a:schemeClr>
+    </dgm:linClrLst>
+    <dgm:effectClrLst/>
+    <dgm:txLinClrLst/>
+    <dgm:txFillClrLst meth="repeat">
+      <a:schemeClr val="dk1"/>
+    </dgm:txFillClrLst>
+    <dgm:txEffectClrLst/>
+  </dgm:styleLbl>
+  <dgm:styleLbl name="fgAcc0">
+    <dgm:fillClrLst meth="repeat">
+      <a:schemeClr val="lt1">
+        <a:alpha val="90000"/>
+      </a:schemeClr>
+    </dgm:fillClrLst>
+    <dgm:linClrLst meth="repeat">
+      <a:schemeClr val="accent1"/>
+    </dgm:linClrLst>
+    <dgm:effectClrLst/>
+    <dgm:txLinClrLst/>
+    <dgm:txFillClrLst meth="repeat">
+      <a:schemeClr val="dk1"/>
+    </dgm:txFillClrLst>
+    <dgm:txEffectClrLst/>
+  </dgm:styleLbl>
+  <dgm:styleLbl name="fgAcc2">
+    <dgm:fillClrLst meth="repeat">
+      <a:schemeClr val="lt1">
+        <a:alpha val="90000"/>
+      </a:schemeClr>
+    </dgm:fillClrLst>
+    <dgm:linClrLst meth="repeat">
+      <a:schemeClr val="accent1"/>
+    </dgm:linClrLst>
+    <dgm:effectClrLst/>
+    <dgm:txLinClrLst/>
+    <dgm:txFillClrLst meth="repeat">
+      <a:schemeClr val="dk1"/>
+    </dgm:txFillClrLst>
+    <dgm:txEffectClrLst/>
+  </dgm:styleLbl>
+  <dgm:styleLbl name="fgAcc3">
+    <dgm:fillClrLst meth="repeat">
+      <a:schemeClr val="lt1">
+        <a:alpha val="90000"/>
+      </a:schemeClr>
+    </dgm:fillClrLst>
+    <dgm:linClrLst meth="repeat">
+      <a:schemeClr val="accent1"/>
+    </dgm:linClrLst>
+    <dgm:effectClrLst/>
+    <dgm:txLinClrLst/>
+    <dgm:txFillClrLst meth="repeat">
+      <a:schemeClr val="dk1"/>
+    </dgm:txFillClrLst>
+    <dgm:txEffectClrLst/>
+  </dgm:styleLbl>
+  <dgm:styleLbl name="fgAcc4">
+    <dgm:fillClrLst meth="repeat">
+      <a:schemeClr val="lt1">
+        <a:alpha val="90000"/>
+      </a:schemeClr>
+    </dgm:fillClrLst>
+    <dgm:linClrLst meth="repeat">
+      <a:schemeClr val="accent1"/>
+    </dgm:linClrLst>
+    <dgm:effectClrLst/>
+    <dgm:txLinClrLst/>
+    <dgm:txFillClrLst meth="repeat">
+      <a:schemeClr val="dk1"/>
+    </dgm:txFillClrLst>
+    <dgm:txEffectClrLst/>
+  </dgm:styleLbl>
+  <dgm:styleLbl name="bgShp">
+    <dgm:fillClrLst meth="repeat">
+      <a:schemeClr val="accent1">
+        <a:tint val="40000"/>
+      </a:schemeClr>
+    </dgm:fillClrLst>
+    <dgm:linClrLst meth="repeat">
+      <a:schemeClr val="accent1"/>
+    </dgm:linClrLst>
+    <dgm:effectClrLst/>
+    <dgm:txLinClrLst/>
+    <dgm:txFillClrLst meth="repeat">
+      <a:schemeClr val="dk1"/>
+    </dgm:txFillClrLst>
+    <dgm:txEffectClrLst/>
+  </dgm:styleLbl>
+  <dgm:styleLbl name="dkBgShp">
+    <dgm:fillClrLst meth="repeat">
+      <a:schemeClr val="accent1">
+        <a:shade val="80000"/>
+      </a:schemeClr>
+    </dgm:fillClrLst>
+    <dgm:linClrLst meth="repeat">
+      <a:schemeClr val="accent1"/>
+    </dgm:linClrLst>
+    <dgm:effectClrLst/>
+    <dgm:txLinClrLst/>
+    <dgm:txFillClrLst meth="repeat">
+      <a:schemeClr val="lt1"/>
+    </dgm:txFillClrLst>
+    <dgm:txEffectClrLst/>
+  </dgm:styleLbl>
+  <dgm:styleLbl name="trBgShp">
+    <dgm:fillClrLst meth="repeat">
+      <a:schemeClr val="accent1">
+        <a:tint val="50000"/>
+        <a:alpha val="40000"/>
+      </a:schemeClr>
+    </dgm:fillClrLst>
+    <dgm:linClrLst meth="repeat">
+      <a:schemeClr val="accent1"/>
+    </dgm:linClrLst>
+    <dgm:effectClrLst/>
+    <dgm:txLinClrLst/>
+    <dgm:txFillClrLst meth="repeat">
+      <a:schemeClr val="lt1"/>
+    </dgm:txFillClrLst>
+    <dgm:txEffectClrLst/>
+  </dgm:styleLbl>
+  <dgm:styleLbl name="fgShp">
+    <dgm:fillClrLst meth="repeat">
+      <a:schemeClr val="accent1">
+        <a:tint val="60000"/>
+      </a:schemeClr>
+    </dgm:fillClrLst>
+    <dgm:linClrLst meth="repeat">
+      <a:schemeClr val="lt1"/>
+    </dgm:linClrLst>
+    <dgm:effectClrLst/>
+    <dgm:txLinClrLst/>
+    <dgm:txFillClrLst meth="repeat">
+      <a:schemeClr val="dk1"/>
+    </dgm:txFillClrLst>
+    <dgm:txEffectClrLst/>
+  </dgm:styleLbl>
+  <dgm:styleLbl name="revTx">
+    <dgm:fillClrLst meth="repeat">
+      <a:schemeClr val="lt1">
+        <a:alpha val="0"/>
+      </a:schemeClr>
+    </dgm:fillClrLst>
+    <dgm:linClrLst meth="repeat">
+      <a:schemeClr val="dk1">
+        <a:alpha val="0"/>
+      </a:schemeClr>
+    </dgm:linClrLst>
+    <dgm:effectClrLst/>
+    <dgm:txLinClrLst/>
+    <dgm:txFillClrLst meth="repeat">
+      <a:schemeClr val="tx1"/>
+    </dgm:txFillClrLst>
+    <dgm:txEffectClrLst/>
+  </dgm:styleLbl>
+</dgm:colorsDef>
+</file>
+
+<file path=ppt/diagrams/data1.xml><?xml version="1.0" encoding="utf-8"?>
+<dgm:dataModel xmlns:dgm="http://schemas.openxmlformats.org/drawingml/2006/diagram" xmlns:a="http://schemas.openxmlformats.org/drawingml/2006/main">
+  <dgm:ptLst>
+    <dgm:pt modelId="{F6E9D02B-65FF-49A9-9B58-61E7E948CEE0}" type="doc">
+      <dgm:prSet loTypeId="urn:microsoft.com/office/officeart/2005/8/layout/hProcess9" loCatId="process" qsTypeId="urn:microsoft.com/office/officeart/2005/8/quickstyle/simple2" qsCatId="simple" csTypeId="urn:microsoft.com/office/officeart/2005/8/colors/accent1_2" csCatId="accent1" phldr="1"/>
+      <dgm:spPr/>
+      <dgm:t>
+        <a:bodyPr/>
+        <a:lstStyle/>
+        <a:p>
+          <a:endParaRPr lang="en-US"/>
+        </a:p>
+      </dgm:t>
+    </dgm:pt>
+    <dgm:pt modelId="{8714529D-DCC3-4E43-AA3A-D0E319B77A2B}">
+      <dgm:prSet phldrT="[Text]"/>
+      <dgm:spPr/>
+      <dgm:t>
+        <a:bodyPr/>
+        <a:lstStyle/>
+        <a:p>
+          <a:r>
+            <a:rPr lang="en-US" dirty="0" smtClean="0"/>
+            <a:t>Input</a:t>
+          </a:r>
+          <a:endParaRPr lang="en-US" dirty="0"/>
+        </a:p>
+      </dgm:t>
+    </dgm:pt>
+    <dgm:pt modelId="{5193A7E5-CDFA-4C91-996A-4B90CA18CFA2}" type="parTrans" cxnId="{DF2A8C7E-A850-4D13-BD78-E30BDEB00EDC}">
+      <dgm:prSet/>
+      <dgm:spPr/>
+      <dgm:t>
+        <a:bodyPr/>
+        <a:lstStyle/>
+        <a:p>
+          <a:endParaRPr lang="en-US"/>
+        </a:p>
+      </dgm:t>
+    </dgm:pt>
+    <dgm:pt modelId="{2E29EEF8-641A-42B6-A26F-AC7F8F533567}" type="sibTrans" cxnId="{DF2A8C7E-A850-4D13-BD78-E30BDEB00EDC}">
+      <dgm:prSet/>
+      <dgm:spPr/>
+      <dgm:t>
+        <a:bodyPr/>
+        <a:lstStyle/>
+        <a:p>
+          <a:endParaRPr lang="en-US"/>
+        </a:p>
+      </dgm:t>
+    </dgm:pt>
+    <dgm:pt modelId="{F2E8B903-32D4-4747-96D9-34881740AEB8}">
+      <dgm:prSet phldrT="[Text]"/>
+      <dgm:spPr/>
+      <dgm:t>
+        <a:bodyPr/>
+        <a:lstStyle/>
+        <a:p>
+          <a:r>
+            <a:rPr lang="en-US" dirty="0" smtClean="0"/>
+            <a:t>Maximum entropy password</a:t>
+          </a:r>
+          <a:endParaRPr lang="en-US" dirty="0"/>
+        </a:p>
+      </dgm:t>
+    </dgm:pt>
+    <dgm:pt modelId="{9C7A2725-794C-4957-911F-4935074871E6}" type="parTrans" cxnId="{D86BDF5F-54B4-44EF-BD00-7F8474A5B8EC}">
+      <dgm:prSet/>
+      <dgm:spPr/>
+      <dgm:t>
+        <a:bodyPr/>
+        <a:lstStyle/>
+        <a:p>
+          <a:endParaRPr lang="en-US"/>
+        </a:p>
+      </dgm:t>
+    </dgm:pt>
+    <dgm:pt modelId="{25B471E4-4C60-49F6-85C5-18513F2E58C1}" type="sibTrans" cxnId="{D86BDF5F-54B4-44EF-BD00-7F8474A5B8EC}">
+      <dgm:prSet/>
+      <dgm:spPr/>
+      <dgm:t>
+        <a:bodyPr/>
+        <a:lstStyle/>
+        <a:p>
+          <a:endParaRPr lang="en-US"/>
+        </a:p>
+      </dgm:t>
+    </dgm:pt>
+    <dgm:pt modelId="{D86DD2BF-C9C5-4CB2-A4AD-6287AB7872E9}">
+      <dgm:prSet phldrT="[Text]"/>
+      <dgm:spPr/>
+      <dgm:t>
+        <a:bodyPr/>
+        <a:lstStyle/>
+        <a:p>
+          <a:r>
+            <a:rPr lang="en-US" dirty="0" err="1" smtClean="0"/>
+            <a:t>bCrypt</a:t>
+          </a:r>
+          <a:endParaRPr lang="en-US" dirty="0"/>
+        </a:p>
+      </dgm:t>
+    </dgm:pt>
+    <dgm:pt modelId="{C0F3DB7A-9A67-4CB9-B720-B1B99873E979}" type="parTrans" cxnId="{7F774B15-42D6-453D-AA71-E053825C2780}">
+      <dgm:prSet/>
+      <dgm:spPr/>
+      <dgm:t>
+        <a:bodyPr/>
+        <a:lstStyle/>
+        <a:p>
+          <a:endParaRPr lang="en-US"/>
+        </a:p>
+      </dgm:t>
+    </dgm:pt>
+    <dgm:pt modelId="{56EC2944-2F0B-4A2F-A9D6-61CF23F3F06A}" type="sibTrans" cxnId="{7F774B15-42D6-453D-AA71-E053825C2780}">
+      <dgm:prSet/>
+      <dgm:spPr/>
+      <dgm:t>
+        <a:bodyPr/>
+        <a:lstStyle/>
+        <a:p>
+          <a:endParaRPr lang="en-US"/>
+        </a:p>
+      </dgm:t>
+    </dgm:pt>
+    <dgm:pt modelId="{0AF349C5-B51D-4834-856A-C492EAF532B5}">
+      <dgm:prSet phldrT="[Text]"/>
+      <dgm:spPr/>
+      <dgm:t>
+        <a:bodyPr/>
+        <a:lstStyle/>
+        <a:p>
+          <a:r>
+            <a:rPr lang="en-US" dirty="0" smtClean="0"/>
+            <a:t>Master Password</a:t>
+          </a:r>
+          <a:endParaRPr lang="en-US" dirty="0"/>
+        </a:p>
+      </dgm:t>
+    </dgm:pt>
+    <dgm:pt modelId="{549DC43A-A7E3-47A3-9A40-7BC3D370E6C5}" type="parTrans" cxnId="{78C654A2-B3F2-4A2D-8D35-2DEB67CA6C29}">
+      <dgm:prSet/>
+      <dgm:spPr/>
+      <dgm:t>
+        <a:bodyPr/>
+        <a:lstStyle/>
+        <a:p>
+          <a:endParaRPr lang="en-US"/>
+        </a:p>
+      </dgm:t>
+    </dgm:pt>
+    <dgm:pt modelId="{1879333B-EAE3-4831-82EB-C1D0C15F402F}" type="sibTrans" cxnId="{78C654A2-B3F2-4A2D-8D35-2DEB67CA6C29}">
+      <dgm:prSet/>
+      <dgm:spPr/>
+      <dgm:t>
+        <a:bodyPr/>
+        <a:lstStyle/>
+        <a:p>
+          <a:endParaRPr lang="en-US"/>
+        </a:p>
+      </dgm:t>
+    </dgm:pt>
+    <dgm:pt modelId="{B6E97844-F0B5-4F94-B9BF-CE0D8C7F4708}">
+      <dgm:prSet phldrT="[Text]"/>
+      <dgm:spPr/>
+      <dgm:t>
+        <a:bodyPr/>
+        <a:lstStyle/>
+        <a:p>
+          <a:r>
+            <a:rPr lang="en-US" dirty="0" smtClean="0"/>
+            <a:t>Domain</a:t>
+          </a:r>
+          <a:endParaRPr lang="en-US" dirty="0"/>
+        </a:p>
+      </dgm:t>
+    </dgm:pt>
+    <dgm:pt modelId="{58569B9C-99D1-4FCB-AEDF-7386074D1523}" type="parTrans" cxnId="{0B1B0AD0-0F79-46EC-BD6E-1D61EC754F03}">
+      <dgm:prSet/>
+      <dgm:spPr/>
+      <dgm:t>
+        <a:bodyPr/>
+        <a:lstStyle/>
+        <a:p>
+          <a:endParaRPr lang="en-US"/>
+        </a:p>
+      </dgm:t>
+    </dgm:pt>
+    <dgm:pt modelId="{FF093E98-A6FF-4D4F-81D5-02E1B0FDB0F9}" type="sibTrans" cxnId="{0B1B0AD0-0F79-46EC-BD6E-1D61EC754F03}">
+      <dgm:prSet/>
+      <dgm:spPr/>
+      <dgm:t>
+        <a:bodyPr/>
+        <a:lstStyle/>
+        <a:p>
+          <a:endParaRPr lang="en-US"/>
+        </a:p>
+      </dgm:t>
+    </dgm:pt>
+    <dgm:pt modelId="{87EE9E7B-944C-4E82-BE46-3D0B64CA1A66}">
+      <dgm:prSet phldrT="[Text]"/>
+      <dgm:spPr/>
+      <dgm:t>
+        <a:bodyPr/>
+        <a:lstStyle/>
+        <a:p>
+          <a:r>
+            <a:rPr lang="en-US" dirty="0" smtClean="0"/>
+            <a:t>Username</a:t>
+          </a:r>
+          <a:endParaRPr lang="en-US" dirty="0"/>
+        </a:p>
+      </dgm:t>
+    </dgm:pt>
+    <dgm:pt modelId="{83A13465-6190-4038-8E85-453AA1B267ED}" type="parTrans" cxnId="{B6675169-C735-48F2-BEDB-1BDCCD60949E}">
+      <dgm:prSet/>
+      <dgm:spPr/>
+      <dgm:t>
+        <a:bodyPr/>
+        <a:lstStyle/>
+        <a:p>
+          <a:endParaRPr lang="en-US"/>
+        </a:p>
+      </dgm:t>
+    </dgm:pt>
+    <dgm:pt modelId="{97CDE6EA-2CE0-4889-B511-545155DBB48F}" type="sibTrans" cxnId="{B6675169-C735-48F2-BEDB-1BDCCD60949E}">
+      <dgm:prSet/>
+      <dgm:spPr/>
+      <dgm:t>
+        <a:bodyPr/>
+        <a:lstStyle/>
+        <a:p>
+          <a:endParaRPr lang="en-US"/>
+        </a:p>
+      </dgm:t>
+    </dgm:pt>
+    <dgm:pt modelId="{24EEB605-ECE9-4AA3-A030-078EA32C87A4}">
+      <dgm:prSet phldrT="[Text]"/>
+      <dgm:spPr/>
+      <dgm:t>
+        <a:bodyPr/>
+        <a:lstStyle/>
+        <a:p>
+          <a:r>
+            <a:rPr lang="en-US" dirty="0" smtClean="0"/>
+            <a:t>31 char b64 hash</a:t>
+          </a:r>
+          <a:endParaRPr lang="en-US" dirty="0"/>
+        </a:p>
+      </dgm:t>
+    </dgm:pt>
+    <dgm:pt modelId="{016063A3-293D-4EC4-B761-13CC7238F465}" type="parTrans" cxnId="{2C4E405F-AE6C-4E49-AFFE-EBF81B589946}">
+      <dgm:prSet/>
+      <dgm:spPr/>
+      <dgm:t>
+        <a:bodyPr/>
+        <a:lstStyle/>
+        <a:p>
+          <a:endParaRPr lang="en-US"/>
+        </a:p>
+      </dgm:t>
+    </dgm:pt>
+    <dgm:pt modelId="{CE01E216-89EB-4683-9E74-0A1E34725EE4}" type="sibTrans" cxnId="{2C4E405F-AE6C-4E49-AFFE-EBF81B589946}">
+      <dgm:prSet/>
+      <dgm:spPr/>
+      <dgm:t>
+        <a:bodyPr/>
+        <a:lstStyle/>
+        <a:p>
+          <a:endParaRPr lang="en-US"/>
+        </a:p>
+      </dgm:t>
+    </dgm:pt>
+    <dgm:pt modelId="{72FD4245-A6DC-434C-93BA-7E8E864AEDB8}">
+      <dgm:prSet phldrT="[Text]"/>
+      <dgm:spPr/>
+      <dgm:t>
+        <a:bodyPr/>
+        <a:lstStyle/>
+        <a:p>
+          <a:r>
+            <a:rPr lang="en-US" dirty="0" smtClean="0"/>
+            <a:t>Form Password</a:t>
+          </a:r>
+          <a:endParaRPr lang="en-US" dirty="0"/>
+        </a:p>
+      </dgm:t>
+    </dgm:pt>
+    <dgm:pt modelId="{50530D78-5202-4C3C-9A9C-A8F9C5DF3D14}" type="sibTrans" cxnId="{38D85527-35D1-4936-833A-B3936A67E58D}">
+      <dgm:prSet/>
+      <dgm:spPr/>
+      <dgm:t>
+        <a:bodyPr/>
+        <a:lstStyle/>
+        <a:p>
+          <a:endParaRPr lang="en-US"/>
+        </a:p>
+      </dgm:t>
+    </dgm:pt>
+    <dgm:pt modelId="{413C3E48-6D79-43AF-BD94-DBE177D22165}" type="parTrans" cxnId="{38D85527-35D1-4936-833A-B3936A67E58D}">
+      <dgm:prSet/>
+      <dgm:spPr/>
+      <dgm:t>
+        <a:bodyPr/>
+        <a:lstStyle/>
+        <a:p>
+          <a:endParaRPr lang="en-US"/>
+        </a:p>
+      </dgm:t>
+    </dgm:pt>
+    <dgm:pt modelId="{43C226A1-3DE8-4A60-81A0-73133E8C25D5}" type="pres">
+      <dgm:prSet presAssocID="{F6E9D02B-65FF-49A9-9B58-61E7E948CEE0}" presName="CompostProcess" presStyleCnt="0">
+        <dgm:presLayoutVars>
+          <dgm:dir/>
+          <dgm:resizeHandles val="exact"/>
+        </dgm:presLayoutVars>
+      </dgm:prSet>
+      <dgm:spPr/>
+    </dgm:pt>
+    <dgm:pt modelId="{1BD770DC-D3AA-4C72-9C92-D085151CAC53}" type="pres">
+      <dgm:prSet presAssocID="{F6E9D02B-65FF-49A9-9B58-61E7E948CEE0}" presName="arrow" presStyleLbl="bgShp" presStyleIdx="0" presStyleCnt="1"/>
+      <dgm:spPr/>
+    </dgm:pt>
+    <dgm:pt modelId="{AAAB3BB6-257E-4010-B78C-74ABE0E781D4}" type="pres">
+      <dgm:prSet presAssocID="{F6E9D02B-65FF-49A9-9B58-61E7E948CEE0}" presName="linearProcess" presStyleCnt="0"/>
+      <dgm:spPr/>
+    </dgm:pt>
+    <dgm:pt modelId="{7A450337-DE61-4885-84DE-7FC70BF4ED9B}" type="pres">
+      <dgm:prSet presAssocID="{8714529D-DCC3-4E43-AA3A-D0E319B77A2B}" presName="textNode" presStyleLbl="node1" presStyleIdx="0" presStyleCnt="3">
+        <dgm:presLayoutVars>
+          <dgm:bulletEnabled val="1"/>
+        </dgm:presLayoutVars>
+      </dgm:prSet>
+      <dgm:spPr/>
+      <dgm:t>
+        <a:bodyPr/>
+        <a:lstStyle/>
+        <a:p>
+          <a:endParaRPr lang="en-US"/>
+        </a:p>
+      </dgm:t>
+    </dgm:pt>
+    <dgm:pt modelId="{50696D5D-DE63-4B05-AC99-F673B53B4BC7}" type="pres">
+      <dgm:prSet presAssocID="{2E29EEF8-641A-42B6-A26F-AC7F8F533567}" presName="sibTrans" presStyleCnt="0"/>
+      <dgm:spPr/>
+    </dgm:pt>
+    <dgm:pt modelId="{18379C45-741F-4AF3-9416-F8BB3EBDCCDF}" type="pres">
+      <dgm:prSet presAssocID="{D86DD2BF-C9C5-4CB2-A4AD-6287AB7872E9}" presName="textNode" presStyleLbl="node1" presStyleIdx="1" presStyleCnt="3">
+        <dgm:presLayoutVars>
+          <dgm:bulletEnabled val="1"/>
+        </dgm:presLayoutVars>
+      </dgm:prSet>
+      <dgm:spPr/>
+      <dgm:t>
+        <a:bodyPr/>
+        <a:lstStyle/>
+        <a:p>
+          <a:endParaRPr lang="en-US"/>
+        </a:p>
+      </dgm:t>
+    </dgm:pt>
+    <dgm:pt modelId="{58C569BA-18CA-4C55-BA4F-CBBCCD510622}" type="pres">
+      <dgm:prSet presAssocID="{56EC2944-2F0B-4A2F-A9D6-61CF23F3F06A}" presName="sibTrans" presStyleCnt="0"/>
+      <dgm:spPr/>
+    </dgm:pt>
+    <dgm:pt modelId="{C45E071B-22EB-42BD-97C3-3E7D41AF3439}" type="pres">
+      <dgm:prSet presAssocID="{72FD4245-A6DC-434C-93BA-7E8E864AEDB8}" presName="textNode" presStyleLbl="node1" presStyleIdx="2" presStyleCnt="3">
+        <dgm:presLayoutVars>
+          <dgm:bulletEnabled val="1"/>
+        </dgm:presLayoutVars>
+      </dgm:prSet>
+      <dgm:spPr/>
+      <dgm:t>
+        <a:bodyPr/>
+        <a:lstStyle/>
+        <a:p>
+          <a:endParaRPr lang="en-US"/>
+        </a:p>
+      </dgm:t>
+    </dgm:pt>
+  </dgm:ptLst>
+  <dgm:cxnLst>
+    <dgm:cxn modelId="{78C654A2-B3F2-4A2D-8D35-2DEB67CA6C29}" srcId="{8714529D-DCC3-4E43-AA3A-D0E319B77A2B}" destId="{0AF349C5-B51D-4834-856A-C492EAF532B5}" srcOrd="0" destOrd="0" parTransId="{549DC43A-A7E3-47A3-9A40-7BC3D370E6C5}" sibTransId="{1879333B-EAE3-4831-82EB-C1D0C15F402F}"/>
+    <dgm:cxn modelId="{5BEE3119-72CE-4619-9635-F19B211714FC}" type="presOf" srcId="{0AF349C5-B51D-4834-856A-C492EAF532B5}" destId="{7A450337-DE61-4885-84DE-7FC70BF4ED9B}" srcOrd="0" destOrd="1" presId="urn:microsoft.com/office/officeart/2005/8/layout/hProcess9"/>
+    <dgm:cxn modelId="{2C4E405F-AE6C-4E49-AFFE-EBF81B589946}" srcId="{D86DD2BF-C9C5-4CB2-A4AD-6287AB7872E9}" destId="{24EEB605-ECE9-4AA3-A030-078EA32C87A4}" srcOrd="0" destOrd="0" parTransId="{016063A3-293D-4EC4-B761-13CC7238F465}" sibTransId="{CE01E216-89EB-4683-9E74-0A1E34725EE4}"/>
+    <dgm:cxn modelId="{5D275F33-42EB-447E-B446-25EA6D9B2224}" type="presOf" srcId="{D86DD2BF-C9C5-4CB2-A4AD-6287AB7872E9}" destId="{18379C45-741F-4AF3-9416-F8BB3EBDCCDF}" srcOrd="0" destOrd="0" presId="urn:microsoft.com/office/officeart/2005/8/layout/hProcess9"/>
+    <dgm:cxn modelId="{0B1B0AD0-0F79-46EC-BD6E-1D61EC754F03}" srcId="{8714529D-DCC3-4E43-AA3A-D0E319B77A2B}" destId="{B6E97844-F0B5-4F94-B9BF-CE0D8C7F4708}" srcOrd="1" destOrd="0" parTransId="{58569B9C-99D1-4FCB-AEDF-7386074D1523}" sibTransId="{FF093E98-A6FF-4D4F-81D5-02E1B0FDB0F9}"/>
+    <dgm:cxn modelId="{FC605139-4798-47B4-AAA4-6D80A2DC4D07}" type="presOf" srcId="{87EE9E7B-944C-4E82-BE46-3D0B64CA1A66}" destId="{7A450337-DE61-4885-84DE-7FC70BF4ED9B}" srcOrd="0" destOrd="3" presId="urn:microsoft.com/office/officeart/2005/8/layout/hProcess9"/>
+    <dgm:cxn modelId="{3586B1B7-A978-4714-B6E9-E02491637D7A}" type="presOf" srcId="{8714529D-DCC3-4E43-AA3A-D0E319B77A2B}" destId="{7A450337-DE61-4885-84DE-7FC70BF4ED9B}" srcOrd="0" destOrd="0" presId="urn:microsoft.com/office/officeart/2005/8/layout/hProcess9"/>
+    <dgm:cxn modelId="{44745AC1-5DD8-4DBC-AAD4-D5A052610220}" type="presOf" srcId="{24EEB605-ECE9-4AA3-A030-078EA32C87A4}" destId="{18379C45-741F-4AF3-9416-F8BB3EBDCCDF}" srcOrd="0" destOrd="1" presId="urn:microsoft.com/office/officeart/2005/8/layout/hProcess9"/>
+    <dgm:cxn modelId="{B6675169-C735-48F2-BEDB-1BDCCD60949E}" srcId="{8714529D-DCC3-4E43-AA3A-D0E319B77A2B}" destId="{87EE9E7B-944C-4E82-BE46-3D0B64CA1A66}" srcOrd="2" destOrd="0" parTransId="{83A13465-6190-4038-8E85-453AA1B267ED}" sibTransId="{97CDE6EA-2CE0-4889-B511-545155DBB48F}"/>
+    <dgm:cxn modelId="{DF2A8C7E-A850-4D13-BD78-E30BDEB00EDC}" srcId="{F6E9D02B-65FF-49A9-9B58-61E7E948CEE0}" destId="{8714529D-DCC3-4E43-AA3A-D0E319B77A2B}" srcOrd="0" destOrd="0" parTransId="{5193A7E5-CDFA-4C91-996A-4B90CA18CFA2}" sibTransId="{2E29EEF8-641A-42B6-A26F-AC7F8F533567}"/>
+    <dgm:cxn modelId="{43A6B41B-E421-44D2-8E8E-11125AEDED5E}" type="presOf" srcId="{F2E8B903-32D4-4747-96D9-34881740AEB8}" destId="{C45E071B-22EB-42BD-97C3-3E7D41AF3439}" srcOrd="0" destOrd="1" presId="urn:microsoft.com/office/officeart/2005/8/layout/hProcess9"/>
+    <dgm:cxn modelId="{CDFAEA36-0C30-4733-BD56-7FB282881171}" type="presOf" srcId="{72FD4245-A6DC-434C-93BA-7E8E864AEDB8}" destId="{C45E071B-22EB-42BD-97C3-3E7D41AF3439}" srcOrd="0" destOrd="0" presId="urn:microsoft.com/office/officeart/2005/8/layout/hProcess9"/>
+    <dgm:cxn modelId="{7F774B15-42D6-453D-AA71-E053825C2780}" srcId="{F6E9D02B-65FF-49A9-9B58-61E7E948CEE0}" destId="{D86DD2BF-C9C5-4CB2-A4AD-6287AB7872E9}" srcOrd="1" destOrd="0" parTransId="{C0F3DB7A-9A67-4CB9-B720-B1B99873E979}" sibTransId="{56EC2944-2F0B-4A2F-A9D6-61CF23F3F06A}"/>
+    <dgm:cxn modelId="{263F975A-2FC9-4F34-A6D7-31199EE9811D}" type="presOf" srcId="{B6E97844-F0B5-4F94-B9BF-CE0D8C7F4708}" destId="{7A450337-DE61-4885-84DE-7FC70BF4ED9B}" srcOrd="0" destOrd="2" presId="urn:microsoft.com/office/officeart/2005/8/layout/hProcess9"/>
+    <dgm:cxn modelId="{38D85527-35D1-4936-833A-B3936A67E58D}" srcId="{F6E9D02B-65FF-49A9-9B58-61E7E948CEE0}" destId="{72FD4245-A6DC-434C-93BA-7E8E864AEDB8}" srcOrd="2" destOrd="0" parTransId="{413C3E48-6D79-43AF-BD94-DBE177D22165}" sibTransId="{50530D78-5202-4C3C-9A9C-A8F9C5DF3D14}"/>
+    <dgm:cxn modelId="{D86BDF5F-54B4-44EF-BD00-7F8474A5B8EC}" srcId="{72FD4245-A6DC-434C-93BA-7E8E864AEDB8}" destId="{F2E8B903-32D4-4747-96D9-34881740AEB8}" srcOrd="0" destOrd="0" parTransId="{9C7A2725-794C-4957-911F-4935074871E6}" sibTransId="{25B471E4-4C60-49F6-85C5-18513F2E58C1}"/>
+    <dgm:cxn modelId="{1A03F629-3007-4772-AD54-D36C42B546DB}" type="presOf" srcId="{F6E9D02B-65FF-49A9-9B58-61E7E948CEE0}" destId="{43C226A1-3DE8-4A60-81A0-73133E8C25D5}" srcOrd="0" destOrd="0" presId="urn:microsoft.com/office/officeart/2005/8/layout/hProcess9"/>
+    <dgm:cxn modelId="{3C83635B-4B21-4C48-882D-6571C55652DD}" type="presParOf" srcId="{43C226A1-3DE8-4A60-81A0-73133E8C25D5}" destId="{1BD770DC-D3AA-4C72-9C92-D085151CAC53}" srcOrd="0" destOrd="0" presId="urn:microsoft.com/office/officeart/2005/8/layout/hProcess9"/>
+    <dgm:cxn modelId="{3BC33A5A-6B00-49BE-AB22-69D8FF9CFBDF}" type="presParOf" srcId="{43C226A1-3DE8-4A60-81A0-73133E8C25D5}" destId="{AAAB3BB6-257E-4010-B78C-74ABE0E781D4}" srcOrd="1" destOrd="0" presId="urn:microsoft.com/office/officeart/2005/8/layout/hProcess9"/>
+    <dgm:cxn modelId="{B36C03CC-3C1B-448F-937E-6AB99763BB30}" type="presParOf" srcId="{AAAB3BB6-257E-4010-B78C-74ABE0E781D4}" destId="{7A450337-DE61-4885-84DE-7FC70BF4ED9B}" srcOrd="0" destOrd="0" presId="urn:microsoft.com/office/officeart/2005/8/layout/hProcess9"/>
+    <dgm:cxn modelId="{22CBC830-67CB-4788-A5C3-D962DDE7E847}" type="presParOf" srcId="{AAAB3BB6-257E-4010-B78C-74ABE0E781D4}" destId="{50696D5D-DE63-4B05-AC99-F673B53B4BC7}" srcOrd="1" destOrd="0" presId="urn:microsoft.com/office/officeart/2005/8/layout/hProcess9"/>
+    <dgm:cxn modelId="{570D2979-BBC3-4C13-B673-99ADE6DD33D2}" type="presParOf" srcId="{AAAB3BB6-257E-4010-B78C-74ABE0E781D4}" destId="{18379C45-741F-4AF3-9416-F8BB3EBDCCDF}" srcOrd="2" destOrd="0" presId="urn:microsoft.com/office/officeart/2005/8/layout/hProcess9"/>
+    <dgm:cxn modelId="{D3EDE4D2-2136-4361-8B3E-13CE2EED4FDB}" type="presParOf" srcId="{AAAB3BB6-257E-4010-B78C-74ABE0E781D4}" destId="{58C569BA-18CA-4C55-BA4F-CBBCCD510622}" srcOrd="3" destOrd="0" presId="urn:microsoft.com/office/officeart/2005/8/layout/hProcess9"/>
+    <dgm:cxn modelId="{B5FEA642-A85D-4DD9-A26A-106802C07FB9}" type="presParOf" srcId="{AAAB3BB6-257E-4010-B78C-74ABE0E781D4}" destId="{C45E071B-22EB-42BD-97C3-3E7D41AF3439}" srcOrd="4" destOrd="0" presId="urn:microsoft.com/office/officeart/2005/8/layout/hProcess9"/>
+  </dgm:cxnLst>
+  <dgm:bg/>
+  <dgm:whole/>
+  <dgm:extLst>
+    <a:ext uri="http://schemas.microsoft.com/office/drawing/2008/diagram">
+      <dsp:dataModelExt xmlns:dsp="http://schemas.microsoft.com/office/drawing/2008/diagram" relId="rId6" minVer="http://schemas.openxmlformats.org/drawingml/2006/diagram"/>
+    </a:ext>
+  </dgm:extLst>
+</dgm:dataModel>
+</file>
+
+<file path=ppt/diagrams/drawing1.xml><?xml version="1.0" encoding="utf-8"?>
+<dsp:drawing xmlns:dgm="http://schemas.openxmlformats.org/drawingml/2006/diagram" xmlns:dsp="http://schemas.microsoft.com/office/drawing/2008/diagram" xmlns:a="http://schemas.openxmlformats.org/drawingml/2006/main">
+  <dsp:spTree>
+    <dsp:nvGrpSpPr>
+      <dsp:cNvPr id="0" name=""/>
+      <dsp:cNvGrpSpPr/>
+    </dsp:nvGrpSpPr>
+    <dsp:grpSpPr/>
+    <dsp:sp modelId="{1BD770DC-D3AA-4C72-9C92-D085151CAC53}">
+      <dsp:nvSpPr>
+        <dsp:cNvPr id="0" name=""/>
+        <dsp:cNvSpPr/>
+      </dsp:nvSpPr>
+      <dsp:spPr>
+        <a:xfrm>
+          <a:off x="571499" y="0"/>
+          <a:ext cx="6477000" cy="4373563"/>
+        </a:xfrm>
+        <a:prstGeom prst="rightArrow">
+          <a:avLst/>
+        </a:prstGeom>
+        <a:solidFill>
+          <a:schemeClr val="accent1">
+            <a:tint val="40000"/>
+            <a:hueOff val="0"/>
+            <a:satOff val="0"/>
+            <a:lumOff val="0"/>
+            <a:alphaOff val="0"/>
+          </a:schemeClr>
+        </a:solidFill>
+        <a:ln>
+          <a:noFill/>
+        </a:ln>
+        <a:effectLst/>
+      </dsp:spPr>
+      <dsp:style>
+        <a:lnRef idx="0">
+          <a:scrgbClr r="0" g="0" b="0"/>
+        </a:lnRef>
+        <a:fillRef idx="1">
+          <a:scrgbClr r="0" g="0" b="0"/>
+        </a:fillRef>
+        <a:effectRef idx="0">
+          <a:scrgbClr r="0" g="0" b="0"/>
+        </a:effectRef>
+        <a:fontRef idx="minor"/>
+      </dsp:style>
+    </dsp:sp>
+    <dsp:sp modelId="{7A450337-DE61-4885-84DE-7FC70BF4ED9B}">
+      <dsp:nvSpPr>
+        <dsp:cNvPr id="0" name=""/>
+        <dsp:cNvSpPr/>
+      </dsp:nvSpPr>
+      <dsp:spPr>
+        <a:xfrm>
+          <a:off x="651" y="1312068"/>
+          <a:ext cx="2438362" cy="1749425"/>
+        </a:xfrm>
+        <a:prstGeom prst="roundRect">
+          <a:avLst/>
+        </a:prstGeom>
+        <a:solidFill>
+          <a:schemeClr val="accent1">
+            <a:hueOff val="0"/>
+            <a:satOff val="0"/>
+            <a:lumOff val="0"/>
+            <a:alphaOff val="0"/>
+          </a:schemeClr>
+        </a:solidFill>
+        <a:ln w="41275" cap="flat" cmpd="sng" algn="ctr">
+          <a:solidFill>
+            <a:schemeClr val="lt1">
+              <a:hueOff val="0"/>
+              <a:satOff val="0"/>
+              <a:lumOff val="0"/>
+              <a:alphaOff val="0"/>
+            </a:schemeClr>
+          </a:solidFill>
+          <a:prstDash val="solid"/>
+        </a:ln>
+        <a:effectLst/>
+      </dsp:spPr>
+      <dsp:style>
+        <a:lnRef idx="3">
+          <a:scrgbClr r="0" g="0" b="0"/>
+        </a:lnRef>
+        <a:fillRef idx="1">
+          <a:scrgbClr r="0" g="0" b="0"/>
+        </a:fillRef>
+        <a:effectRef idx="1">
+          <a:scrgbClr r="0" g="0" b="0"/>
+        </a:effectRef>
+        <a:fontRef idx="minor">
+          <a:schemeClr val="lt1"/>
+        </a:fontRef>
+      </dsp:style>
+      <dsp:txBody>
+        <a:bodyPr spcFirstLastPara="0" vert="horz" wrap="square" lIns="91440" tIns="91440" rIns="91440" bIns="91440" numCol="1" spcCol="1270" anchor="t" anchorCtr="0">
+          <a:noAutofit/>
+        </a:bodyPr>
+        <a:lstStyle/>
+        <a:p>
+          <a:pPr lvl="0" algn="l" defTabSz="1066800">
+            <a:lnSpc>
+              <a:spcPct val="90000"/>
+            </a:lnSpc>
+            <a:spcBef>
+              <a:spcPct val="0"/>
+            </a:spcBef>
+            <a:spcAft>
+              <a:spcPct val="35000"/>
+            </a:spcAft>
+          </a:pPr>
+          <a:r>
+            <a:rPr lang="en-US" sz="2400" kern="1200" dirty="0" smtClean="0"/>
+            <a:t>Input</a:t>
+          </a:r>
+          <a:endParaRPr lang="en-US" sz="2400" kern="1200" dirty="0"/>
+        </a:p>
+        <a:p>
+          <a:pPr marL="171450" lvl="1" indent="-171450" algn="l" defTabSz="844550">
+            <a:lnSpc>
+              <a:spcPct val="90000"/>
+            </a:lnSpc>
+            <a:spcBef>
+              <a:spcPct val="0"/>
+            </a:spcBef>
+            <a:spcAft>
+              <a:spcPct val="15000"/>
+            </a:spcAft>
+            <a:buChar char="••"/>
+          </a:pPr>
+          <a:r>
+            <a:rPr lang="en-US" sz="1900" kern="1200" dirty="0" smtClean="0"/>
+            <a:t>Master Password</a:t>
+          </a:r>
+          <a:endParaRPr lang="en-US" sz="1900" kern="1200" dirty="0"/>
+        </a:p>
+        <a:p>
+          <a:pPr marL="171450" lvl="1" indent="-171450" algn="l" defTabSz="844550">
+            <a:lnSpc>
+              <a:spcPct val="90000"/>
+            </a:lnSpc>
+            <a:spcBef>
+              <a:spcPct val="0"/>
+            </a:spcBef>
+            <a:spcAft>
+              <a:spcPct val="15000"/>
+            </a:spcAft>
+            <a:buChar char="••"/>
+          </a:pPr>
+          <a:r>
+            <a:rPr lang="en-US" sz="1900" kern="1200" dirty="0" smtClean="0"/>
+            <a:t>Domain</a:t>
+          </a:r>
+          <a:endParaRPr lang="en-US" sz="1900" kern="1200" dirty="0"/>
+        </a:p>
+        <a:p>
+          <a:pPr marL="171450" lvl="1" indent="-171450" algn="l" defTabSz="844550">
+            <a:lnSpc>
+              <a:spcPct val="90000"/>
+            </a:lnSpc>
+            <a:spcBef>
+              <a:spcPct val="0"/>
+            </a:spcBef>
+            <a:spcAft>
+              <a:spcPct val="15000"/>
+            </a:spcAft>
+            <a:buChar char="••"/>
+          </a:pPr>
+          <a:r>
+            <a:rPr lang="en-US" sz="1900" kern="1200" dirty="0" smtClean="0"/>
+            <a:t>Username</a:t>
+          </a:r>
+          <a:endParaRPr lang="en-US" sz="1900" kern="1200" dirty="0"/>
+        </a:p>
+      </dsp:txBody>
+      <dsp:txXfrm>
+        <a:off x="86051" y="1397468"/>
+        <a:ext cx="2267562" cy="1578625"/>
+      </dsp:txXfrm>
+    </dsp:sp>
+    <dsp:sp modelId="{18379C45-741F-4AF3-9416-F8BB3EBDCCDF}">
+      <dsp:nvSpPr>
+        <dsp:cNvPr id="0" name=""/>
+        <dsp:cNvSpPr/>
+      </dsp:nvSpPr>
+      <dsp:spPr>
+        <a:xfrm>
+          <a:off x="2590818" y="1312068"/>
+          <a:ext cx="2438362" cy="1749425"/>
+        </a:xfrm>
+        <a:prstGeom prst="roundRect">
+          <a:avLst/>
+        </a:prstGeom>
+        <a:solidFill>
+          <a:schemeClr val="accent1">
+            <a:hueOff val="0"/>
+            <a:satOff val="0"/>
+            <a:lumOff val="0"/>
+            <a:alphaOff val="0"/>
+          </a:schemeClr>
+        </a:solidFill>
+        <a:ln w="41275" cap="flat" cmpd="sng" algn="ctr">
+          <a:solidFill>
+            <a:schemeClr val="lt1">
+              <a:hueOff val="0"/>
+              <a:satOff val="0"/>
+              <a:lumOff val="0"/>
+              <a:alphaOff val="0"/>
+            </a:schemeClr>
+          </a:solidFill>
+          <a:prstDash val="solid"/>
+        </a:ln>
+        <a:effectLst/>
+      </dsp:spPr>
+      <dsp:style>
+        <a:lnRef idx="3">
+          <a:scrgbClr r="0" g="0" b="0"/>
+        </a:lnRef>
+        <a:fillRef idx="1">
+          <a:scrgbClr r="0" g="0" b="0"/>
+        </a:fillRef>
+        <a:effectRef idx="1">
+          <a:scrgbClr r="0" g="0" b="0"/>
+        </a:effectRef>
+        <a:fontRef idx="minor">
+          <a:schemeClr val="lt1"/>
+        </a:fontRef>
+      </dsp:style>
+      <dsp:txBody>
+        <a:bodyPr spcFirstLastPara="0" vert="horz" wrap="square" lIns="91440" tIns="91440" rIns="91440" bIns="91440" numCol="1" spcCol="1270" anchor="t" anchorCtr="0">
+          <a:noAutofit/>
+        </a:bodyPr>
+        <a:lstStyle/>
+        <a:p>
+          <a:pPr lvl="0" algn="l" defTabSz="1066800">
+            <a:lnSpc>
+              <a:spcPct val="90000"/>
+            </a:lnSpc>
+            <a:spcBef>
+              <a:spcPct val="0"/>
+            </a:spcBef>
+            <a:spcAft>
+              <a:spcPct val="35000"/>
+            </a:spcAft>
+          </a:pPr>
+          <a:r>
+            <a:rPr lang="en-US" sz="2400" kern="1200" dirty="0" err="1" smtClean="0"/>
+            <a:t>bCrypt</a:t>
+          </a:r>
+          <a:endParaRPr lang="en-US" sz="2400" kern="1200" dirty="0"/>
+        </a:p>
+        <a:p>
+          <a:pPr marL="171450" lvl="1" indent="-171450" algn="l" defTabSz="844550">
+            <a:lnSpc>
+              <a:spcPct val="90000"/>
+            </a:lnSpc>
+            <a:spcBef>
+              <a:spcPct val="0"/>
+            </a:spcBef>
+            <a:spcAft>
+              <a:spcPct val="15000"/>
+            </a:spcAft>
+            <a:buChar char="••"/>
+          </a:pPr>
+          <a:r>
+            <a:rPr lang="en-US" sz="1900" kern="1200" dirty="0" smtClean="0"/>
+            <a:t>31 char b64 hash</a:t>
+          </a:r>
+          <a:endParaRPr lang="en-US" sz="1900" kern="1200" dirty="0"/>
+        </a:p>
+      </dsp:txBody>
+      <dsp:txXfrm>
+        <a:off x="2676218" y="1397468"/>
+        <a:ext cx="2267562" cy="1578625"/>
+      </dsp:txXfrm>
+    </dsp:sp>
+    <dsp:sp modelId="{C45E071B-22EB-42BD-97C3-3E7D41AF3439}">
+      <dsp:nvSpPr>
+        <dsp:cNvPr id="0" name=""/>
+        <dsp:cNvSpPr/>
+      </dsp:nvSpPr>
+      <dsp:spPr>
+        <a:xfrm>
+          <a:off x="5180986" y="1312068"/>
+          <a:ext cx="2438362" cy="1749425"/>
+        </a:xfrm>
+        <a:prstGeom prst="roundRect">
+          <a:avLst/>
+        </a:prstGeom>
+        <a:solidFill>
+          <a:schemeClr val="accent1">
+            <a:hueOff val="0"/>
+            <a:satOff val="0"/>
+            <a:lumOff val="0"/>
+            <a:alphaOff val="0"/>
+          </a:schemeClr>
+        </a:solidFill>
+        <a:ln w="41275" cap="flat" cmpd="sng" algn="ctr">
+          <a:solidFill>
+            <a:schemeClr val="lt1">
+              <a:hueOff val="0"/>
+              <a:satOff val="0"/>
+              <a:lumOff val="0"/>
+              <a:alphaOff val="0"/>
+            </a:schemeClr>
+          </a:solidFill>
+          <a:prstDash val="solid"/>
+        </a:ln>
+        <a:effectLst/>
+      </dsp:spPr>
+      <dsp:style>
+        <a:lnRef idx="3">
+          <a:scrgbClr r="0" g="0" b="0"/>
+        </a:lnRef>
+        <a:fillRef idx="1">
+          <a:scrgbClr r="0" g="0" b="0"/>
+        </a:fillRef>
+        <a:effectRef idx="1">
+          <a:scrgbClr r="0" g="0" b="0"/>
+        </a:effectRef>
+        <a:fontRef idx="minor">
+          <a:schemeClr val="lt1"/>
+        </a:fontRef>
+      </dsp:style>
+      <dsp:txBody>
+        <a:bodyPr spcFirstLastPara="0" vert="horz" wrap="square" lIns="91440" tIns="91440" rIns="91440" bIns="91440" numCol="1" spcCol="1270" anchor="t" anchorCtr="0">
+          <a:noAutofit/>
+        </a:bodyPr>
+        <a:lstStyle/>
+        <a:p>
+          <a:pPr lvl="0" algn="l" defTabSz="1066800">
+            <a:lnSpc>
+              <a:spcPct val="90000"/>
+            </a:lnSpc>
+            <a:spcBef>
+              <a:spcPct val="0"/>
+            </a:spcBef>
+            <a:spcAft>
+              <a:spcPct val="35000"/>
+            </a:spcAft>
+          </a:pPr>
+          <a:r>
+            <a:rPr lang="en-US" sz="2400" kern="1200" dirty="0" smtClean="0"/>
+            <a:t>Form Password</a:t>
+          </a:r>
+          <a:endParaRPr lang="en-US" sz="2400" kern="1200" dirty="0"/>
+        </a:p>
+        <a:p>
+          <a:pPr marL="171450" lvl="1" indent="-171450" algn="l" defTabSz="844550">
+            <a:lnSpc>
+              <a:spcPct val="90000"/>
+            </a:lnSpc>
+            <a:spcBef>
+              <a:spcPct val="0"/>
+            </a:spcBef>
+            <a:spcAft>
+              <a:spcPct val="15000"/>
+            </a:spcAft>
+            <a:buChar char="••"/>
+          </a:pPr>
+          <a:r>
+            <a:rPr lang="en-US" sz="1900" kern="1200" dirty="0" smtClean="0"/>
+            <a:t>Maximum entropy password</a:t>
+          </a:r>
+          <a:endParaRPr lang="en-US" sz="1900" kern="1200" dirty="0"/>
+        </a:p>
+      </dsp:txBody>
+      <dsp:txXfrm>
+        <a:off x="5266386" y="1397468"/>
+        <a:ext cx="2267562" cy="1578625"/>
+      </dsp:txXfrm>
+    </dsp:sp>
+  </dsp:spTree>
+</dsp:drawing>
+</file>
+
+<file path=ppt/diagrams/layout1.xml><?xml version="1.0" encoding="utf-8"?>
+<dgm:layoutDef xmlns:dgm="http://schemas.openxmlformats.org/drawingml/2006/diagram" xmlns:a="http://schemas.openxmlformats.org/drawingml/2006/main" uniqueId="urn:microsoft.com/office/officeart/2005/8/layout/hProcess9">
+  <dgm:title val=""/>
+  <dgm:desc val=""/>
+  <dgm:catLst>
+    <dgm:cat type="process" pri="5000"/>
+    <dgm:cat type="convert" pri="13000"/>
+  </dgm:catLst>
+  <dgm:sampData useDef="1">
+    <dgm:dataModel>
+      <dgm:ptLst/>
+      <dgm:bg/>
+      <dgm:whole/>
+    </dgm:dataModel>
+  </dgm:sampData>
+  <dgm:styleData>
+    <dgm:dataModel>
+      <dgm:ptLst>
+        <dgm:pt modelId="0" type="doc"/>
+        <dgm:pt modelId="1"/>
+        <dgm:pt modelId="2"/>
+      </dgm:ptLst>
+      <dgm:cxnLst>
+        <dgm:cxn modelId="3" srcId="0" destId="1" srcOrd="0" destOrd="0"/>
+        <dgm:cxn modelId="4" srcId="0" destId="2" srcOrd="1" destOrd="0"/>
+      </dgm:cxnLst>
+      <dgm:bg/>
+      <dgm:whole/>
+    </dgm:dataModel>
+  </dgm:styleData>
+  <dgm:clrData>
+    <dgm:dataModel>
+      <dgm:ptLst>
+        <dgm:pt modelId="0" type="doc"/>
+        <dgm:pt modelId="1"/>
+        <dgm:pt modelId="2"/>
+        <dgm:pt modelId="3"/>
+        <dgm:pt modelId="4"/>
+      </dgm:ptLst>
+      <dgm:cxnLst>
+        <dgm:cxn modelId="5" srcId="0" destId="1" srcOrd="0" destOrd="0"/>
+        <dgm:cxn modelId="6" srcId="0" destId="2" srcOrd="1" destOrd="0"/>
+        <dgm:cxn modelId="7" srcId="0" destId="3" srcOrd="2" destOrd="0"/>
+        <dgm:cxn modelId="8" srcId="0" destId="4" srcOrd="3" destOrd="0"/>
+      </dgm:cxnLst>
+      <dgm:bg/>
+      <dgm:whole/>
+    </dgm:dataModel>
+  </dgm:clrData>
+  <dgm:layoutNode name="CompostProcess">
+    <dgm:varLst>
+      <dgm:dir/>
+      <dgm:resizeHandles val="exact"/>
+    </dgm:varLst>
+    <dgm:alg type="composite">
+      <dgm:param type="horzAlign" val="ctr"/>
+      <dgm:param type="vertAlign" val="mid"/>
+    </dgm:alg>
+    <dgm:shape xmlns:r="http://schemas.openxmlformats.org/officeDocument/2006/relationships" r:blip="">
+      <dgm:adjLst/>
+    </dgm:shape>
+    <dgm:presOf/>
+    <dgm:constrLst>
+      <dgm:constr type="w" for="ch" forName="arrow" refType="w" fact="0.85"/>
+      <dgm:constr type="h" for="ch" forName="arrow" refType="h"/>
+      <dgm:constr type="ctrX" for="ch" forName="arrow" refType="w" fact="0.5"/>
+      <dgm:constr type="ctrY" for="ch" forName="arrow" refType="h" fact="0.5"/>
+      <dgm:constr type="w" for="ch" forName="linearProcess" refType="w"/>
+      <dgm:constr type="h" for="ch" forName="linearProcess" refType="h" fact="0.4"/>
+      <dgm:constr type="ctrX" for="ch" forName="linearProcess" refType="w" fact="0.5"/>
+      <dgm:constr type="ctrY" for="ch" forName="linearProcess" refType="h" fact="0.5"/>
+    </dgm:constrLst>
+    <dgm:ruleLst/>
+    <dgm:layoutNode name="arrow" styleLbl="bgShp">
+      <dgm:alg type="sp"/>
+      <dgm:choose name="Name0">
+        <dgm:if name="Name1" func="var" arg="dir" op="equ" val="norm">
+          <dgm:shape xmlns:r="http://schemas.openxmlformats.org/officeDocument/2006/relationships" type="rightArrow" r:blip="">
+            <dgm:adjLst/>
+          </dgm:shape>
+        </dgm:if>
+        <dgm:else name="Name2">
+          <dgm:shape xmlns:r="http://schemas.openxmlformats.org/officeDocument/2006/relationships" type="leftArrow" r:blip="">
+            <dgm:adjLst/>
+          </dgm:shape>
+        </dgm:else>
+      </dgm:choose>
+      <dgm:presOf/>
+      <dgm:constrLst/>
+      <dgm:ruleLst/>
+    </dgm:layoutNode>
+    <dgm:layoutNode name="linearProcess">
+      <dgm:choose name="Name3">
+        <dgm:if name="Name4" func="var" arg="dir" op="equ" val="norm">
+          <dgm:alg type="lin"/>
+        </dgm:if>
+        <dgm:else name="Name5">
+          <dgm:alg type="lin">
+            <dgm:param type="linDir" val="fromR"/>
+          </dgm:alg>
+        </dgm:else>
+      </dgm:choose>
+      <dgm:shape xmlns:r="http://schemas.openxmlformats.org/officeDocument/2006/relationships" r:blip="">
+        <dgm:adjLst/>
+      </dgm:shape>
+      <dgm:presOf/>
+      <dgm:constrLst>
+        <dgm:constr type="userA" for="ch" ptType="node" refType="w"/>
+        <dgm:constr type="h" for="ch" ptType="node" refType="h"/>
+        <dgm:constr type="w" for="ch" ptType="node" op="equ"/>
+        <dgm:constr type="w" for="ch" forName="sibTrans" refType="w" fact="0.05"/>
+        <dgm:constr type="primFontSz" for="ch" ptType="node" op="equ" val="65"/>
+      </dgm:constrLst>
+      <dgm:ruleLst/>
+      <dgm:forEach name="Name6" axis="ch" ptType="node">
+        <dgm:layoutNode name="textNode" styleLbl="node1">
+          <dgm:varLst>
+            <dgm:bulletEnabled val="1"/>
+          </dgm:varLst>
+          <dgm:alg type="tx"/>
+          <dgm:shape xmlns:r="http://schemas.openxmlformats.org/officeDocument/2006/relationships" type="roundRect" r:blip="">
+            <dgm:adjLst/>
+          </dgm:shape>
+          <dgm:presOf axis="desOrSelf" ptType="node"/>
+          <dgm:constrLst>
+            <dgm:constr type="userA"/>
+            <dgm:constr type="w" refType="userA" fact="0.3"/>
+            <dgm:constr type="tMarg" refType="primFontSz" fact="0.3"/>
+            <dgm:constr type="bMarg" refType="primFontSz" fact="0.3"/>
+            <dgm:constr type="lMarg" refType="primFontSz" fact="0.3"/>
+            <dgm:constr type="rMarg" refType="primFontSz" fact="0.3"/>
+          </dgm:constrLst>
+          <dgm:ruleLst>
+            <dgm:rule type="w" val="NaN" fact="1" max="NaN"/>
+            <dgm:rule type="primFontSz" val="5" fact="NaN" max="NaN"/>
+          </dgm:ruleLst>
+        </dgm:layoutNode>
+        <dgm:forEach name="Name7" axis="followSib" ptType="sibTrans" cnt="1">
+          <dgm:layoutNode name="sibTrans">
+            <dgm:alg type="sp"/>
+            <dgm:shape xmlns:r="http://schemas.openxmlformats.org/officeDocument/2006/relationships" r:blip="">
+              <dgm:adjLst/>
+            </dgm:shape>
+            <dgm:presOf/>
+            <dgm:constrLst/>
+            <dgm:ruleLst/>
+          </dgm:layoutNode>
+        </dgm:forEach>
+      </dgm:forEach>
+    </dgm:layoutNode>
+  </dgm:layoutNode>
+</dgm:layoutDef>
+</file>
+
+<file path=ppt/diagrams/quickStyle1.xml><?xml version="1.0" encoding="utf-8"?>
+<dgm:styleDef xmlns:dgm="http://schemas.openxmlformats.org/drawingml/2006/diagram" xmlns:a="http://schemas.openxmlformats.org/drawingml/2006/main" uniqueId="urn:microsoft.com/office/officeart/2005/8/quickstyle/simple2">
+  <dgm:title val=""/>
+  <dgm:desc val=""/>
+  <dgm:catLst>
+    <dgm:cat type="simple" pri="10200"/>
+  </dgm:catLst>
+  <dgm:scene3d>
+    <a:camera prst="orthographicFront"/>
+    <a:lightRig rig="threePt" dir="t"/>
+  </dgm:scene3d>
+  <dgm:styleLbl name="node0">
+    <dgm:scene3d>
+      <a:camera prst="orthographicFront"/>
+      <a:lightRig rig="threePt" dir="t"/>
+    </dgm:scene3d>
+    <dgm:sp3d/>
+    <dgm:txPr/>
+    <dgm:style>
+      <a:lnRef idx="3">
+        <a:scrgbClr r="0" g="0" b="0"/>
+      </a:lnRef>
+      <a:fillRef idx="1">
+        <a:scrgbClr r="0" g="0" b="0"/>
+      </a:fillRef>
+      <a:effectRef idx="1">
+        <a:scrgbClr r="0" g="0" b="0"/>
+      </a:effectRef>
+      <a:fontRef idx="minor">
+        <a:schemeClr val="lt1"/>
+      </a:fontRef>
+    </dgm:style>
+  </dgm:styleLbl>
+  <dgm:styleLbl name="lnNode1">
+    <dgm:scene3d>
+      <a:camera prst="orthographicFront"/>
+      <a:lightRig rig="threePt" dir="t"/>
+    </dgm:scene3d>
+    <dgm:sp3d/>
+    <dgm:txPr/>
+    <dgm:style>
+      <a:lnRef idx="3">
+        <a:scrgbClr r="0" g="0" b="0"/>
+      </a:lnRef>
+      <a:fillRef idx="1">
+        <a:scrgbClr r="0" g="0" b="0"/>
+      </a:fillRef>
+      <a:effectRef idx="1">
+        <a:scrgbClr r="0" g="0" b="0"/>
+      </a:effectRef>
+      <a:fontRef idx="minor">
+        <a:schemeClr val="lt1"/>
+      </a:fontRef>
+    </dgm:style>
+  </dgm:styleLbl>
+  <dgm:styleLbl name="vennNode1">
+    <dgm:scene3d>
+      <a:camera prst="orthographicFront"/>
+      <a:lightRig rig="threePt" dir="t"/>
+    </dgm:scene3d>
+    <dgm:sp3d/>
+    <dgm:txPr/>
+    <dgm:style>
+      <a:lnRef idx="3">
+        <a:scrgbClr r="0" g="0" b="0"/>
+      </a:lnRef>
+      <a:fillRef idx="1">
+        <a:scrgbClr r="0" g="0" b="0"/>
+      </a:fillRef>
+      <a:effectRef idx="0">
+        <a:scrgbClr r="0" g="0" b="0"/>
+      </a:effectRef>
+      <a:fontRef idx="minor">
+        <a:schemeClr val="tx1"/>
+      </a:fontRef>
+    </dgm:style>
+  </dgm:styleLbl>
+  <dgm:styleLbl name="alignNode1">
+    <dgm:scene3d>
+      <a:camera prst="orthographicFront"/>
+      <a:lightRig rig="threePt" dir="t"/>
+    </dgm:scene3d>
+    <dgm:sp3d/>
+    <dgm:txPr/>
+    <dgm:style>
+      <a:lnRef idx="2">
+        <a:scrgbClr r="0" g="0" b="0"/>
+      </a:lnRef>
+      <a:fillRef idx="1">
+        <a:scrgbClr r="0" g="0" b="0"/>
+      </a:fillRef>
+      <a:effectRef idx="1">
+        <a:scrgbClr r="0" g="0" b="0"/>
+      </a:effectRef>
+      <a:fontRef idx="minor">
+        <a:schemeClr val="lt1"/>
+      </a:fontRef>
+    </dgm:style>
+  </dgm:styleLbl>
+  <dgm:styleLbl name="node1">
+    <dgm:scene3d>
+      <a:camera prst="orthographicFront"/>
+      <a:lightRig rig="threePt" dir="t"/>
+    </dgm:scene3d>
+    <dgm:sp3d/>
+    <dgm:txPr/>
+    <dgm:style>
+      <a:lnRef idx="3">
+        <a:scrgbClr r="0" g="0" b="0"/>
+      </a:lnRef>
+      <a:fillRef idx="1">
+        <a:scrgbClr r="0" g="0" b="0"/>
+      </a:fillRef>
+      <a:effectRef idx="1">
+        <a:scrgbClr r="0" g="0" b="0"/>
+      </a:effectRef>
+      <a:fontRef idx="minor">
+        <a:schemeClr val="lt1"/>
+      </a:fontRef>
+    </dgm:style>
+  </dgm:styleLbl>
+  <dgm:styleLbl name="node2">
+    <dgm:scene3d>
+      <a:camera prst="orthographicFront"/>
+      <a:lightRig rig="threePt" dir="t"/>
+    </dgm:scene3d>
+    <dgm:sp3d/>
+    <dgm:txPr/>
+    <dgm:style>
+      <a:lnRef idx="3">
+        <a:scrgbClr r="0" g="0" b="0"/>
+      </a:lnRef>
+      <a:fillRef idx="1">
+        <a:scrgbClr r="0" g="0" b="0"/>
+      </a:fillRef>
+      <a:effectRef idx="1">
+        <a:scrgbClr r="0" g="0" b="0"/>
+      </a:effectRef>
+      <a:fontRef idx="minor">
+        <a:schemeClr val="lt1"/>
+      </a:fontRef>
+    </dgm:style>
+  </dgm:styleLbl>
+  <dgm:styleLbl name="node3">
+    <dgm:scene3d>
+      <a:camera prst="orthographicFront"/>
+      <a:lightRig rig="threePt" dir="t"/>
+    </dgm:scene3d>
+    <dgm:sp3d/>
+    <dgm:txPr/>
+    <dgm:style>
+      <a:lnRef idx="3">
+        <a:scrgbClr r="0" g="0" b="0"/>
+      </a:lnRef>
+      <a:fillRef idx="1">
+        <a:scrgbClr r="0" g="0" b="0"/>
+      </a:fillRef>
+      <a:effectRef idx="1">
+        <a:scrgbClr r="0" g="0" b="0"/>
+      </a:effectRef>
+      <a:fontRef idx="minor">
+        <a:schemeClr val="lt1"/>
+      </a:fontRef>
+    </dgm:style>
+  </dgm:styleLbl>
+  <dgm:styleLbl name="node4">
+    <dgm:scene3d>
+      <a:camera prst="orthographicFront"/>
+      <a:lightRig rig="threePt" dir="t"/>
+    </dgm:scene3d>
+    <dgm:sp3d/>
+    <dgm:txPr/>
+    <dgm:style>
+      <a:lnRef idx="3">
+        <a:scrgbClr r="0" g="0" b="0"/>
+      </a:lnRef>
+      <a:fillRef idx="1">
+        <a:scrgbClr r="0" g="0" b="0"/>
+      </a:fillRef>
+      <a:effectRef idx="1">
+        <a:scrgbClr r="0" g="0" b="0"/>
+      </a:effectRef>
+      <a:fontRef idx="minor">
+        <a:schemeClr val="lt1"/>
+      </a:fontRef>
+    </dgm:style>
+  </dgm:styleLbl>
+  <dgm:styleLbl name="fgImgPlace1">
+    <dgm:scene3d>
+      <a:camera prst="orthographicFront"/>
+      <a:lightRig rig="threePt" dir="t"/>
+    </dgm:scene3d>
+    <dgm:sp3d/>
+    <dgm:txPr/>
+    <dgm:style>
+      <a:lnRef idx="3">
+        <a:scrgbClr r="0" g="0" b="0"/>
+      </a:lnRef>
+      <a:fillRef idx="1">
+        <a:scrgbClr r="0" g="0" b="0"/>
+      </a:fillRef>
+      <a:effectRef idx="1">
+        <a:scrgbClr r="0" g="0" b="0"/>
+      </a:effectRef>
+      <a:fontRef idx="minor"/>
+    </dgm:style>
+  </dgm:styleLbl>
+  <dgm:styleLbl name="alignImgPlace1">
+    <dgm:scene3d>
+      <a:camera prst="orthographicFront"/>
+      <a:lightRig rig="threePt" dir="t"/>
+    </dgm:scene3d>
+    <dgm:sp3d/>
+    <dgm:txPr/>
+    <dgm:style>
+      <a:lnRef idx="3">
+        <a:scrgbClr r="0" g="0" b="0"/>
+      </a:lnRef>
+      <a:fillRef idx="1">
+        <a:scrgbClr r="0" g="0" b="0"/>
+      </a:fillRef>
+      <a:effectRef idx="1">
+        <a:scrgbClr r="0" g="0" b="0"/>
+      </a:effectRef>
+      <a:fontRef idx="minor"/>
+    </dgm:style>
+  </dgm:styleLbl>
+  <dgm:styleLbl name="bgImgPlace1">
+    <dgm:scene3d>
+      <a:camera prst="orthographicFront"/>
+      <a:lightRig rig="threePt" dir="t"/>
+    </dgm:scene3d>
+    <dgm:sp3d/>
+    <dgm:txPr/>
+    <dgm:style>
+      <a:lnRef idx="3">
+        <a:scrgbClr r="0" g="0" b="0"/>
+      </a:lnRef>
+      <a:fillRef idx="1">
+        <a:scrgbClr r="0" g="0" b="0"/>
+      </a:fillRef>
+      <a:effectRef idx="1">
+        <a:scrgbClr r="0" g="0" b="0"/>
+      </a:effectRef>
+      <a:fontRef idx="minor"/>
+    </dgm:style>
+  </dgm:styleLbl>
+  <dgm:styleLbl name="sibTrans2D1">
+    <dgm:scene3d>
+      <a:camera prst="orthographicFront"/>
+      <a:lightRig rig="threePt" dir="t"/>
+    </dgm:scene3d>
+    <dgm:sp3d/>
+    <dgm:txPr/>
+    <dgm:style>
+      <a:lnRef idx="0">
+        <a:scrgbClr r="0" g="0" b="0"/>
+      </a:lnRef>
+      <a:fillRef idx="1">
+        <a:scrgbClr r="0" g="0" b="0"/>
+      </a:fillRef>
+      <a:effectRef idx="1">
+        <a:scrgbClr r="0" g="0" b="0"/>
+      </a:effectRef>
+      <a:fontRef idx="minor">
+        <a:schemeClr val="lt1"/>
+      </a:fontRef>
+    </dgm:style>
+  </dgm:styleLbl>
+  <dgm:styleLbl name="fgSibTrans2D1">
+    <dgm:scene3d>
+      <a:camera prst="orthographicFront"/>
+      <a:lightRig rig="threePt" dir="t"/>
+    </dgm:scene3d>
+    <dgm:sp3d/>
+    <dgm:txPr/>
+    <dgm:style>
+      <a:lnRef idx="0">
+        <a:scrgbClr r="0" g="0" b="0"/>
+      </a:lnRef>
+      <a:fillRef idx="1">
+        <a:scrgbClr r="0" g="0" b="0"/>
+      </a:fillRef>
+      <a:effectRef idx="1">
+        <a:scrgbClr r="0" g="0" b="0"/>
+      </a:effectRef>
+      <a:fontRef idx="minor">
+        <a:schemeClr val="lt1"/>
+      </a:fontRef>
+    </dgm:style>
+  </dgm:styleLbl>
+  <dgm:styleLbl name="bgSibTrans2D1">
+    <dgm:scene3d>
+      <a:camera prst="orthographicFront"/>
+      <a:lightRig rig="threePt" dir="t"/>
+    </dgm:scene3d>
+    <dgm:sp3d/>
+    <dgm:txPr/>
+    <dgm:style>
+      <a:lnRef idx="0">
+        <a:scrgbClr r="0" g="0" b="0"/>
+      </a:lnRef>
+      <a:fillRef idx="1">
+        <a:scrgbClr r="0" g="0" b="0"/>
+      </a:fillRef>
+      <a:effectRef idx="1">
+        <a:scrgbClr r="0" g="0" b="0"/>
+      </a:effectRef>
+      <a:fontRef idx="minor">
+        <a:schemeClr val="lt1"/>
+      </a:fontRef>
+    </dgm:style>
+  </dgm:styleLbl>
+  <dgm:styleLbl name="sibTrans1D1">
+    <dgm:scene3d>
+      <a:camera prst="orthographicFront"/>
+      <a:lightRig rig="threePt" dir="t"/>
+    </dgm:scene3d>
+    <dgm:sp3d/>
+    <dgm:txPr/>
+    <dgm:style>
+      <a:lnRef idx="1">
+        <a:scrgbClr r="0" g="0" b="0"/>
+      </a:lnRef>
+      <a:fillRef idx="0">
+        <a:scrgbClr r="0" g="0" b="0"/>
+      </a:fillRef>
+      <a:effectRef idx="0">
+        <a:scrgbClr r="0" g="0" b="0"/>
+      </a:effectRef>
+      <a:fontRef idx="minor"/>
+    </dgm:style>
+  </dgm:styleLbl>
+  <dgm:styleLbl name="callout">
+    <dgm:scene3d>
+      <a:camera prst="orthographicFront"/>
+      <a:lightRig rig="threePt" dir="t"/>
+    </dgm:scene3d>
+    <dgm:sp3d/>
+    <dgm:txPr/>
+    <dgm:style>
+      <a:lnRef idx="2">
+        <a:scrgbClr r="0" g="0" b="0"/>
+      </a:lnRef>
+      <a:fillRef idx="1">
+        <a:scrgbClr r="0" g="0" b="0"/>
+      </a:fillRef>
+      <a:effectRef idx="1">
+        <a:scrgbClr r="0" g="0" b="0"/>
+      </a:effectRef>
+      <a:fontRef idx="minor"/>
+    </dgm:style>
+  </dgm:styleLbl>
+  <dgm:styleLbl name="asst0">
+    <dgm:scene3d>
+      <a:camera prst="orthographicFront"/>
+      <a:lightRig rig="threePt" dir="t"/>
+    </dgm:scene3d>
+    <dgm:sp3d/>
+    <dgm:txPr/>
+    <dgm:style>
+      <a:lnRef idx="3">
+        <a:scrgbClr r="0" g="0" b="0"/>
+      </a:lnRef>
+      <a:fillRef idx="1">
+        <a:scrgbClr r="0" g="0" b="0"/>
+      </a:fillRef>
+      <a:effectRef idx="1">
+        <a:scrgbClr r="0" g="0" b="0"/>
+      </a:effectRef>
+      <a:fontRef idx="minor">
+        <a:schemeClr val="lt1"/>
+      </a:fontRef>
+    </dgm:style>
+  </dgm:styleLbl>
+  <dgm:styleLbl name="asst1">
+    <dgm:scene3d>
+      <a:camera prst="orthographicFront"/>
+      <a:lightRig rig="threePt" dir="t"/>
+    </dgm:scene3d>
+    <dgm:sp3d/>
+    <dgm:txPr/>
+    <dgm:style>
+      <a:lnRef idx="3">
+        <a:scrgbClr r="0" g="0" b="0"/>
+      </a:lnRef>
+      <a:fillRef idx="1">
+        <a:scrgbClr r="0" g="0" b="0"/>
+      </a:fillRef>
+      <a:effectRef idx="1">
+        <a:scrgbClr r="0" g="0" b="0"/>
+      </a:effectRef>
+      <a:fontRef idx="minor">
+        <a:schemeClr val="lt1"/>
+      </a:fontRef>
+    </dgm:style>
+  </dgm:styleLbl>
+  <dgm:styleLbl name="asst2">
+    <dgm:scene3d>
+      <a:camera prst="orthographicFront"/>
+      <a:lightRig rig="threePt" dir="t"/>
+    </dgm:scene3d>
+    <dgm:sp3d/>
+    <dgm:txPr/>
+    <dgm:style>
+      <a:lnRef idx="3">
+        <a:scrgbClr r="0" g="0" b="0"/>
+      </a:lnRef>
+      <a:fillRef idx="1">
+        <a:scrgbClr r="0" g="0" b="0"/>
+      </a:fillRef>
+      <a:effectRef idx="1">
+        <a:scrgbClr r="0" g="0" b="0"/>
+      </a:effectRef>
+      <a:fontRef idx="minor">
+        <a:schemeClr val="lt1"/>
+      </a:fontRef>
+    </dgm:style>
+  </dgm:styleLbl>
+  <dgm:styleLbl name="asst3">
+    <dgm:scene3d>
+      <a:camera prst="orthographicFront"/>
+      <a:lightRig rig="threePt" dir="t"/>
+    </dgm:scene3d>
+    <dgm:sp3d/>
+    <dgm:txPr/>
+    <dgm:style>
+      <a:lnRef idx="3">
+        <a:scrgbClr r="0" g="0" b="0"/>
+      </a:lnRef>
+      <a:fillRef idx="1">
+        <a:scrgbClr r="0" g="0" b="0"/>
+      </a:fillRef>
+      <a:effectRef idx="1">
+        <a:scrgbClr r="0" g="0" b="0"/>
+      </a:effectRef>
+      <a:fontRef idx="minor">
+        <a:schemeClr val="lt1"/>
+      </a:fontRef>
+    </dgm:style>
+  </dgm:styleLbl>
+  <dgm:styleLbl name="asst4">
+    <dgm:scene3d>
+      <a:camera prst="orthographicFront"/>
+      <a:lightRig rig="threePt" dir="t"/>
+    </dgm:scene3d>
+    <dgm:sp3d/>
+    <dgm:txPr/>
+    <dgm:style>
+      <a:lnRef idx="3">
+        <a:scrgbClr r="0" g="0" b="0"/>
+      </a:lnRef>
+      <a:fillRef idx="1">
+        <a:scrgbClr r="0" g="0" b="0"/>
+      </a:fillRef>
+      <a:effectRef idx="1">
+        <a:scrgbClr r="0" g="0" b="0"/>
+      </a:effectRef>
+      <a:fontRef idx="minor">
+        <a:schemeClr val="lt1"/>
+      </a:fontRef>
+    </dgm:style>
+  </dgm:styleLbl>
+  <dgm:styleLbl name="parChTrans2D1">
+    <dgm:scene3d>
+      <a:camera prst="orthographicFront"/>
+      <a:lightRig rig="threePt" dir="t"/>
+    </dgm:scene3d>
+    <dgm:sp3d/>
+    <dgm:txPr/>
+    <dgm:style>
+      <a:lnRef idx="3">
+        <a:scrgbClr r="0" g="0" b="0"/>
+      </a:lnRef>
+      <a:fillRef idx="1">
+        <a:scrgbClr r="0" g="0" b="0"/>
+      </a:fillRef>
+      <a:effectRef idx="1">
+        <a:scrgbClr r="0" g="0" b="0"/>
+      </a:effectRef>
+      <a:fontRef idx="minor">
+        <a:schemeClr val="lt1"/>
+      </a:fontRef>
+    </dgm:style>
+  </dgm:styleLbl>
+  <dgm:styleLbl name="parChTrans2D2">
+    <dgm:scene3d>
+      <a:camera prst="orthographicFront"/>
+      <a:lightRig rig="threePt" dir="t"/>
+    </dgm:scene3d>
+    <dgm:sp3d/>
+    <dgm:txPr/>
+    <dgm:style>
+      <a:lnRef idx="3">
+        <a:scrgbClr r="0" g="0" b="0"/>
+      </a:lnRef>
+      <a:fillRef idx="1">
+        <a:scrgbClr r="0" g="0" b="0"/>
+      </a:fillRef>
+      <a:effectRef idx="1">
+        <a:scrgbClr r="0" g="0" b="0"/>
+      </a:effectRef>
+      <a:fontRef idx="minor">
+        <a:schemeClr val="lt1"/>
+      </a:fontRef>
+    </dgm:style>
+  </dgm:styleLbl>
+  <dgm:styleLbl name="parChTrans2D3">
+    <dgm:scene3d>
+      <a:camera prst="orthographicFront"/>
+      <a:lightRig rig="threePt" dir="t"/>
+    </dgm:scene3d>
+    <dgm:sp3d/>
+    <dgm:txPr/>
+    <dgm:style>
+      <a:lnRef idx="3">
+        <a:scrgbClr r="0" g="0" b="0"/>
+      </a:lnRef>
+      <a:fillRef idx="1">
+        <a:scrgbClr r="0" g="0" b="0"/>
+      </a:fillRef>
+      <a:effectRef idx="1">
+        <a:scrgbClr r="0" g="0" b="0"/>
+      </a:effectRef>
+      <a:fontRef idx="minor">
+        <a:schemeClr val="lt1"/>
+      </a:fontRef>
+    </dgm:style>
+  </dgm:styleLbl>
+  <dgm:styleLbl name="parChTrans2D4">
+    <dgm:scene3d>
+      <a:camera prst="orthographicFront"/>
+      <a:lightRig rig="threePt" dir="t"/>
+    </dgm:scene3d>
+    <dgm:sp3d/>
+    <dgm:txPr/>
+    <dgm:style>
+      <a:lnRef idx="3">
+        <a:scrgbClr r="0" g="0" b="0"/>
+      </a:lnRef>
+      <a:fillRef idx="1">
+        <a:scrgbClr r="0" g="0" b="0"/>
+      </a:fillRef>
+      <a:effectRef idx="1">
+        <a:scrgbClr r="0" g="0" b="0"/>
+      </a:effectRef>
+      <a:fontRef idx="minor">
+        <a:schemeClr val="lt1"/>
+      </a:fontRef>
+    </dgm:style>
+  </dgm:styleLbl>
+  <dgm:styleLbl name="parChTrans1D1">
+    <dgm:scene3d>
+      <a:camera prst="orthographicFront"/>
+      <a:lightRig rig="threePt" dir="t"/>
+    </dgm:scene3d>
+    <dgm:sp3d/>
+    <dgm:txPr/>
+    <dgm:style>
+      <a:lnRef idx="2">
+        <a:scrgbClr r="0" g="0" b="0"/>
+      </a:lnRef>
+      <a:fillRef idx="0">
+        <a:scrgbClr r="0" g="0" b="0"/>
+      </a:fillRef>
+      <a:effectRef idx="0">
+        <a:scrgbClr r="0" g="0" b="0"/>
+      </a:effectRef>
+      <a:fontRef idx="minor"/>
+    </dgm:style>
+  </dgm:styleLbl>
+  <dgm:styleLbl name="parChTrans1D2">
+    <dgm:scene3d>
+      <a:camera prst="orthographicFront"/>
+      <a:lightRig rig="threePt" dir="t"/>
+    </dgm:scene3d>
+    <dgm:sp3d/>
+    <dgm:txPr/>
+    <dgm:style>
+      <a:lnRef idx="2">
+        <a:scrgbClr r="0" g="0" b="0"/>
+      </a:lnRef>
+      <a:fillRef idx="0">
+        <a:scrgbClr r="0" g="0" b="0"/>
+      </a:fillRef>
+      <a:effectRef idx="0">
+        <a:scrgbClr r="0" g="0" b="0"/>
+      </a:effectRef>
+      <a:fontRef idx="minor"/>
+    </dgm:style>
+  </dgm:styleLbl>
+  <dgm:styleLbl name="parChTrans1D3">
+    <dgm:scene3d>
+      <a:camera prst="orthographicFront"/>
+      <a:lightRig rig="threePt" dir="t"/>
+    </dgm:scene3d>
+    <dgm:sp3d/>
+    <dgm:txPr/>
+    <dgm:style>
+      <a:lnRef idx="2">
+        <a:scrgbClr r="0" g="0" b="0"/>
+      </a:lnRef>
+      <a:fillRef idx="0">
+        <a:scrgbClr r="0" g="0" b="0"/>
+      </a:fillRef>
+      <a:effectRef idx="0">
+        <a:scrgbClr r="0" g="0" b="0"/>
+      </a:effectRef>
+      <a:fontRef idx="minor"/>
+    </dgm:style>
+  </dgm:styleLbl>
+  <dgm:styleLbl name="parChTrans1D4">
+    <dgm:scene3d>
+      <a:camera prst="orthographicFront"/>
+      <a:lightRig rig="threePt" dir="t"/>
+    </dgm:scene3d>
+    <dgm:sp3d/>
+    <dgm:txPr/>
+    <dgm:style>
+      <a:lnRef idx="2">
+        <a:scrgbClr r="0" g="0" b="0"/>
+      </a:lnRef>
+      <a:fillRef idx="0">
+        <a:scrgbClr r="0" g="0" b="0"/>
+      </a:fillRef>
+      <a:effectRef idx="0">
+        <a:scrgbClr r="0" g="0" b="0"/>
+      </a:effectRef>
+      <a:fontRef idx="minor"/>
+    </dgm:style>
+  </dgm:styleLbl>
+  <dgm:styleLbl name="fgAcc1">
+    <dgm:scene3d>
+      <a:camera prst="orthographicFront"/>
+      <a:lightRig rig="threePt" dir="t"/>
+    </dgm:scene3d>
+    <dgm:sp3d/>
+    <dgm:txPr/>
+    <dgm:style>
+      <a:lnRef idx="2">
+        <a:scrgbClr r="0" g="0" b="0"/>
+      </a:lnRef>
+      <a:fillRef idx="1">
+        <a:scrgbClr r="0" g="0" b="0"/>
+      </a:fillRef>
+      <a:effectRef idx="0">
+        <a:scrgbClr r="0" g="0" b="0"/>
+      </a:effectRef>
+      <a:fontRef idx="minor"/>
+    </dgm:style>
+  </dgm:styleLbl>
+  <dgm:styleLbl name="conFgAcc1">
+    <dgm:scene3d>
+      <a:camera prst="orthographicFront"/>
+      <a:lightRig rig="threePt" dir="t"/>
+    </dgm:scene3d>
+    <dgm:sp3d/>
+    <dgm:txPr/>
+    <dgm:style>
+      <a:lnRef idx="2">
+        <a:scrgbClr r="0" g="0" b="0"/>
+      </a:lnRef>
+      <a:fillRef idx="1">
+        <a:scrgbClr r="0" g="0" b="0"/>
+      </a:fillRef>
+      <a:effectRef idx="0">
+        <a:scrgbClr r="0" g="0" b="0"/>
+      </a:effectRef>
+      <a:fontRef idx="minor"/>
+    </dgm:style>
+  </dgm:styleLbl>
+  <dgm:styleLbl name="alignAcc1">
+    <dgm:scene3d>
+      <a:camera prst="orthographicFront"/>
+      <a:lightRig rig="threePt" dir="t"/>
+    </dgm:scene3d>
+    <dgm:sp3d/>
+    <dgm:txPr/>
+    <dgm:style>
+      <a:lnRef idx="2">
+        <a:scrgbClr r="0" g="0" b="0"/>
+      </a:lnRef>
+      <a:fillRef idx="1">
+        <a:scrgbClr r="0" g="0" b="0"/>
+      </a:fillRef>
+      <a:effectRef idx="0">
+        <a:scrgbClr r="0" g="0" b="0"/>
+      </a:effectRef>
+      <a:fontRef idx="minor"/>
+    </dgm:style>
+  </dgm:styleLbl>
+  <dgm:styleLbl name="trAlignAcc1">
+    <dgm:scene3d>
+      <a:camera prst="orthographicFront"/>
+      <a:lightRig rig="threePt" dir="t"/>
+    </dgm:scene3d>
+    <dgm:sp3d/>
+    <dgm:txPr/>
+    <dgm:style>
+      <a:lnRef idx="1">
+        <a:scrgbClr r="0" g="0" b="0"/>
+      </a:lnRef>
+      <a:fillRef idx="1">
+        <a:scrgbClr r="0" g="0" b="0"/>
+      </a:fillRef>
+      <a:effectRef idx="0">
+        <a:scrgbClr r="0" g="0" b="0"/>
+      </a:effectRef>
+      <a:fontRef idx="minor"/>
+    </dgm:style>
+  </dgm:styleLbl>
+  <dgm:styleLbl name="bgAcc1">
+    <dgm:scene3d>
+      <a:camera prst="orthographicFront"/>
+      <a:lightRig rig="threePt" dir="t"/>
+    </dgm:scene3d>
+    <dgm:sp3d/>
+    <dgm:txPr/>
+    <dgm:style>
+      <a:lnRef idx="2">
+        <a:scrgbClr r="0" g="0" b="0"/>
+      </a:lnRef>
+      <a:fillRef idx="1">
+        <a:scrgbClr r="0" g="0" b="0"/>
+      </a:fillRef>
+      <a:effectRef idx="0">
+        <a:scrgbClr r="0" g="0" b="0"/>
+      </a:effectRef>
+      <a:fontRef idx="minor"/>
+    </dgm:style>
+  </dgm:styleLbl>
+  <dgm:styleLbl name="solidFgAcc1">
+    <dgm:scene3d>
+      <a:camera prst="orthographicFront"/>
+      <a:lightRig rig="threePt" dir="t"/>
+    </dgm:scene3d>
+    <dgm:sp3d/>
+    <dgm:txPr/>
+    <dgm:style>
+      <a:lnRef idx="2">
+        <a:scrgbClr r="0" g="0" b="0"/>
+      </a:lnRef>
+      <a:fillRef idx="1">
+        <a:scrgbClr r="0" g="0" b="0"/>
+      </a:fillRef>
+      <a:effectRef idx="0">
+        <a:scrgbClr r="0" g="0" b="0"/>
+      </a:effectRef>
+      <a:fontRef idx="minor"/>
+    </dgm:style>
+  </dgm:styleLbl>
+  <dgm:styleLbl name="solidAlignAcc1">
+    <dgm:scene3d>
+      <a:camera prst="orthographicFront"/>
+      <a:lightRig rig="threePt" dir="t"/>
+    </dgm:scene3d>
+    <dgm:sp3d/>
+    <dgm:txPr/>
+    <dgm:style>
+      <a:lnRef idx="2">
+        <a:scrgbClr r="0" g="0" b="0"/>
+      </a:lnRef>
+      <a:fillRef idx="1">
+        <a:scrgbClr r="0" g="0" b="0"/>
+      </a:fillRef>
+      <a:effectRef idx="0">
+        <a:scrgbClr r="0" g="0" b="0"/>
+      </a:effectRef>
+      <a:fontRef idx="minor"/>
+    </dgm:style>
+  </dgm:styleLbl>
+  <dgm:styleLbl name="solidBgAcc1">
+    <dgm:scene3d>
+      <a:camera prst="orthographicFront"/>
+      <a:lightRig rig="threePt" dir="t"/>
+    </dgm:scene3d>
+    <dgm:sp3d/>
+    <dgm:txPr/>
+    <dgm:style>
+      <a:lnRef idx="2">
+        <a:scrgbClr r="0" g="0" b="0"/>
+      </a:lnRef>
+      <a:fillRef idx="1">
+        <a:scrgbClr r="0" g="0" b="0"/>
+      </a:fillRef>
+      <a:effectRef idx="0">
+        <a:scrgbClr r="0" g="0" b="0"/>
+      </a:effectRef>
+      <a:fontRef idx="minor"/>
+    </dgm:style>
+  </dgm:styleLbl>
+  <dgm:styleLbl name="fgAccFollowNode1">
+    <dgm:scene3d>
+      <a:camera prst="orthographicFront"/>
+      <a:lightRig rig="threePt" dir="t"/>
+    </dgm:scene3d>
+    <dgm:sp3d/>
+    <dgm:txPr/>
+    <dgm:style>
+      <a:lnRef idx="2">
+        <a:scrgbClr r="0" g="0" b="0"/>
+      </a:lnRef>
+      <a:fillRef idx="1">
+        <a:scrgbClr r="0" g="0" b="0"/>
+      </a:fillRef>
+      <a:effectRef idx="0">
+        <a:scrgbClr r="0" g="0" b="0"/>
+      </a:effectRef>
+      <a:fontRef idx="minor"/>
+    </dgm:style>
+  </dgm:styleLbl>
+  <dgm:styleLbl name="alignAccFollowNode1">
+    <dgm:scene3d>
+      <a:camera prst="orthographicFront"/>
+      <a:lightRig rig="threePt" dir="t"/>
+    </dgm:scene3d>
+    <dgm:sp3d/>
+    <dgm:txPr/>
+    <dgm:style>
+      <a:lnRef idx="2">
+        <a:scrgbClr r="0" g="0" b="0"/>
+      </a:lnRef>
+      <a:fillRef idx="1">
+        <a:scrgbClr r="0" g="0" b="0"/>
+      </a:fillRef>
+      <a:effectRef idx="0">
+        <a:scrgbClr r="0" g="0" b="0"/>
+      </a:effectRef>
+      <a:fontRef idx="minor"/>
+    </dgm:style>
+  </dgm:styleLbl>
+  <dgm:styleLbl name="bgAccFollowNode1">
+    <dgm:scene3d>
+      <a:camera prst="orthographicFront"/>
+      <a:lightRig rig="threePt" dir="t"/>
+    </dgm:scene3d>
+    <dgm:sp3d/>
+    <dgm:txPr/>
+    <dgm:style>
+      <a:lnRef idx="2">
+        <a:scrgbClr r="0" g="0" b="0"/>
+      </a:lnRef>
+      <a:fillRef idx="1">
+        <a:scrgbClr r="0" g="0" b="0"/>
+      </a:fillRef>
+      <a:effectRef idx="0">
+        <a:scrgbClr r="0" g="0" b="0"/>
+      </a:effectRef>
+      <a:fontRef idx="minor"/>
+    </dgm:style>
+  </dgm:styleLbl>
+  <dgm:styleLbl name="fgAcc0">
+    <dgm:scene3d>
+      <a:camera prst="orthographicFront"/>
+      <a:lightRig rig="threePt" dir="t"/>
+    </dgm:scene3d>
+    <dgm:sp3d/>
+    <dgm:txPr/>
+    <dgm:style>
+      <a:lnRef idx="2">
+        <a:scrgbClr r="0" g="0" b="0"/>
+      </a:lnRef>
+      <a:fillRef idx="1">
+        <a:scrgbClr r="0" g="0" b="0"/>
+      </a:fillRef>
+      <a:effectRef idx="0">
+        <a:scrgbClr r="0" g="0" b="0"/>
+      </a:effectRef>
+      <a:fontRef idx="minor"/>
+    </dgm:style>
+  </dgm:styleLbl>
+  <dgm:styleLbl name="fgAcc2">
+    <dgm:scene3d>
+      <a:camera prst="orthographicFront"/>
+      <a:lightRig rig="threePt" dir="t"/>
+    </dgm:scene3d>
+    <dgm:sp3d/>
+    <dgm:txPr/>
+    <dgm:style>
+      <a:lnRef idx="2">
+        <a:scrgbClr r="0" g="0" b="0"/>
+      </a:lnRef>
+      <a:fillRef idx="1">
+        <a:scrgbClr r="0" g="0" b="0"/>
+      </a:fillRef>
+      <a:effectRef idx="0">
+        <a:scrgbClr r="0" g="0" b="0"/>
+      </a:effectRef>
+      <a:fontRef idx="minor"/>
+    </dgm:style>
+  </dgm:styleLbl>
+  <dgm:styleLbl name="fgAcc3">
+    <dgm:scene3d>
+      <a:camera prst="orthographicFront"/>
+      <a:lightRig rig="threePt" dir="t"/>
+    </dgm:scene3d>
+    <dgm:sp3d/>
+    <dgm:txPr/>
+    <dgm:style>
+      <a:lnRef idx="2">
+        <a:scrgbClr r="0" g="0" b="0"/>
+      </a:lnRef>
+      <a:fillRef idx="1">
+        <a:scrgbClr r="0" g="0" b="0"/>
+      </a:fillRef>
+      <a:effectRef idx="0">
+        <a:scrgbClr r="0" g="0" b="0"/>
+      </a:effectRef>
+      <a:fontRef idx="minor"/>
+    </dgm:style>
+  </dgm:styleLbl>
+  <dgm:styleLbl name="fgAcc4">
+    <dgm:scene3d>
+      <a:camera prst="orthographicFront"/>
+      <a:lightRig rig="threePt" dir="t"/>
+    </dgm:scene3d>
+    <dgm:sp3d/>
+    <dgm:txPr/>
+    <dgm:style>
+      <a:lnRef idx="2">
+        <a:scrgbClr r="0" g="0" b="0"/>
+      </a:lnRef>
+      <a:fillRef idx="1">
+        <a:scrgbClr r="0" g="0" b="0"/>
+      </a:fillRef>
+      <a:effectRef idx="0">
+        <a:scrgbClr r="0" g="0" b="0"/>
+      </a:effectRef>
+      <a:fontRef idx="minor"/>
+    </dgm:style>
+  </dgm:styleLbl>
+  <dgm:styleLbl name="bgShp">
+    <dgm:scene3d>
+      <a:camera prst="orthographicFront"/>
+      <a:lightRig rig="threePt" dir="t"/>
+    </dgm:scene3d>
+    <dgm:sp3d/>
+    <dgm:txPr/>
+    <dgm:style>
+      <a:lnRef idx="0">
+        <a:scrgbClr r="0" g="0" b="0"/>
+      </a:lnRef>
+      <a:fillRef idx="1">
+        <a:scrgbClr r="0" g="0" b="0"/>
+      </a:fillRef>
+      <a:effectRef idx="0">
+        <a:scrgbClr r="0" g="0" b="0"/>
+      </a:effectRef>
+      <a:fontRef idx="minor"/>
+    </dgm:style>
+  </dgm:styleLbl>
+  <dgm:styleLbl name="dkBgShp">
+    <dgm:scene3d>
+      <a:camera prst="orthographicFront"/>
+      <a:lightRig rig="threePt" dir="t"/>
+    </dgm:scene3d>
+    <dgm:sp3d/>
+    <dgm:txPr/>
+    <dgm:style>
+      <a:lnRef idx="0">
+        <a:scrgbClr r="0" g="0" b="0"/>
+      </a:lnRef>
+      <a:fillRef idx="1">
+        <a:scrgbClr r="0" g="0" b="0"/>
+      </a:fillRef>
+      <a:effectRef idx="0">
+        <a:scrgbClr r="0" g="0" b="0"/>
+      </a:effectRef>
+      <a:fontRef idx="minor"/>
+    </dgm:style>
+  </dgm:styleLbl>
+  <dgm:styleLbl name="trBgShp">
+    <dgm:scene3d>
+      <a:camera prst="orthographicFront"/>
+      <a:lightRig rig="threePt" dir="t"/>
+    </dgm:scene3d>
+    <dgm:sp3d/>
+    <dgm:txPr/>
+    <dgm:style>
+      <a:lnRef idx="0">
+        <a:scrgbClr r="0" g="0" b="0"/>
+      </a:lnRef>
+      <a:fillRef idx="1">
+        <a:scrgbClr r="0" g="0" b="0"/>
+      </a:fillRef>
+      <a:effectRef idx="0">
+        <a:scrgbClr r="0" g="0" b="0"/>
+      </a:effectRef>
+      <a:fontRef idx="minor"/>
+    </dgm:style>
+  </dgm:styleLbl>
+  <dgm:styleLbl name="fgShp">
+    <dgm:scene3d>
+      <a:camera prst="orthographicFront"/>
+      <a:lightRig rig="threePt" dir="t"/>
+    </dgm:scene3d>
+    <dgm:sp3d/>
+    <dgm:txPr/>
+    <dgm:style>
+      <a:lnRef idx="3">
+        <a:scrgbClr r="0" g="0" b="0"/>
+      </a:lnRef>
+      <a:fillRef idx="1">
+        <a:scrgbClr r="0" g="0" b="0"/>
+      </a:fillRef>
+      <a:effectRef idx="1">
+        <a:scrgbClr r="0" g="0" b="0"/>
+      </a:effectRef>
+      <a:fontRef idx="minor"/>
+    </dgm:style>
+  </dgm:styleLbl>
+  <dgm:styleLbl name="revTx">
+    <dgm:scene3d>
+      <a:camera prst="orthographicFront"/>
+      <a:lightRig rig="threePt" dir="t"/>
+    </dgm:scene3d>
+    <dgm:sp3d/>
+    <dgm:txPr/>
+    <dgm:style>
+      <a:lnRef idx="0">
+        <a:scrgbClr r="0" g="0" b="0"/>
+      </a:lnRef>
+      <a:fillRef idx="0">
+        <a:scrgbClr r="0" g="0" b="0"/>
+      </a:fillRef>
+      <a:effectRef idx="0">
+        <a:scrgbClr r="0" g="0" b="0"/>
+      </a:effectRef>
+      <a:fontRef idx="minor"/>
+    </dgm:style>
+  </dgm:styleLbl>
+</dgm:styleDef>
+</file>
+
 <file path=ppt/slideLayouts/slideLayout1.xml><?xml version="1.0" encoding="utf-8"?>
-<p:sldLayout xmlns:a="http://schemas.openxmlformats.org/drawingml/2006/main" xmlns:r="http://schemas.openxmlformats.org/officeDocument/2006/relationships" xmlns:p="http://schemas.openxmlformats.org/presentationml/2006/main" type="title" preserve="1">
+<p:sldLayout xmlns:a="http://schemas.openxmlformats.org/drawingml/2006/main" xmlns:r="http://schemas.openxmlformats.org/officeDocument/2006/relationships" xmlns:p="http://schemas.openxmlformats.org/presentationml/2006/main" showMasterSp="0" type="title" preserve="1">
   <p:cSld name="Title Slide">
     <p:spTree>
       <p:nvGrpSpPr>
@@ -143,19 +2874,32 @@
         </p:nvSpPr>
         <p:spPr>
           <a:xfrm>
-            <a:off x="685800" y="2130425"/>
-            <a:ext cx="7772400" cy="1470025"/>
+            <a:off x="457200" y="228600"/>
+            <a:ext cx="7772400" cy="4571999"/>
           </a:xfrm>
         </p:spPr>
         <p:txBody>
-          <a:bodyPr/>
-          <a:lstStyle/>
+          <a:bodyPr anchor="ctr">
+            <a:noAutofit/>
+          </a:bodyPr>
+          <a:lstStyle>
+            <a:lvl1pPr>
+              <a:lnSpc>
+                <a:spcPct val="100000"/>
+              </a:lnSpc>
+              <a:defRPr sz="8800" spc="-80" baseline="0">
+                <a:solidFill>
+                  <a:schemeClr val="tx1"/>
+                </a:solidFill>
+              </a:defRPr>
+            </a:lvl1pPr>
+          </a:lstStyle>
           <a:p>
             <a:r>
               <a:rPr lang="en-US" smtClean="0"/>
               <a:t>Click to edit Master title style</a:t>
             </a:r>
-            <a:endParaRPr lang="en-US"/>
+            <a:endParaRPr lang="en-US" dirty="0"/>
           </a:p>
         </p:txBody>
       </p:sp>
@@ -171,21 +2915,20 @@
         </p:nvSpPr>
         <p:spPr>
           <a:xfrm>
-            <a:off x="1371600" y="3886200"/>
-            <a:ext cx="6400800" cy="1752600"/>
+            <a:off x="457200" y="4800600"/>
+            <a:ext cx="6858000" cy="914400"/>
           </a:xfrm>
         </p:spPr>
         <p:txBody>
           <a:bodyPr/>
           <a:lstStyle>
-            <a:lvl1pPr marL="0" indent="0" algn="ctr">
+            <a:lvl1pPr marL="0" indent="0" algn="l">
               <a:buNone/>
-              <a:defRPr>
+              <a:defRPr b="0" cap="all" spc="120" baseline="0">
                 <a:solidFill>
-                  <a:schemeClr val="tx1">
-                    <a:tint val="75000"/>
-                  </a:schemeClr>
+                  <a:schemeClr val="tx2"/>
                 </a:solidFill>
+                <a:latin typeface="+mj-lt"/>
               </a:defRPr>
             </a:lvl1pPr>
             <a:lvl2pPr marL="457200" indent="0" algn="ctr">
@@ -274,7 +3017,7 @@
               <a:rPr lang="en-US" smtClean="0"/>
               <a:t>Click to edit Master subtitle style</a:t>
             </a:r>
-            <a:endParaRPr lang="en-US"/>
+            <a:endParaRPr lang="en-US" dirty="0"/>
           </a:p>
         </p:txBody>
       </p:sp>
@@ -295,7 +3038,7 @@
           <a:p>
             <a:fld id="{846F6C99-D65E-4B1A-B210-1DE3D0BCF466}" type="datetimeFigureOut">
               <a:rPr lang="en-US" smtClean="0"/>
-              <a:t>12/11/2012</a:t>
+              <a:t>12/12/2012</a:t>
             </a:fld>
             <a:endParaRPr lang="en-US"/>
           </a:p>
@@ -322,6 +3065,98 @@
       </p:sp>
       <p:sp>
         <p:nvSpPr>
+          <p:cNvPr id="9" name="Rectangle 8"/>
+          <p:cNvSpPr/>
+          <p:nvPr/>
+        </p:nvSpPr>
+        <p:spPr>
+          <a:xfrm>
+            <a:off x="9001124" y="4846320"/>
+            <a:ext cx="142876" cy="2011680"/>
+          </a:xfrm>
+          <a:prstGeom prst="rect">
+            <a:avLst/>
+          </a:prstGeom>
+          <a:solidFill>
+            <a:schemeClr val="tx2"/>
+          </a:solidFill>
+          <a:ln>
+            <a:noFill/>
+          </a:ln>
+        </p:spPr>
+        <p:style>
+          <a:lnRef idx="2">
+            <a:schemeClr val="accent1">
+              <a:shade val="50000"/>
+            </a:schemeClr>
+          </a:lnRef>
+          <a:fillRef idx="1">
+            <a:schemeClr val="accent1"/>
+          </a:fillRef>
+          <a:effectRef idx="0">
+            <a:schemeClr val="accent1"/>
+          </a:effectRef>
+          <a:fontRef idx="minor">
+            <a:schemeClr val="lt1"/>
+          </a:fontRef>
+        </p:style>
+        <p:txBody>
+          <a:bodyPr rtlCol="0" anchor="ctr"/>
+          <a:lstStyle/>
+          <a:p>
+            <a:pPr algn="ctr"/>
+            <a:endParaRPr lang="en-US"/>
+          </a:p>
+        </p:txBody>
+      </p:sp>
+      <p:sp>
+        <p:nvSpPr>
+          <p:cNvPr id="10" name="Rectangle 9"/>
+          <p:cNvSpPr/>
+          <p:nvPr/>
+        </p:nvSpPr>
+        <p:spPr>
+          <a:xfrm>
+            <a:off x="9001124" y="0"/>
+            <a:ext cx="142876" cy="4846320"/>
+          </a:xfrm>
+          <a:prstGeom prst="rect">
+            <a:avLst/>
+          </a:prstGeom>
+          <a:solidFill>
+            <a:schemeClr val="tx1"/>
+          </a:solidFill>
+          <a:ln>
+            <a:noFill/>
+          </a:ln>
+        </p:spPr>
+        <p:style>
+          <a:lnRef idx="2">
+            <a:schemeClr val="accent1">
+              <a:shade val="50000"/>
+            </a:schemeClr>
+          </a:lnRef>
+          <a:fillRef idx="1">
+            <a:schemeClr val="accent1"/>
+          </a:fillRef>
+          <a:effectRef idx="0">
+            <a:schemeClr val="accent1"/>
+          </a:effectRef>
+          <a:fontRef idx="minor">
+            <a:schemeClr val="lt1"/>
+          </a:fontRef>
+        </p:style>
+        <p:txBody>
+          <a:bodyPr rtlCol="0" anchor="ctr"/>
+          <a:lstStyle/>
+          <a:p>
+            <a:pPr algn="ctr"/>
+            <a:endParaRPr lang="en-US"/>
+          </a:p>
+        </p:txBody>
+      </p:sp>
+      <p:sp>
+        <p:nvSpPr>
           <p:cNvPr id="6" name="Slide Number Placeholder 5"/>
           <p:cNvSpPr>
             <a:spLocks noGrp="1"/>
@@ -333,7 +3168,15 @@
         <p:spPr/>
         <p:txBody>
           <a:bodyPr/>
-          <a:lstStyle/>
+          <a:lstStyle>
+            <a:lvl1pPr>
+              <a:defRPr>
+                <a:solidFill>
+                  <a:schemeClr val="tx1"/>
+                </a:solidFill>
+              </a:defRPr>
+            </a:lvl1pPr>
+          </a:lstStyle>
           <a:p>
             <a:fld id="{911E4504-5F1F-4F87-94F0-3F1DFF769DC2}" type="slidenum">
               <a:rPr lang="en-US" smtClean="0"/>
@@ -344,11 +3187,6 @@
         </p:txBody>
       </p:sp>
     </p:spTree>
-    <p:extLst>
-      <p:ext uri="{BB962C8B-B14F-4D97-AF65-F5344CB8AC3E}">
-        <p14:creationId xmlns:p14="http://schemas.microsoft.com/office/powerpoint/2010/main" val="3622879793"/>
-      </p:ext>
-    </p:extLst>
   </p:cSld>
   <p:clrMapOvr>
     <a:masterClrMapping/>
@@ -465,7 +3303,7 @@
           <a:p>
             <a:fld id="{846F6C99-D65E-4B1A-B210-1DE3D0BCF466}" type="datetimeFigureOut">
               <a:rPr lang="en-US" smtClean="0"/>
-              <a:t>12/11/2012</a:t>
+              <a:t>12/12/2012</a:t>
             </a:fld>
             <a:endParaRPr lang="en-US"/>
           </a:p>
@@ -514,11 +3352,6 @@
         </p:txBody>
       </p:sp>
     </p:spTree>
-    <p:extLst>
-      <p:ext uri="{BB962C8B-B14F-4D97-AF65-F5344CB8AC3E}">
-        <p14:creationId xmlns:p14="http://schemas.microsoft.com/office/powerpoint/2010/main" val="1545765221"/>
-      </p:ext>
-    </p:extLst>
   </p:cSld>
   <p:clrMapOvr>
     <a:masterClrMapping/>
@@ -645,7 +3478,7 @@
           <a:p>
             <a:fld id="{846F6C99-D65E-4B1A-B210-1DE3D0BCF466}" type="datetimeFigureOut">
               <a:rPr lang="en-US" smtClean="0"/>
-              <a:t>12/11/2012</a:t>
+              <a:t>12/12/2012</a:t>
             </a:fld>
             <a:endParaRPr lang="en-US"/>
           </a:p>
@@ -694,11 +3527,6 @@
         </p:txBody>
       </p:sp>
     </p:spTree>
-    <p:extLst>
-      <p:ext uri="{BB962C8B-B14F-4D97-AF65-F5344CB8AC3E}">
-        <p14:creationId xmlns:p14="http://schemas.microsoft.com/office/powerpoint/2010/main" val="3941992014"/>
-      </p:ext>
-    </p:extLst>
   </p:cSld>
   <p:clrMapOvr>
     <a:masterClrMapping/>
@@ -794,7 +3622,7 @@
               <a:rPr lang="en-US" smtClean="0"/>
               <a:t>Fifth level</a:t>
             </a:r>
-            <a:endParaRPr lang="en-US"/>
+            <a:endParaRPr lang="en-US" dirty="0"/>
           </a:p>
         </p:txBody>
       </p:sp>
@@ -815,7 +3643,7 @@
           <a:p>
             <a:fld id="{846F6C99-D65E-4B1A-B210-1DE3D0BCF466}" type="datetimeFigureOut">
               <a:rPr lang="en-US" smtClean="0"/>
-              <a:t>12/11/2012</a:t>
+              <a:t>12/12/2012</a:t>
             </a:fld>
             <a:endParaRPr lang="en-US"/>
           </a:p>
@@ -864,11 +3692,6 @@
         </p:txBody>
       </p:sp>
     </p:spTree>
-    <p:extLst>
-      <p:ext uri="{BB962C8B-B14F-4D97-AF65-F5344CB8AC3E}">
-        <p14:creationId xmlns:p14="http://schemas.microsoft.com/office/powerpoint/2010/main" val="3439870495"/>
-      </p:ext>
-    </p:extLst>
   </p:cSld>
   <p:clrMapOvr>
     <a:masterClrMapping/>
@@ -905,15 +3728,24 @@
         </p:nvSpPr>
         <p:spPr>
           <a:xfrm>
-            <a:off x="722313" y="4406900"/>
-            <a:ext cx="7772400" cy="1362075"/>
+            <a:off x="457200" y="1447800"/>
+            <a:ext cx="7772400" cy="4321175"/>
           </a:xfrm>
         </p:spPr>
         <p:txBody>
-          <a:bodyPr anchor="t"/>
+          <a:bodyPr anchor="ctr">
+            <a:noAutofit/>
+          </a:bodyPr>
           <a:lstStyle>
             <a:lvl1pPr algn="l">
-              <a:defRPr sz="4000" b="1" cap="all"/>
+              <a:lnSpc>
+                <a:spcPct val="100000"/>
+              </a:lnSpc>
+              <a:defRPr sz="8800" b="0" cap="all" spc="-80" baseline="0">
+                <a:solidFill>
+                  <a:schemeClr val="tx1"/>
+                </a:solidFill>
+              </a:defRPr>
             </a:lvl1pPr>
           </a:lstStyle>
           <a:p>
@@ -921,7 +3753,7 @@
               <a:rPr lang="en-US" smtClean="0"/>
               <a:t>Click to edit Master title style</a:t>
             </a:r>
-            <a:endParaRPr lang="en-US"/>
+            <a:endParaRPr lang="en-US" dirty="0"/>
           </a:p>
         </p:txBody>
       </p:sp>
@@ -937,8 +3769,8 @@
         </p:nvSpPr>
         <p:spPr>
           <a:xfrm>
-            <a:off x="722313" y="2906713"/>
-            <a:ext cx="7772400" cy="1500187"/>
+            <a:off x="457200" y="228601"/>
+            <a:ext cx="7772400" cy="1066800"/>
           </a:xfrm>
         </p:spPr>
         <p:txBody>
@@ -946,12 +3778,11 @@
           <a:lstStyle>
             <a:lvl1pPr marL="0" indent="0">
               <a:buNone/>
-              <a:defRPr sz="2000">
+              <a:defRPr sz="2000" b="0" cap="all" spc="120" baseline="0">
                 <a:solidFill>
-                  <a:schemeClr val="tx1">
-                    <a:tint val="75000"/>
-                  </a:schemeClr>
+                  <a:schemeClr val="tx2"/>
                 </a:solidFill>
+                <a:latin typeface="+mj-lt"/>
               </a:defRPr>
             </a:lvl1pPr>
             <a:lvl2pPr marL="457200" indent="0">
@@ -1046,7 +3877,7 @@
       </p:sp>
       <p:sp>
         <p:nvSpPr>
-          <p:cNvPr id="4" name="Date Placeholder 3"/>
+          <p:cNvPr id="7" name="Date Placeholder 6"/>
           <p:cNvSpPr>
             <a:spLocks noGrp="1"/>
           </p:cNvSpPr>
@@ -1061,7 +3892,7 @@
           <a:p>
             <a:fld id="{846F6C99-D65E-4B1A-B210-1DE3D0BCF466}" type="datetimeFigureOut">
               <a:rPr lang="en-US" smtClean="0"/>
-              <a:t>12/11/2012</a:t>
+              <a:t>12/12/2012</a:t>
             </a:fld>
             <a:endParaRPr lang="en-US"/>
           </a:p>
@@ -1069,12 +3900,12 @@
       </p:sp>
       <p:sp>
         <p:nvSpPr>
-          <p:cNvPr id="5" name="Footer Placeholder 4"/>
+          <p:cNvPr id="8" name="Slide Number Placeholder 7"/>
           <p:cNvSpPr>
             <a:spLocks noGrp="1"/>
           </p:cNvSpPr>
           <p:nvPr>
-            <p:ph type="ftr" sz="quarter" idx="11"/>
+            <p:ph type="sldNum" sz="quarter" idx="11"/>
           </p:nvPr>
         </p:nvSpPr>
         <p:spPr/>
@@ -1082,18 +3913,22 @@
           <a:bodyPr/>
           <a:lstStyle/>
           <a:p>
+            <a:fld id="{911E4504-5F1F-4F87-94F0-3F1DFF769DC2}" type="slidenum">
+              <a:rPr lang="en-US" smtClean="0"/>
+              <a:t>‹#›</a:t>
+            </a:fld>
             <a:endParaRPr lang="en-US"/>
           </a:p>
         </p:txBody>
       </p:sp>
       <p:sp>
         <p:nvSpPr>
-          <p:cNvPr id="6" name="Slide Number Placeholder 5"/>
+          <p:cNvPr id="9" name="Footer Placeholder 8"/>
           <p:cNvSpPr>
             <a:spLocks noGrp="1"/>
           </p:cNvSpPr>
           <p:nvPr>
-            <p:ph type="sldNum" sz="quarter" idx="12"/>
+            <p:ph type="ftr" sz="quarter" idx="12"/>
           </p:nvPr>
         </p:nvSpPr>
         <p:spPr/>
@@ -1101,20 +3936,11 @@
           <a:bodyPr/>
           <a:lstStyle/>
           <a:p>
-            <a:fld id="{911E4504-5F1F-4F87-94F0-3F1DFF769DC2}" type="slidenum">
-              <a:rPr lang="en-US" smtClean="0"/>
-              <a:t>‹#›</a:t>
-            </a:fld>
             <a:endParaRPr lang="en-US"/>
           </a:p>
         </p:txBody>
       </p:sp>
     </p:spTree>
-    <p:extLst>
-      <p:ext uri="{BB962C8B-B14F-4D97-AF65-F5344CB8AC3E}">
-        <p14:creationId xmlns:p14="http://schemas.microsoft.com/office/powerpoint/2010/main" val="3085879024"/>
-      </p:ext>
-    </p:extLst>
   </p:cSld>
   <p:clrMapOvr>
     <a:masterClrMapping/>
@@ -1174,8 +4000,8 @@
         </p:nvSpPr>
         <p:spPr>
           <a:xfrm>
-            <a:off x="457200" y="1600200"/>
-            <a:ext cx="4038600" cy="4525963"/>
+            <a:off x="1630680" y="1574800"/>
+            <a:ext cx="3291840" cy="4525963"/>
           </a:xfrm>
         </p:spPr>
         <p:txBody>
@@ -1243,7 +4069,7 @@
               <a:rPr lang="en-US" smtClean="0"/>
               <a:t>Fifth level</a:t>
             </a:r>
-            <a:endParaRPr lang="en-US"/>
+            <a:endParaRPr lang="en-US" dirty="0"/>
           </a:p>
         </p:txBody>
       </p:sp>
@@ -1259,8 +4085,8 @@
         </p:nvSpPr>
         <p:spPr>
           <a:xfrm>
-            <a:off x="4648200" y="1600200"/>
-            <a:ext cx="4038600" cy="4525963"/>
+            <a:off x="5090160" y="1574800"/>
+            <a:ext cx="3291840" cy="4525963"/>
           </a:xfrm>
         </p:spPr>
         <p:txBody>
@@ -1328,7 +4154,7 @@
               <a:rPr lang="en-US" smtClean="0"/>
               <a:t>Fifth level</a:t>
             </a:r>
-            <a:endParaRPr lang="en-US"/>
+            <a:endParaRPr lang="en-US" dirty="0"/>
           </a:p>
         </p:txBody>
       </p:sp>
@@ -1349,7 +4175,7 @@
           <a:p>
             <a:fld id="{846F6C99-D65E-4B1A-B210-1DE3D0BCF466}" type="datetimeFigureOut">
               <a:rPr lang="en-US" smtClean="0"/>
-              <a:t>12/11/2012</a:t>
+              <a:t>12/12/2012</a:t>
             </a:fld>
             <a:endParaRPr lang="en-US"/>
           </a:p>
@@ -1398,11 +4224,6 @@
         </p:txBody>
       </p:sp>
     </p:spTree>
-    <p:extLst>
-      <p:ext uri="{BB962C8B-B14F-4D97-AF65-F5344CB8AC3E}">
-        <p14:creationId xmlns:p14="http://schemas.microsoft.com/office/powerpoint/2010/main" val="2439747459"/>
-      </p:ext>
-    </p:extLst>
   </p:cSld>
   <p:clrMapOvr>
     <a:masterClrMapping/>
@@ -1466,16 +4287,23 @@
         </p:nvSpPr>
         <p:spPr>
           <a:xfrm>
-            <a:off x="457200" y="1535113"/>
-            <a:ext cx="4040188" cy="639762"/>
+            <a:off x="1627632" y="1572768"/>
+            <a:ext cx="3291840" cy="639762"/>
           </a:xfrm>
         </p:spPr>
         <p:txBody>
-          <a:bodyPr anchor="b"/>
+          <a:bodyPr anchor="b">
+            <a:noAutofit/>
+          </a:bodyPr>
           <a:lstStyle>
             <a:lvl1pPr marL="0" indent="0">
               <a:buNone/>
-              <a:defRPr sz="2400" b="1"/>
+              <a:defRPr sz="1800" b="0" cap="all" spc="100" baseline="0">
+                <a:solidFill>
+                  <a:schemeClr val="tx1"/>
+                </a:solidFill>
+                <a:latin typeface="+mj-lt"/>
+              </a:defRPr>
             </a:lvl1pPr>
             <a:lvl2pPr marL="457200" indent="0">
               <a:buNone/>
@@ -1531,8 +4359,8 @@
         </p:nvSpPr>
         <p:spPr>
           <a:xfrm>
-            <a:off x="457200" y="2174875"/>
-            <a:ext cx="4040188" cy="3951288"/>
+            <a:off x="1627632" y="2259366"/>
+            <a:ext cx="3291840" cy="3840480"/>
           </a:xfrm>
         </p:spPr>
         <p:txBody>
@@ -1600,7 +4428,7 @@
               <a:rPr lang="en-US" smtClean="0"/>
               <a:t>Fifth level</a:t>
             </a:r>
-            <a:endParaRPr lang="en-US"/>
+            <a:endParaRPr lang="en-US" dirty="0"/>
           </a:p>
         </p:txBody>
       </p:sp>
@@ -1616,16 +4444,25 @@
         </p:nvSpPr>
         <p:spPr>
           <a:xfrm>
-            <a:off x="4645025" y="1535113"/>
-            <a:ext cx="4041775" cy="639762"/>
+            <a:off x="5093208" y="1572768"/>
+            <a:ext cx="3291840" cy="639762"/>
           </a:xfrm>
         </p:spPr>
         <p:txBody>
-          <a:bodyPr anchor="b"/>
+          <a:bodyPr anchor="b">
+            <a:noAutofit/>
+          </a:bodyPr>
           <a:lstStyle>
             <a:lvl1pPr marL="0" indent="0">
               <a:buNone/>
-              <a:defRPr sz="2400" b="1"/>
+              <a:defRPr lang="en-US" sz="1800" b="0" kern="1200" cap="all" spc="100" baseline="0" dirty="0" smtClean="0">
+                <a:solidFill>
+                  <a:schemeClr val="tx1"/>
+                </a:solidFill>
+                <a:latin typeface="+mj-lt"/>
+                <a:ea typeface="+mn-ea"/>
+                <a:cs typeface="+mn-cs"/>
+              </a:defRPr>
             </a:lvl1pPr>
             <a:lvl2pPr marL="457200" indent="0">
               <a:buNone/>
@@ -1661,7 +4498,13 @@
             </a:lvl9pPr>
           </a:lstStyle>
           <a:p>
-            <a:pPr lvl="0"/>
+            <a:pPr marL="0" lvl="0" indent="0" algn="l" defTabSz="914400" rtl="0" eaLnBrk="1" latinLnBrk="0" hangingPunct="1">
+              <a:spcBef>
+                <a:spcPct val="20000"/>
+              </a:spcBef>
+              <a:buFont typeface="Arial" pitchFamily="34" charset="0"/>
+              <a:buNone/>
+            </a:pPr>
             <a:r>
               <a:rPr lang="en-US" smtClean="0"/>
               <a:t>Click to edit Master text styles</a:t>
@@ -1681,8 +4524,8 @@
         </p:nvSpPr>
         <p:spPr>
           <a:xfrm>
-            <a:off x="4645025" y="2174875"/>
-            <a:ext cx="4041775" cy="3951288"/>
+            <a:off x="5093208" y="2259366"/>
+            <a:ext cx="3291840" cy="3840480"/>
           </a:xfrm>
         </p:spPr>
         <p:txBody>
@@ -1750,7 +4593,7 @@
               <a:rPr lang="en-US" smtClean="0"/>
               <a:t>Fifth level</a:t>
             </a:r>
-            <a:endParaRPr lang="en-US"/>
+            <a:endParaRPr lang="en-US" dirty="0"/>
           </a:p>
         </p:txBody>
       </p:sp>
@@ -1771,7 +4614,7 @@
           <a:p>
             <a:fld id="{846F6C99-D65E-4B1A-B210-1DE3D0BCF466}" type="datetimeFigureOut">
               <a:rPr lang="en-US" smtClean="0"/>
-              <a:t>12/11/2012</a:t>
+              <a:t>12/12/2012</a:t>
             </a:fld>
             <a:endParaRPr lang="en-US"/>
           </a:p>
@@ -1820,11 +4663,6 @@
         </p:txBody>
       </p:sp>
     </p:spTree>
-    <p:extLst>
-      <p:ext uri="{BB962C8B-B14F-4D97-AF65-F5344CB8AC3E}">
-        <p14:creationId xmlns:p14="http://schemas.microsoft.com/office/powerpoint/2010/main" val="1416050459"/>
-      </p:ext>
-    </p:extLst>
   </p:cSld>
   <p:clrMapOvr>
     <a:masterClrMapping/>
@@ -1889,7 +4727,7 @@
           <a:p>
             <a:fld id="{846F6C99-D65E-4B1A-B210-1DE3D0BCF466}" type="datetimeFigureOut">
               <a:rPr lang="en-US" smtClean="0"/>
-              <a:t>12/11/2012</a:t>
+              <a:t>12/12/2012</a:t>
             </a:fld>
             <a:endParaRPr lang="en-US"/>
           </a:p>
@@ -1938,11 +4776,6 @@
         </p:txBody>
       </p:sp>
     </p:spTree>
-    <p:extLst>
-      <p:ext uri="{BB962C8B-B14F-4D97-AF65-F5344CB8AC3E}">
-        <p14:creationId xmlns:p14="http://schemas.microsoft.com/office/powerpoint/2010/main" val="78623459"/>
-      </p:ext>
-    </p:extLst>
   </p:cSld>
   <p:clrMapOvr>
     <a:masterClrMapping/>
@@ -1984,7 +4817,7 @@
           <a:p>
             <a:fld id="{846F6C99-D65E-4B1A-B210-1DE3D0BCF466}" type="datetimeFigureOut">
               <a:rPr lang="en-US" smtClean="0"/>
-              <a:t>12/11/2012</a:t>
+              <a:t>12/12/2012</a:t>
             </a:fld>
             <a:endParaRPr lang="en-US"/>
           </a:p>
@@ -2033,11 +4866,6 @@
         </p:txBody>
       </p:sp>
     </p:spTree>
-    <p:extLst>
-      <p:ext uri="{BB962C8B-B14F-4D97-AF65-F5344CB8AC3E}">
-        <p14:creationId xmlns:p14="http://schemas.microsoft.com/office/powerpoint/2010/main" val="3327143087"/>
-      </p:ext>
-    </p:extLst>
   </p:cSld>
   <p:clrMapOvr>
     <a:masterClrMapping/>
@@ -2064,38 +4892,6 @@
       </p:grpSpPr>
       <p:sp>
         <p:nvSpPr>
-          <p:cNvPr id="2" name="Title 1"/>
-          <p:cNvSpPr>
-            <a:spLocks noGrp="1"/>
-          </p:cNvSpPr>
-          <p:nvPr>
-            <p:ph type="title"/>
-          </p:nvPr>
-        </p:nvSpPr>
-        <p:spPr>
-          <a:xfrm>
-            <a:off x="457200" y="273050"/>
-            <a:ext cx="3008313" cy="1162050"/>
-          </a:xfrm>
-        </p:spPr>
-        <p:txBody>
-          <a:bodyPr anchor="b"/>
-          <a:lstStyle>
-            <a:lvl1pPr algn="l">
-              <a:defRPr sz="2000" b="1"/>
-            </a:lvl1pPr>
-          </a:lstStyle>
-          <a:p>
-            <a:r>
-              <a:rPr lang="en-US" smtClean="0"/>
-              <a:t>Click to edit Master title style</a:t>
-            </a:r>
-            <a:endParaRPr lang="en-US"/>
-          </a:p>
-        </p:txBody>
-      </p:sp>
-      <p:sp>
-        <p:nvSpPr>
           <p:cNvPr id="3" name="Content Placeholder 2"/>
           <p:cNvSpPr>
             <a:spLocks noGrp="1"/>
@@ -2106,8 +4902,8 @@
         </p:nvSpPr>
         <p:spPr>
           <a:xfrm>
-            <a:off x="3575050" y="273050"/>
-            <a:ext cx="5111750" cy="5853113"/>
+            <a:off x="3575050" y="1600200"/>
+            <a:ext cx="5111750" cy="4480560"/>
           </a:xfrm>
         </p:spPr>
         <p:txBody>
@@ -2175,7 +4971,7 @@
               <a:rPr lang="en-US" smtClean="0"/>
               <a:t>Fifth level</a:t>
             </a:r>
-            <a:endParaRPr lang="en-US"/>
+            <a:endParaRPr lang="en-US" dirty="0"/>
           </a:p>
         </p:txBody>
       </p:sp>
@@ -2191,16 +4987,18 @@
         </p:nvSpPr>
         <p:spPr>
           <a:xfrm>
-            <a:off x="457200" y="1435100"/>
-            <a:ext cx="3008313" cy="4691063"/>
+            <a:off x="457200" y="1600200"/>
+            <a:ext cx="3008313" cy="4480560"/>
           </a:xfrm>
         </p:spPr>
         <p:txBody>
-          <a:bodyPr/>
+          <a:bodyPr>
+            <a:normAutofit/>
+          </a:bodyPr>
           <a:lstStyle>
             <a:lvl1pPr marL="0" indent="0">
               <a:buNone/>
-              <a:defRPr sz="1400"/>
+              <a:defRPr sz="1600"/>
             </a:lvl1pPr>
             <a:lvl2pPr marL="457200" indent="0">
               <a:buNone/>
@@ -2261,7 +5059,7 @@
           <a:p>
             <a:fld id="{846F6C99-D65E-4B1A-B210-1DE3D0BCF466}" type="datetimeFigureOut">
               <a:rPr lang="en-US" smtClean="0"/>
-              <a:t>12/11/2012</a:t>
+              <a:t>12/12/2012</a:t>
             </a:fld>
             <a:endParaRPr lang="en-US"/>
           </a:p>
@@ -2309,12 +5107,30 @@
           </a:p>
         </p:txBody>
       </p:sp>
+      <p:sp>
+        <p:nvSpPr>
+          <p:cNvPr id="8" name="Title 7"/>
+          <p:cNvSpPr>
+            <a:spLocks noGrp="1"/>
+          </p:cNvSpPr>
+          <p:nvPr>
+            <p:ph type="title"/>
+          </p:nvPr>
+        </p:nvSpPr>
+        <p:spPr/>
+        <p:txBody>
+          <a:bodyPr/>
+          <a:lstStyle/>
+          <a:p>
+            <a:r>
+              <a:rPr lang="en-US" smtClean="0"/>
+              <a:t>Click to edit Master title style</a:t>
+            </a:r>
+            <a:endParaRPr lang="en-US"/>
+          </a:p>
+        </p:txBody>
+      </p:sp>
     </p:spTree>
-    <p:extLst>
-      <p:ext uri="{BB962C8B-B14F-4D97-AF65-F5344CB8AC3E}">
-        <p14:creationId xmlns:p14="http://schemas.microsoft.com/office/powerpoint/2010/main" val="3574065162"/>
-      </p:ext>
-    </p:extLst>
   </p:cSld>
   <p:clrMapOvr>
     <a:masterClrMapping/>
@@ -2323,7 +5139,7 @@
 </file>
 
 <file path=ppt/slideLayouts/slideLayout9.xml><?xml version="1.0" encoding="utf-8"?>
-<p:sldLayout xmlns:a="http://schemas.openxmlformats.org/drawingml/2006/main" xmlns:r="http://schemas.openxmlformats.org/officeDocument/2006/relationships" xmlns:p="http://schemas.openxmlformats.org/presentationml/2006/main" type="picTx" preserve="1">
+<p:sldLayout xmlns:a="http://schemas.openxmlformats.org/drawingml/2006/main" xmlns:r="http://schemas.openxmlformats.org/officeDocument/2006/relationships" xmlns:p="http://schemas.openxmlformats.org/presentationml/2006/main" showMasterSp="0" type="picTx" preserve="1">
   <p:cSld name="Picture with Caption">
     <p:spTree>
       <p:nvGrpSpPr>
@@ -2341,32 +5157,46 @@
       </p:grpSpPr>
       <p:sp>
         <p:nvSpPr>
-          <p:cNvPr id="2" name="Title 1"/>
-          <p:cNvSpPr>
-            <a:spLocks noGrp="1"/>
-          </p:cNvSpPr>
-          <p:nvPr>
-            <p:ph type="title"/>
-          </p:nvPr>
+          <p:cNvPr id="9" name="Rectangle 8"/>
+          <p:cNvSpPr/>
+          <p:nvPr/>
         </p:nvSpPr>
         <p:spPr>
           <a:xfrm>
-            <a:off x="1792288" y="4800600"/>
-            <a:ext cx="5486400" cy="566738"/>
+            <a:off x="9001124" y="4846320"/>
+            <a:ext cx="142876" cy="2011680"/>
           </a:xfrm>
+          <a:prstGeom prst="rect">
+            <a:avLst/>
+          </a:prstGeom>
+          <a:solidFill>
+            <a:schemeClr val="tx2"/>
+          </a:solidFill>
+          <a:ln>
+            <a:noFill/>
+          </a:ln>
         </p:spPr>
-        <p:txBody>
-          <a:bodyPr anchor="b"/>
-          <a:lstStyle>
-            <a:lvl1pPr algn="l">
-              <a:defRPr sz="2000" b="1"/>
-            </a:lvl1pPr>
-          </a:lstStyle>
-          <a:p>
-            <a:r>
-              <a:rPr lang="en-US" smtClean="0"/>
-              <a:t>Click to edit Master title style</a:t>
-            </a:r>
+        <p:style>
+          <a:lnRef idx="2">
+            <a:schemeClr val="accent1">
+              <a:shade val="50000"/>
+            </a:schemeClr>
+          </a:lnRef>
+          <a:fillRef idx="1">
+            <a:schemeClr val="accent1"/>
+          </a:fillRef>
+          <a:effectRef idx="0">
+            <a:schemeClr val="accent1"/>
+          </a:effectRef>
+          <a:fontRef idx="minor">
+            <a:schemeClr val="lt1"/>
+          </a:fontRef>
+        </p:style>
+        <p:txBody>
+          <a:bodyPr rtlCol="0" anchor="ctr"/>
+          <a:lstStyle/>
+          <a:p>
+            <a:pPr algn="ctr"/>
             <a:endParaRPr lang="en-US"/>
           </a:p>
         </p:txBody>
@@ -2383,9 +5213,14 @@
         </p:nvSpPr>
         <p:spPr>
           <a:xfrm>
-            <a:off x="1792288" y="612775"/>
-            <a:ext cx="5486400" cy="4114800"/>
+            <a:off x="-1" y="0"/>
+            <a:ext cx="9000877" cy="4846320"/>
           </a:xfrm>
+          <a:solidFill>
+            <a:schemeClr val="bg1">
+              <a:lumMod val="75000"/>
+            </a:schemeClr>
+          </a:solidFill>
         </p:spPr>
         <p:txBody>
           <a:bodyPr/>
@@ -2428,6 +5263,10 @@
             </a:lvl9pPr>
           </a:lstStyle>
           <a:p>
+            <a:r>
+              <a:rPr lang="en-US" smtClean="0"/>
+              <a:t>Click icon to add picture</a:t>
+            </a:r>
             <a:endParaRPr lang="en-US"/>
           </a:p>
         </p:txBody>
@@ -2444,8 +5283,8 @@
         </p:nvSpPr>
         <p:spPr>
           <a:xfrm>
-            <a:off x="1792288" y="5367338"/>
-            <a:ext cx="5486400" cy="804862"/>
+            <a:off x="457200" y="5715000"/>
+            <a:ext cx="8153400" cy="457200"/>
           </a:xfrm>
         </p:spPr>
         <p:txBody>
@@ -2453,7 +5292,7 @@
           <a:lstStyle>
             <a:lvl1pPr marL="0" indent="0">
               <a:buNone/>
-              <a:defRPr sz="1400"/>
+              <a:defRPr sz="1600"/>
             </a:lvl1pPr>
             <a:lvl2pPr marL="457200" indent="0">
               <a:buNone/>
@@ -2514,7 +5353,7 @@
           <a:p>
             <a:fld id="{846F6C99-D65E-4B1A-B210-1DE3D0BCF466}" type="datetimeFigureOut">
               <a:rPr lang="en-US" smtClean="0"/>
-              <a:t>12/11/2012</a:t>
+              <a:t>12/12/2012</a:t>
             </a:fld>
             <a:endParaRPr lang="en-US"/>
           </a:p>
@@ -2552,7 +5391,15 @@
         <p:spPr/>
         <p:txBody>
           <a:bodyPr/>
-          <a:lstStyle/>
+          <a:lstStyle>
+            <a:lvl1pPr>
+              <a:defRPr>
+                <a:solidFill>
+                  <a:schemeClr val="tx1"/>
+                </a:solidFill>
+              </a:defRPr>
+            </a:lvl1pPr>
+          </a:lstStyle>
           <a:p>
             <a:fld id="{911E4504-5F1F-4F87-94F0-3F1DFF769DC2}" type="slidenum">
               <a:rPr lang="en-US" smtClean="0"/>
@@ -2562,12 +5409,87 @@
           </a:p>
         </p:txBody>
       </p:sp>
+      <p:sp>
+        <p:nvSpPr>
+          <p:cNvPr id="8" name="Title 7"/>
+          <p:cNvSpPr>
+            <a:spLocks noGrp="1"/>
+          </p:cNvSpPr>
+          <p:nvPr>
+            <p:ph type="title"/>
+          </p:nvPr>
+        </p:nvSpPr>
+        <p:spPr>
+          <a:xfrm>
+            <a:off x="457200" y="4953000"/>
+            <a:ext cx="8153400" cy="762000"/>
+          </a:xfrm>
+        </p:spPr>
+        <p:txBody>
+          <a:bodyPr anchor="t">
+            <a:normAutofit/>
+          </a:bodyPr>
+          <a:lstStyle>
+            <a:lvl1pPr>
+              <a:defRPr sz="3200"/>
+            </a:lvl1pPr>
+          </a:lstStyle>
+          <a:p>
+            <a:r>
+              <a:rPr lang="en-US" smtClean="0"/>
+              <a:t>Click to edit Master title style</a:t>
+            </a:r>
+            <a:endParaRPr lang="en-US" dirty="0"/>
+          </a:p>
+        </p:txBody>
+      </p:sp>
+      <p:sp>
+        <p:nvSpPr>
+          <p:cNvPr id="10" name="Rectangle 9"/>
+          <p:cNvSpPr/>
+          <p:nvPr/>
+        </p:nvSpPr>
+        <p:spPr>
+          <a:xfrm>
+            <a:off x="9001124" y="0"/>
+            <a:ext cx="142876" cy="4846320"/>
+          </a:xfrm>
+          <a:prstGeom prst="rect">
+            <a:avLst/>
+          </a:prstGeom>
+          <a:solidFill>
+            <a:schemeClr val="tx1"/>
+          </a:solidFill>
+          <a:ln>
+            <a:noFill/>
+          </a:ln>
+        </p:spPr>
+        <p:style>
+          <a:lnRef idx="2">
+            <a:schemeClr val="accent1">
+              <a:shade val="50000"/>
+            </a:schemeClr>
+          </a:lnRef>
+          <a:fillRef idx="1">
+            <a:schemeClr val="accent1"/>
+          </a:fillRef>
+          <a:effectRef idx="0">
+            <a:schemeClr val="accent1"/>
+          </a:effectRef>
+          <a:fontRef idx="minor">
+            <a:schemeClr val="lt1"/>
+          </a:fontRef>
+        </p:style>
+        <p:txBody>
+          <a:bodyPr rtlCol="0" anchor="ctr"/>
+          <a:lstStyle/>
+          <a:p>
+            <a:pPr algn="ctr"/>
+            <a:endParaRPr lang="en-US"/>
+          </a:p>
+        </p:txBody>
+      </p:sp>
     </p:spTree>
-    <p:extLst>
-      <p:ext uri="{BB962C8B-B14F-4D97-AF65-F5344CB8AC3E}">
-        <p14:creationId xmlns:p14="http://schemas.microsoft.com/office/powerpoint/2010/main" val="380854758"/>
-      </p:ext>
-    </p:extLst>
   </p:cSld>
   <p:clrMapOvr>
     <a:masterClrMapping/>
@@ -2609,24 +5531,24 @@
         </p:nvSpPr>
         <p:spPr>
           <a:xfrm>
-            <a:off x="457200" y="274638"/>
-            <a:ext cx="8229600" cy="1143000"/>
+            <a:off x="457200" y="152718"/>
+            <a:ext cx="5791200" cy="1371600"/>
           </a:xfrm>
           <a:prstGeom prst="rect">
             <a:avLst/>
           </a:prstGeom>
         </p:spPr>
         <p:txBody>
-          <a:bodyPr vert="horz" lIns="91440" tIns="45720" rIns="91440" bIns="45720" rtlCol="0" anchor="ctr">
-            <a:normAutofit/>
+          <a:bodyPr vert="horz" lIns="91440" tIns="45720" rIns="91440" bIns="45720" rtlCol="0" anchor="b">
+            <a:noAutofit/>
           </a:bodyPr>
           <a:lstStyle/>
           <a:p>
             <a:r>
-              <a:rPr lang="en-US" smtClean="0"/>
+              <a:rPr lang="en-US" dirty="0" smtClean="0"/>
               <a:t>Click to edit Master title style</a:t>
             </a:r>
-            <a:endParaRPr lang="en-US"/>
+            <a:endParaRPr lang="en-US" dirty="0"/>
           </a:p>
         </p:txBody>
       </p:sp>
@@ -2642,8 +5564,8 @@
         </p:nvSpPr>
         <p:spPr>
           <a:xfrm>
-            <a:off x="457200" y="1600200"/>
-            <a:ext cx="8229600" cy="4525963"/>
+            <a:off x="457200" y="1752600"/>
+            <a:ext cx="7620000" cy="4373563"/>
           </a:xfrm>
           <a:prstGeom prst="rect">
             <a:avLst/>
@@ -2657,38 +5579,38 @@
           <a:p>
             <a:pPr lvl="0"/>
             <a:r>
-              <a:rPr lang="en-US" smtClean="0"/>
+              <a:rPr lang="en-US" dirty="0" smtClean="0"/>
               <a:t>Click to edit Master text styles</a:t>
             </a:r>
           </a:p>
           <a:p>
             <a:pPr lvl="1"/>
             <a:r>
-              <a:rPr lang="en-US" smtClean="0"/>
+              <a:rPr lang="en-US" dirty="0" smtClean="0"/>
               <a:t>Second level</a:t>
             </a:r>
           </a:p>
           <a:p>
             <a:pPr lvl="2"/>
             <a:r>
-              <a:rPr lang="en-US" smtClean="0"/>
+              <a:rPr lang="en-US" dirty="0" smtClean="0"/>
               <a:t>Third level</a:t>
             </a:r>
           </a:p>
           <a:p>
             <a:pPr lvl="3"/>
             <a:r>
-              <a:rPr lang="en-US" smtClean="0"/>
+              <a:rPr lang="en-US" dirty="0" smtClean="0"/>
               <a:t>Fourth level</a:t>
             </a:r>
           </a:p>
           <a:p>
             <a:pPr lvl="4"/>
             <a:r>
-              <a:rPr lang="en-US" smtClean="0"/>
+              <a:rPr lang="en-US" dirty="0" smtClean="0"/>
               <a:t>Fifth level</a:t>
             </a:r>
-            <a:endParaRPr lang="en-US"/>
+            <a:endParaRPr lang="en-US" dirty="0"/>
           </a:p>
         </p:txBody>
       </p:sp>
@@ -2704,22 +5626,20 @@
         </p:nvSpPr>
         <p:spPr>
           <a:xfrm>
-            <a:off x="457200" y="6356350"/>
-            <a:ext cx="2133600" cy="365125"/>
+            <a:off x="457200" y="6172201"/>
+            <a:ext cx="3429000" cy="304800"/>
           </a:xfrm>
           <a:prstGeom prst="rect">
             <a:avLst/>
           </a:prstGeom>
         </p:spPr>
         <p:txBody>
-          <a:bodyPr vert="horz" lIns="91440" tIns="45720" rIns="91440" bIns="45720" rtlCol="0" anchor="ctr"/>
+          <a:bodyPr vert="horz" lIns="91440" tIns="45720" rIns="91440" bIns="0" rtlCol="0" anchor="b"/>
           <a:lstStyle>
             <a:lvl1pPr algn="l">
-              <a:defRPr sz="1200">
+              <a:defRPr sz="1000">
                 <a:solidFill>
-                  <a:schemeClr val="tx1">
-                    <a:tint val="75000"/>
-                  </a:schemeClr>
+                  <a:schemeClr val="tx1"/>
                 </a:solidFill>
               </a:defRPr>
             </a:lvl1pPr>
@@ -2727,7 +5647,7 @@
           <a:p>
             <a:fld id="{846F6C99-D65E-4B1A-B210-1DE3D0BCF466}" type="datetimeFigureOut">
               <a:rPr lang="en-US" smtClean="0"/>
-              <a:t>12/11/2012</a:t>
+              <a:t>12/12/2012</a:t>
             </a:fld>
             <a:endParaRPr lang="en-US"/>
           </a:p>
@@ -2745,22 +5665,20 @@
         </p:nvSpPr>
         <p:spPr>
           <a:xfrm>
-            <a:off x="3124200" y="6356350"/>
-            <a:ext cx="2895600" cy="365125"/>
+            <a:off x="457200" y="6492875"/>
+            <a:ext cx="3429000" cy="283845"/>
           </a:xfrm>
           <a:prstGeom prst="rect">
             <a:avLst/>
           </a:prstGeom>
         </p:spPr>
         <p:txBody>
-          <a:bodyPr vert="horz" lIns="91440" tIns="45720" rIns="91440" bIns="45720" rtlCol="0" anchor="ctr"/>
+          <a:bodyPr vert="horz" lIns="91440" tIns="45720" rIns="91440" bIns="45720" rtlCol="0" anchor="t"/>
           <a:lstStyle>
-            <a:lvl1pPr algn="ctr">
-              <a:defRPr sz="1200">
+            <a:lvl1pPr algn="l">
+              <a:defRPr sz="1000">
                 <a:solidFill>
-                  <a:schemeClr val="tx1">
-                    <a:tint val="75000"/>
-                  </a:schemeClr>
+                  <a:schemeClr val="tx1"/>
                 </a:solidFill>
               </a:defRPr>
             </a:lvl1pPr>
@@ -2781,9 +5699,9 @@
           </p:nvPr>
         </p:nvSpPr>
         <p:spPr>
-          <a:xfrm>
-            <a:off x="6553200" y="6356350"/>
-            <a:ext cx="2133600" cy="365125"/>
+          <a:xfrm rot="16200000">
+            <a:off x="8227377" y="5885497"/>
+            <a:ext cx="1315721" cy="365125"/>
           </a:xfrm>
           <a:prstGeom prst="rect">
             <a:avLst/>
@@ -2792,12 +5710,10 @@
         <p:txBody>
           <a:bodyPr vert="horz" lIns="91440" tIns="45720" rIns="91440" bIns="45720" rtlCol="0" anchor="ctr"/>
           <a:lstStyle>
-            <a:lvl1pPr algn="r">
-              <a:defRPr sz="1200">
+            <a:lvl1pPr algn="l">
+              <a:defRPr sz="2400" b="1">
                 <a:solidFill>
-                  <a:schemeClr val="tx1">
-                    <a:tint val="75000"/>
-                  </a:schemeClr>
+                  <a:schemeClr val="tx2"/>
                 </a:solidFill>
               </a:defRPr>
             </a:lvl1pPr>
@@ -2811,37 +5727,124 @@
           </a:p>
         </p:txBody>
       </p:sp>
+      <p:sp>
+        <p:nvSpPr>
+          <p:cNvPr id="7" name="Rectangle 6"/>
+          <p:cNvSpPr/>
+          <p:nvPr/>
+        </p:nvSpPr>
+        <p:spPr>
+          <a:xfrm>
+            <a:off x="9001124" y="0"/>
+            <a:ext cx="142876" cy="1371600"/>
+          </a:xfrm>
+          <a:prstGeom prst="rect">
+            <a:avLst/>
+          </a:prstGeom>
+          <a:solidFill>
+            <a:schemeClr val="tx2"/>
+          </a:solidFill>
+          <a:ln>
+            <a:noFill/>
+          </a:ln>
+        </p:spPr>
+        <p:style>
+          <a:lnRef idx="2">
+            <a:schemeClr val="accent1">
+              <a:shade val="50000"/>
+            </a:schemeClr>
+          </a:lnRef>
+          <a:fillRef idx="1">
+            <a:schemeClr val="accent1"/>
+          </a:fillRef>
+          <a:effectRef idx="0">
+            <a:schemeClr val="accent1"/>
+          </a:effectRef>
+          <a:fontRef idx="minor">
+            <a:schemeClr val="lt1"/>
+          </a:fontRef>
+        </p:style>
+        <p:txBody>
+          <a:bodyPr rtlCol="0" anchor="ctr"/>
+          <a:lstStyle/>
+          <a:p>
+            <a:pPr algn="ctr"/>
+            <a:endParaRPr lang="en-US"/>
+          </a:p>
+        </p:txBody>
+      </p:sp>
+      <p:sp>
+        <p:nvSpPr>
+          <p:cNvPr id="8" name="Rectangle 7"/>
+          <p:cNvSpPr/>
+          <p:nvPr/>
+        </p:nvSpPr>
+        <p:spPr>
+          <a:xfrm>
+            <a:off x="9001124" y="1371600"/>
+            <a:ext cx="142876" cy="5486400"/>
+          </a:xfrm>
+          <a:prstGeom prst="rect">
+            <a:avLst/>
+          </a:prstGeom>
+          <a:solidFill>
+            <a:schemeClr val="tx1"/>
+          </a:solidFill>
+          <a:ln>
+            <a:noFill/>
+          </a:ln>
+        </p:spPr>
+        <p:style>
+          <a:lnRef idx="2">
+            <a:schemeClr val="accent1">
+              <a:shade val="50000"/>
+            </a:schemeClr>
+          </a:lnRef>
+          <a:fillRef idx="1">
+            <a:schemeClr val="accent1"/>
+          </a:fillRef>
+          <a:effectRef idx="0">
+            <a:schemeClr val="accent1"/>
+          </a:effectRef>
+          <a:fontRef idx="minor">
+            <a:schemeClr val="lt1"/>
+          </a:fontRef>
+        </p:style>
+        <p:txBody>
+          <a:bodyPr rtlCol="0" anchor="ctr"/>
+          <a:lstStyle/>
+          <a:p>
+            <a:pPr algn="ctr"/>
+            <a:endParaRPr lang="en-US"/>
+          </a:p>
+        </p:txBody>
+      </p:sp>
     </p:spTree>
-    <p:extLst>
-      <p:ext uri="{BB962C8B-B14F-4D97-AF65-F5344CB8AC3E}">
-        <p14:creationId xmlns:p14="http://schemas.microsoft.com/office/powerpoint/2010/main" val="1964581719"/>
-      </p:ext>
-    </p:extLst>
   </p:cSld>
   <p:clrMap bg1="lt1" tx1="dk1" bg2="lt2" tx2="dk2" accent1="accent1" accent2="accent2" accent3="accent3" accent4="accent4" accent5="accent5" accent6="accent6" hlink="hlink" folHlink="folHlink"/>
   <p:sldLayoutIdLst>
-    <p:sldLayoutId id="2147483649" r:id="rId1"/>
-    <p:sldLayoutId id="2147483650" r:id="rId2"/>
-    <p:sldLayoutId id="2147483651" r:id="rId3"/>
-    <p:sldLayoutId id="2147483652" r:id="rId4"/>
-    <p:sldLayoutId id="2147483653" r:id="rId5"/>
-    <p:sldLayoutId id="2147483654" r:id="rId6"/>
-    <p:sldLayoutId id="2147483655" r:id="rId7"/>
-    <p:sldLayoutId id="2147483656" r:id="rId8"/>
-    <p:sldLayoutId id="2147483657" r:id="rId9"/>
-    <p:sldLayoutId id="2147483658" r:id="rId10"/>
-    <p:sldLayoutId id="2147483659" r:id="rId11"/>
+    <p:sldLayoutId id="2147483733" r:id="rId1"/>
+    <p:sldLayoutId id="2147483734" r:id="rId2"/>
+    <p:sldLayoutId id="2147483735" r:id="rId3"/>
+    <p:sldLayoutId id="2147483736" r:id="rId4"/>
+    <p:sldLayoutId id="2147483737" r:id="rId5"/>
+    <p:sldLayoutId id="2147483738" r:id="rId6"/>
+    <p:sldLayoutId id="2147483739" r:id="rId7"/>
+    <p:sldLayoutId id="2147483740" r:id="rId8"/>
+    <p:sldLayoutId id="2147483741" r:id="rId9"/>
+    <p:sldLayoutId id="2147483742" r:id="rId10"/>
+    <p:sldLayoutId id="2147483743" r:id="rId11"/>
   </p:sldLayoutIdLst>
   <p:txStyles>
     <p:titleStyle>
-      <a:lvl1pPr algn="ctr" defTabSz="914400" rtl="0" eaLnBrk="1" latinLnBrk="0" hangingPunct="1">
+      <a:lvl1pPr algn="l" defTabSz="914400" rtl="0" eaLnBrk="1" latinLnBrk="0" hangingPunct="1">
         <a:spcBef>
           <a:spcPct val="0"/>
         </a:spcBef>
         <a:buNone/>
-        <a:defRPr sz="4400" kern="1200">
+        <a:defRPr sz="4000" kern="1200" cap="all" spc="-60" baseline="0">
           <a:solidFill>
-            <a:schemeClr val="tx1"/>
+            <a:schemeClr val="tx2"/>
           </a:solidFill>
           <a:latin typeface="+mj-lt"/>
           <a:ea typeface="+mj-ea"/>
@@ -2850,13 +5853,16 @@
       </a:lvl1pPr>
     </p:titleStyle>
     <p:bodyStyle>
-      <a:lvl1pPr marL="342900" indent="-342900" algn="l" defTabSz="914400" rtl="0" eaLnBrk="1" latinLnBrk="0" hangingPunct="1">
+      <a:lvl1pPr marL="0" indent="0" algn="l" defTabSz="914400" rtl="0" eaLnBrk="1" latinLnBrk="0" hangingPunct="1">
         <a:spcBef>
           <a:spcPct val="20000"/>
         </a:spcBef>
+        <a:spcAft>
+          <a:spcPts val="600"/>
+        </a:spcAft>
         <a:buFont typeface="Arial" pitchFamily="34" charset="0"/>
-        <a:buChar char="•"/>
-        <a:defRPr sz="3200" kern="1200">
+        <a:buNone/>
+        <a:defRPr sz="2800" b="1" kern="1200">
           <a:solidFill>
             <a:schemeClr val="tx1"/>
           </a:solidFill>
@@ -2865,12 +5871,15 @@
           <a:cs typeface="+mn-cs"/>
         </a:defRPr>
       </a:lvl1pPr>
-      <a:lvl2pPr marL="742950" indent="-285750" algn="l" defTabSz="914400" rtl="0" eaLnBrk="1" latinLnBrk="0" hangingPunct="1">
+      <a:lvl2pPr marL="457200" indent="-182880" algn="l" defTabSz="914400" rtl="0" eaLnBrk="1" latinLnBrk="0" hangingPunct="1">
         <a:spcBef>
           <a:spcPct val="20000"/>
         </a:spcBef>
+        <a:buClr>
+          <a:schemeClr val="tx2"/>
+        </a:buClr>
         <a:buFont typeface="Arial" pitchFamily="34" charset="0"/>
-        <a:buChar char="–"/>
+        <a:buChar char="•"/>
         <a:defRPr sz="2800" kern="1200">
           <a:solidFill>
             <a:schemeClr val="tx1"/>
@@ -2884,6 +5893,9 @@
         <a:spcBef>
           <a:spcPct val="20000"/>
         </a:spcBef>
+        <a:buClr>
+          <a:schemeClr val="tx2"/>
+        </a:buClr>
         <a:buFont typeface="Arial" pitchFamily="34" charset="0"/>
         <a:buChar char="•"/>
         <a:defRPr sz="2400" kern="1200">
@@ -2899,9 +5911,12 @@
         <a:spcBef>
           <a:spcPct val="20000"/>
         </a:spcBef>
+        <a:buClr>
+          <a:schemeClr val="tx2"/>
+        </a:buClr>
         <a:buFont typeface="Arial" pitchFamily="34" charset="0"/>
-        <a:buChar char="–"/>
-        <a:defRPr sz="2000" kern="1200">
+        <a:buChar char="•"/>
+        <a:defRPr sz="2400" kern="1200">
           <a:solidFill>
             <a:schemeClr val="tx1"/>
           </a:solidFill>
@@ -2914,9 +5929,12 @@
         <a:spcBef>
           <a:spcPct val="20000"/>
         </a:spcBef>
+        <a:buClr>
+          <a:schemeClr val="tx2"/>
+        </a:buClr>
         <a:buFont typeface="Arial" pitchFamily="34" charset="0"/>
-        <a:buChar char="»"/>
-        <a:defRPr sz="2000" kern="1200">
+        <a:buChar char="•"/>
+        <a:defRPr sz="2400" kern="1200" baseline="0">
           <a:solidFill>
             <a:schemeClr val="tx1"/>
           </a:solidFill>
@@ -2929,9 +5947,12 @@
         <a:spcBef>
           <a:spcPct val="20000"/>
         </a:spcBef>
+        <a:buClr>
+          <a:schemeClr val="tx2"/>
+        </a:buClr>
         <a:buFont typeface="Arial" pitchFamily="34" charset="0"/>
         <a:buChar char="•"/>
-        <a:defRPr sz="2000" kern="1200">
+        <a:defRPr sz="1600" kern="1200">
           <a:solidFill>
             <a:schemeClr val="tx1"/>
           </a:solidFill>
@@ -2944,9 +5965,12 @@
         <a:spcBef>
           <a:spcPct val="20000"/>
         </a:spcBef>
+        <a:buClr>
+          <a:schemeClr val="tx2"/>
+        </a:buClr>
         <a:buFont typeface="Arial" pitchFamily="34" charset="0"/>
         <a:buChar char="•"/>
-        <a:defRPr sz="2000" kern="1200">
+        <a:defRPr sz="1600" kern="1200">
           <a:solidFill>
             <a:schemeClr val="tx1"/>
           </a:solidFill>
@@ -2959,9 +5983,12 @@
         <a:spcBef>
           <a:spcPct val="20000"/>
         </a:spcBef>
+        <a:buClr>
+          <a:schemeClr val="tx2"/>
+        </a:buClr>
         <a:buFont typeface="Arial" pitchFamily="34" charset="0"/>
         <a:buChar char="•"/>
-        <a:defRPr sz="2000" kern="1200">
+        <a:defRPr sz="1600" kern="1200">
           <a:solidFill>
             <a:schemeClr val="tx1"/>
           </a:solidFill>
@@ -2974,9 +6001,12 @@
         <a:spcBef>
           <a:spcPct val="20000"/>
         </a:spcBef>
+        <a:buClr>
+          <a:schemeClr val="tx2"/>
+        </a:buClr>
         <a:buFont typeface="Arial" pitchFamily="34" charset="0"/>
         <a:buChar char="•"/>
-        <a:defRPr sz="2000" kern="1200">
+        <a:defRPr sz="1600" kern="1200">
           <a:solidFill>
             <a:schemeClr val="tx1"/>
           </a:solidFill>
@@ -3137,7 +6167,9 @@
         </p:nvSpPr>
         <p:spPr/>
         <p:txBody>
-          <a:bodyPr/>
+          <a:bodyPr>
+            <a:normAutofit fontScale="55000" lnSpcReduction="20000"/>
+          </a:bodyPr>
           <a:lstStyle/>
           <a:p>
             <a:r>
@@ -3147,6 +6179,24 @@
             <a:r>
               <a:rPr lang="en-US" dirty="0" err="1" smtClean="0"/>
               <a:t>Lesman</a:t>
+            </a:r>
+            <a:endParaRPr lang="en-US" dirty="0" smtClean="0"/>
+          </a:p>
+          <a:p>
+            <a:r>
+              <a:rPr lang="en-US" dirty="0" smtClean="0"/>
+              <a:t>Giuseppe </a:t>
+            </a:r>
+            <a:r>
+              <a:rPr lang="en-US" dirty="0" err="1" smtClean="0"/>
+              <a:t>Zingales</a:t>
+            </a:r>
+            <a:endParaRPr lang="en-US" dirty="0" smtClean="0"/>
+          </a:p>
+          <a:p>
+            <a:r>
+              <a:rPr lang="en-US" dirty="0" smtClean="0"/>
+              <a:t>Adrian Miguel</a:t>
             </a:r>
             <a:endParaRPr lang="en-US" dirty="0"/>
           </a:p>
@@ -3162,6 +6212,13 @@
   <p:clrMapOvr>
     <a:masterClrMapping/>
   </p:clrMapOvr>
+  <p:timing>
+    <p:tnLst>
+      <p:par>
+        <p:cTn id="1" dur="indefinite" restart="never" nodeType="tmRoot"/>
+      </p:par>
+    </p:tnLst>
+  </p:timing>
 </p:sld>
 </file>
 
@@ -3194,14 +6251,12 @@
         </p:nvSpPr>
         <p:spPr/>
         <p:txBody>
-          <a:bodyPr>
-            <a:normAutofit/>
-          </a:bodyPr>
+          <a:bodyPr/>
           <a:lstStyle/>
           <a:p>
             <a:r>
               <a:rPr lang="en-US" dirty="0" smtClean="0"/>
-              <a:t>Usability</a:t>
+              <a:t>The Idea</a:t>
             </a:r>
             <a:endParaRPr lang="en-US" dirty="0"/>
           </a:p>
@@ -3217,423 +6272,38 @@
             <p:ph idx="1"/>
             <p:extLst>
               <p:ext uri="{D42A27DB-BD31-4B8C-83A1-F6EECF244321}">
-                <p14:modId xmlns:p14="http://schemas.microsoft.com/office/powerpoint/2010/main" val="4194858648"/>
+                <p14:modId xmlns:p14="http://schemas.microsoft.com/office/powerpoint/2010/main" val="3134724318"/>
               </p:ext>
             </p:extLst>
           </p:nvPr>
         </p:nvGraphicFramePr>
         <p:xfrm>
-          <a:off x="457200" y="1600200"/>
-          <a:ext cx="8229600" cy="3566160"/>
+          <a:off x="457200" y="1752600"/>
+          <a:ext cx="7620000" cy="4373563"/>
         </p:xfrm>
         <a:graphic>
-          <a:graphicData uri="http://schemas.openxmlformats.org/drawingml/2006/table">
-            <a:tbl>
-              <a:tblPr firstRow="1" bandRow="1">
-                <a:tableStyleId>{5C22544A-7EE6-4342-B048-85BDC9FD1C3A}</a:tableStyleId>
-              </a:tblPr>
-              <a:tblGrid>
-                <a:gridCol w="4114800"/>
-                <a:gridCol w="2057400"/>
-                <a:gridCol w="2057400"/>
-              </a:tblGrid>
-              <a:tr h="370840">
-                <a:tc>
-                  <a:txBody>
-                    <a:bodyPr/>
-                    <a:lstStyle/>
-                    <a:p>
-                      <a:r>
-                        <a:rPr lang="en-US" sz="2000" dirty="0" smtClean="0"/>
-                        <a:t>Property</a:t>
-                      </a:r>
-                      <a:endParaRPr lang="en-US" sz="2000" dirty="0"/>
-                    </a:p>
-                  </a:txBody>
-                  <a:tcPr/>
-                </a:tc>
-                <a:tc>
-                  <a:txBody>
-                    <a:bodyPr/>
-                    <a:lstStyle/>
-                    <a:p>
-                      <a:r>
-                        <a:rPr lang="en-US" sz="2000" dirty="0" smtClean="0"/>
-                        <a:t>Password</a:t>
-                      </a:r>
-                      <a:endParaRPr lang="en-US" sz="2000" dirty="0"/>
-                    </a:p>
-                  </a:txBody>
-                  <a:tcPr/>
-                </a:tc>
-                <a:tc>
-                  <a:txBody>
-                    <a:bodyPr/>
-                    <a:lstStyle/>
-                    <a:p>
-                      <a:pPr marL="0" marR="0" indent="0" algn="l" defTabSz="914400" rtl="0" eaLnBrk="1" fontAlgn="auto" latinLnBrk="0" hangingPunct="1">
-                        <a:lnSpc>
-                          <a:spcPct val="100000"/>
-                        </a:lnSpc>
-                        <a:spcBef>
-                          <a:spcPts val="0"/>
-                        </a:spcBef>
-                        <a:spcAft>
-                          <a:spcPts val="0"/>
-                        </a:spcAft>
-                        <a:buClrTx/>
-                        <a:buSzTx/>
-                        <a:buFontTx/>
-                        <a:buNone/>
-                        <a:tabLst/>
-                        <a:defRPr/>
-                      </a:pPr>
-                      <a:r>
-                        <a:rPr lang="en-US" sz="2000" dirty="0" smtClean="0"/>
-                        <a:t>Mass Pass</a:t>
-                      </a:r>
-                    </a:p>
-                  </a:txBody>
-                  <a:tcPr/>
-                </a:tc>
-              </a:tr>
-              <a:tr h="370840">
-                <a:tc>
-                  <a:txBody>
-                    <a:bodyPr/>
-                    <a:lstStyle/>
-                    <a:p>
-                      <a:r>
-                        <a:rPr lang="en-US" sz="2000" dirty="0" smtClean="0"/>
-                        <a:t>Memory</a:t>
-                      </a:r>
-                      <a:r>
-                        <a:rPr lang="en-US" sz="2000" baseline="0" dirty="0" smtClean="0"/>
-                        <a:t> </a:t>
-                      </a:r>
-                      <a:r>
-                        <a:rPr lang="en-US" sz="2000" dirty="0" smtClean="0"/>
-                        <a:t>Wise</a:t>
-                      </a:r>
-                      <a:r>
-                        <a:rPr lang="en-US" sz="2000" baseline="0" dirty="0" smtClean="0"/>
-                        <a:t> Effortless</a:t>
-                      </a:r>
-                    </a:p>
-                  </a:txBody>
-                  <a:tcPr/>
-                </a:tc>
-                <a:tc>
-                  <a:txBody>
-                    <a:bodyPr/>
-                    <a:lstStyle/>
-                    <a:p>
-                      <a:endParaRPr lang="en-US" sz="2000" dirty="0"/>
-                    </a:p>
-                  </a:txBody>
-                  <a:tcPr/>
-                </a:tc>
-                <a:tc>
-                  <a:txBody>
-                    <a:bodyPr/>
-                    <a:lstStyle/>
-                    <a:p>
-                      <a:endParaRPr lang="en-US" sz="2000" dirty="0"/>
-                    </a:p>
-                  </a:txBody>
-                  <a:tcPr/>
-                </a:tc>
-              </a:tr>
-              <a:tr h="370840">
-                <a:tc>
-                  <a:txBody>
-                    <a:bodyPr/>
-                    <a:lstStyle/>
-                    <a:p>
-                      <a:r>
-                        <a:rPr lang="en-US" sz="2000" dirty="0" smtClean="0"/>
-                        <a:t>Scalable</a:t>
-                      </a:r>
-                      <a:r>
-                        <a:rPr lang="en-US" sz="2000" baseline="0" dirty="0" smtClean="0"/>
-                        <a:t> </a:t>
-                      </a:r>
-                      <a:r>
-                        <a:rPr lang="en-US" sz="2000" dirty="0" smtClean="0"/>
-                        <a:t>for</a:t>
-                      </a:r>
-                      <a:r>
-                        <a:rPr lang="en-US" sz="2000" baseline="0" dirty="0" smtClean="0"/>
-                        <a:t> </a:t>
-                      </a:r>
-                      <a:r>
-                        <a:rPr lang="en-US" sz="2000" dirty="0" smtClean="0"/>
-                        <a:t>Users</a:t>
-                      </a:r>
-                      <a:endParaRPr lang="en-US" sz="2000" dirty="0"/>
-                    </a:p>
-                  </a:txBody>
-                  <a:tcPr/>
-                </a:tc>
-                <a:tc>
-                  <a:txBody>
-                    <a:bodyPr/>
-                    <a:lstStyle/>
-                    <a:p>
-                      <a:endParaRPr lang="en-US" sz="2000" dirty="0"/>
-                    </a:p>
-                  </a:txBody>
-                  <a:tcPr/>
-                </a:tc>
-                <a:tc>
-                  <a:txBody>
-                    <a:bodyPr/>
-                    <a:lstStyle/>
-                    <a:p>
-                      <a:endParaRPr lang="en-US" sz="2000" dirty="0"/>
-                    </a:p>
-                  </a:txBody>
-                  <a:tcPr/>
-                </a:tc>
-              </a:tr>
-              <a:tr h="370840">
-                <a:tc>
-                  <a:txBody>
-                    <a:bodyPr/>
-                    <a:lstStyle/>
-                    <a:p>
-                      <a:r>
-                        <a:rPr lang="en-US" sz="2000" dirty="0" smtClean="0"/>
-                        <a:t>Nothing</a:t>
-                      </a:r>
-                      <a:r>
-                        <a:rPr lang="en-US" sz="2000" baseline="0" dirty="0" smtClean="0"/>
-                        <a:t> to Carry</a:t>
-                      </a:r>
-                      <a:endParaRPr lang="en-US" sz="2000" dirty="0"/>
-                    </a:p>
-                  </a:txBody>
-                  <a:tcPr/>
-                </a:tc>
-                <a:tc>
-                  <a:txBody>
-                    <a:bodyPr/>
-                    <a:lstStyle/>
-                    <a:p>
-                      <a:endParaRPr lang="en-US" sz="2000" dirty="0"/>
-                    </a:p>
-                  </a:txBody>
-                  <a:tcPr/>
-                </a:tc>
-                <a:tc>
-                  <a:txBody>
-                    <a:bodyPr/>
-                    <a:lstStyle/>
-                    <a:p>
-                      <a:endParaRPr lang="en-US" sz="2000" dirty="0"/>
-                    </a:p>
-                  </a:txBody>
-                  <a:tcPr/>
-                </a:tc>
-              </a:tr>
-              <a:tr h="370840">
-                <a:tc>
-                  <a:txBody>
-                    <a:bodyPr/>
-                    <a:lstStyle/>
-                    <a:p>
-                      <a:r>
-                        <a:rPr lang="en-US" sz="2000" dirty="0" smtClean="0"/>
-                        <a:t>Physically Effortless</a:t>
-                      </a:r>
-                      <a:endParaRPr lang="en-US" sz="2000" dirty="0"/>
-                    </a:p>
-                  </a:txBody>
-                  <a:tcPr/>
-                </a:tc>
-                <a:tc>
-                  <a:txBody>
-                    <a:bodyPr/>
-                    <a:lstStyle/>
-                    <a:p>
-                      <a:endParaRPr lang="en-US" sz="2000" dirty="0"/>
-                    </a:p>
-                  </a:txBody>
-                  <a:tcPr/>
-                </a:tc>
-                <a:tc>
-                  <a:txBody>
-                    <a:bodyPr/>
-                    <a:lstStyle/>
-                    <a:p>
-                      <a:endParaRPr lang="en-US" sz="2000" dirty="0"/>
-                    </a:p>
-                  </a:txBody>
-                  <a:tcPr/>
-                </a:tc>
-              </a:tr>
-              <a:tr h="370840">
-                <a:tc>
-                  <a:txBody>
-                    <a:bodyPr/>
-                    <a:lstStyle/>
-                    <a:p>
-                      <a:r>
-                        <a:rPr lang="en-US" sz="2000" dirty="0" smtClean="0"/>
-                        <a:t>Easy</a:t>
-                      </a:r>
-                      <a:r>
-                        <a:rPr lang="en-US" sz="2000" baseline="0" dirty="0" smtClean="0"/>
-                        <a:t> to Learn</a:t>
-                      </a:r>
-                      <a:endParaRPr lang="en-US" sz="2000" dirty="0"/>
-                    </a:p>
-                  </a:txBody>
-                  <a:tcPr/>
-                </a:tc>
-                <a:tc>
-                  <a:txBody>
-                    <a:bodyPr/>
-                    <a:lstStyle/>
-                    <a:p>
-                      <a:endParaRPr lang="en-US" sz="2000" dirty="0"/>
-                    </a:p>
-                  </a:txBody>
-                  <a:tcPr/>
-                </a:tc>
-                <a:tc>
-                  <a:txBody>
-                    <a:bodyPr/>
-                    <a:lstStyle/>
-                    <a:p>
-                      <a:endParaRPr lang="en-US" sz="2000" dirty="0"/>
-                    </a:p>
-                  </a:txBody>
-                  <a:tcPr/>
-                </a:tc>
-              </a:tr>
-              <a:tr h="370840">
-                <a:tc>
-                  <a:txBody>
-                    <a:bodyPr/>
-                    <a:lstStyle/>
-                    <a:p>
-                      <a:r>
-                        <a:rPr lang="en-US" sz="2000" dirty="0" smtClean="0"/>
-                        <a:t>Efficient to Use</a:t>
-                      </a:r>
-                      <a:endParaRPr lang="en-US" sz="2000" dirty="0"/>
-                    </a:p>
-                  </a:txBody>
-                  <a:tcPr/>
-                </a:tc>
-                <a:tc>
-                  <a:txBody>
-                    <a:bodyPr/>
-                    <a:lstStyle/>
-                    <a:p>
-                      <a:endParaRPr lang="en-US" sz="2000" dirty="0"/>
-                    </a:p>
-                  </a:txBody>
-                  <a:tcPr/>
-                </a:tc>
-                <a:tc>
-                  <a:txBody>
-                    <a:bodyPr/>
-                    <a:lstStyle/>
-                    <a:p>
-                      <a:endParaRPr lang="en-US" sz="2000" dirty="0"/>
-                    </a:p>
-                  </a:txBody>
-                  <a:tcPr/>
-                </a:tc>
-              </a:tr>
-              <a:tr h="370840">
-                <a:tc>
-                  <a:txBody>
-                    <a:bodyPr/>
-                    <a:lstStyle/>
-                    <a:p>
-                      <a:r>
-                        <a:rPr lang="en-US" sz="2000" dirty="0" smtClean="0"/>
-                        <a:t>Infrequent Errors</a:t>
-                      </a:r>
-                      <a:endParaRPr lang="en-US" sz="2000" dirty="0"/>
-                    </a:p>
-                  </a:txBody>
-                  <a:tcPr/>
-                </a:tc>
-                <a:tc>
-                  <a:txBody>
-                    <a:bodyPr/>
-                    <a:lstStyle/>
-                    <a:p>
-                      <a:endParaRPr lang="en-US" sz="2000" dirty="0"/>
-                    </a:p>
-                  </a:txBody>
-                  <a:tcPr/>
-                </a:tc>
-                <a:tc>
-                  <a:txBody>
-                    <a:bodyPr/>
-                    <a:lstStyle/>
-                    <a:p>
-                      <a:endParaRPr lang="en-US" sz="2000" dirty="0"/>
-                    </a:p>
-                  </a:txBody>
-                  <a:tcPr/>
-                </a:tc>
-              </a:tr>
-              <a:tr h="370840">
-                <a:tc>
-                  <a:txBody>
-                    <a:bodyPr/>
-                    <a:lstStyle/>
-                    <a:p>
-                      <a:r>
-                        <a:rPr lang="en-US" sz="2000" dirty="0" smtClean="0"/>
-                        <a:t>Easy Recovery from Loss</a:t>
-                      </a:r>
-                      <a:endParaRPr lang="en-US" sz="2000" dirty="0"/>
-                    </a:p>
-                  </a:txBody>
-                  <a:tcPr/>
-                </a:tc>
-                <a:tc>
-                  <a:txBody>
-                    <a:bodyPr/>
-                    <a:lstStyle/>
-                    <a:p>
-                      <a:endParaRPr lang="en-US" sz="2000" dirty="0"/>
-                    </a:p>
-                  </a:txBody>
-                  <a:tcPr/>
-                </a:tc>
-                <a:tc>
-                  <a:txBody>
-                    <a:bodyPr/>
-                    <a:lstStyle/>
-                    <a:p>
-                      <a:endParaRPr lang="en-US" sz="2000" dirty="0"/>
-                    </a:p>
-                  </a:txBody>
-                  <a:tcPr/>
-                </a:tc>
-              </a:tr>
-            </a:tbl>
+          <a:graphicData uri="http://schemas.openxmlformats.org/drawingml/2006/diagram">
+            <dgm:relIds xmlns:dgm="http://schemas.openxmlformats.org/drawingml/2006/diagram" xmlns:r="http://schemas.openxmlformats.org/officeDocument/2006/relationships" r:dm="rId2" r:lo="rId3" r:qs="rId4" r:cs="rId5"/>
           </a:graphicData>
         </a:graphic>
       </p:graphicFrame>
     </p:spTree>
     <p:extLst>
       <p:ext uri="{BB962C8B-B14F-4D97-AF65-F5344CB8AC3E}">
-        <p14:creationId xmlns:p14="http://schemas.microsoft.com/office/powerpoint/2010/main" val="1537143048"/>
+        <p14:creationId xmlns:p14="http://schemas.microsoft.com/office/powerpoint/2010/main" val="3541039617"/>
       </p:ext>
     </p:extLst>
   </p:cSld>
   <p:clrMapOvr>
     <a:masterClrMapping/>
   </p:clrMapOvr>
+  <p:timing>
+    <p:tnLst>
+      <p:par>
+        <p:cTn id="1" dur="indefinite" restart="never" nodeType="tmRoot"/>
+      </p:par>
+    </p:tnLst>
+  </p:timing>
 </p:sld>
 </file>
 
@@ -3666,323 +6336,86 @@
         </p:nvSpPr>
         <p:spPr/>
         <p:txBody>
-          <a:bodyPr>
-            <a:normAutofit/>
-          </a:bodyPr>
+          <a:bodyPr/>
           <a:lstStyle/>
           <a:p>
             <a:r>
-              <a:rPr lang="en-US" dirty="0" err="1" smtClean="0"/>
-              <a:t>Deployability</a:t>
+              <a:rPr lang="en-US" dirty="0" smtClean="0"/>
+              <a:t>Key Features</a:t>
             </a:r>
             <a:endParaRPr lang="en-US" dirty="0"/>
           </a:p>
         </p:txBody>
       </p:sp>
-      <p:graphicFrame>
-        <p:nvGraphicFramePr>
-          <p:cNvPr id="4" name="Content Placeholder 3"/>
-          <p:cNvGraphicFramePr>
-            <a:graphicFrameLocks noGrp="1"/>
-          </p:cNvGraphicFramePr>
+      <p:sp>
+        <p:nvSpPr>
+          <p:cNvPr id="3" name="Content Placeholder 2"/>
+          <p:cNvSpPr>
+            <a:spLocks noGrp="1"/>
+          </p:cNvSpPr>
           <p:nvPr>
             <p:ph idx="1"/>
-            <p:extLst>
-              <p:ext uri="{D42A27DB-BD31-4B8C-83A1-F6EECF244321}">
-                <p14:modId xmlns:p14="http://schemas.microsoft.com/office/powerpoint/2010/main" val="1245973851"/>
-              </p:ext>
-            </p:extLst>
           </p:nvPr>
-        </p:nvGraphicFramePr>
-        <p:xfrm>
-          <a:off x="457200" y="1600200"/>
-          <a:ext cx="8229600" cy="2773680"/>
-        </p:xfrm>
-        <a:graphic>
-          <a:graphicData uri="http://schemas.openxmlformats.org/drawingml/2006/table">
-            <a:tbl>
-              <a:tblPr firstRow="1" bandRow="1">
-                <a:tableStyleId>{5C22544A-7EE6-4342-B048-85BDC9FD1C3A}</a:tableStyleId>
-              </a:tblPr>
-              <a:tblGrid>
-                <a:gridCol w="4114800"/>
-                <a:gridCol w="2057400"/>
-                <a:gridCol w="2057400"/>
-              </a:tblGrid>
-              <a:tr h="370840">
-                <a:tc>
-                  <a:txBody>
-                    <a:bodyPr/>
-                    <a:lstStyle/>
-                    <a:p>
-                      <a:r>
-                        <a:rPr lang="en-US" sz="2000" dirty="0" smtClean="0"/>
-                        <a:t>Property</a:t>
-                      </a:r>
-                      <a:endParaRPr lang="en-US" sz="2000" dirty="0"/>
-                    </a:p>
-                  </a:txBody>
-                  <a:tcPr/>
-                </a:tc>
-                <a:tc>
-                  <a:txBody>
-                    <a:bodyPr/>
-                    <a:lstStyle/>
-                    <a:p>
-                      <a:r>
-                        <a:rPr lang="en-US" sz="2000" dirty="0" smtClean="0"/>
-                        <a:t>Password</a:t>
-                      </a:r>
-                      <a:endParaRPr lang="en-US" sz="2000" dirty="0"/>
-                    </a:p>
-                  </a:txBody>
-                  <a:tcPr/>
-                </a:tc>
-                <a:tc>
-                  <a:txBody>
-                    <a:bodyPr/>
-                    <a:lstStyle/>
-                    <a:p>
-                      <a:r>
-                        <a:rPr lang="en-US" sz="2000" dirty="0" smtClean="0"/>
-                        <a:t>Mass Pass</a:t>
-                      </a:r>
-                      <a:endParaRPr lang="en-US" sz="2000" dirty="0"/>
-                    </a:p>
-                  </a:txBody>
-                  <a:tcPr/>
-                </a:tc>
-              </a:tr>
-              <a:tr h="370840">
-                <a:tc>
-                  <a:txBody>
-                    <a:bodyPr/>
-                    <a:lstStyle/>
-                    <a:p>
-                      <a:r>
-                        <a:rPr lang="en-US" sz="2000" dirty="0" smtClean="0"/>
-                        <a:t>Accessible</a:t>
-                      </a:r>
-                      <a:endParaRPr lang="en-US" sz="2000" baseline="0" dirty="0" smtClean="0"/>
-                    </a:p>
-                  </a:txBody>
-                  <a:tcPr/>
-                </a:tc>
-                <a:tc>
-                  <a:txBody>
-                    <a:bodyPr/>
-                    <a:lstStyle/>
-                    <a:p>
-                      <a:endParaRPr lang="en-US" sz="2000" dirty="0"/>
-                    </a:p>
-                  </a:txBody>
-                  <a:tcPr/>
-                </a:tc>
-                <a:tc>
-                  <a:txBody>
-                    <a:bodyPr/>
-                    <a:lstStyle/>
-                    <a:p>
-                      <a:endParaRPr lang="en-US" sz="2000" dirty="0"/>
-                    </a:p>
-                  </a:txBody>
-                  <a:tcPr/>
-                </a:tc>
-              </a:tr>
-              <a:tr h="370840">
-                <a:tc>
-                  <a:txBody>
-                    <a:bodyPr/>
-                    <a:lstStyle/>
-                    <a:p>
-                      <a:r>
-                        <a:rPr lang="en-US" sz="2000" dirty="0" smtClean="0"/>
-                        <a:t>Negligible  Cost per User</a:t>
-                      </a:r>
-                      <a:endParaRPr lang="en-US" sz="2000" dirty="0"/>
-                    </a:p>
-                  </a:txBody>
-                  <a:tcPr/>
-                </a:tc>
-                <a:tc>
-                  <a:txBody>
-                    <a:bodyPr/>
-                    <a:lstStyle/>
-                    <a:p>
-                      <a:endParaRPr lang="en-US" sz="2000" dirty="0"/>
-                    </a:p>
-                  </a:txBody>
-                  <a:tcPr/>
-                </a:tc>
-                <a:tc>
-                  <a:txBody>
-                    <a:bodyPr/>
-                    <a:lstStyle/>
-                    <a:p>
-                      <a:endParaRPr lang="en-US" sz="2000" dirty="0"/>
-                    </a:p>
-                  </a:txBody>
-                  <a:tcPr/>
-                </a:tc>
-              </a:tr>
-              <a:tr h="370840">
-                <a:tc>
-                  <a:txBody>
-                    <a:bodyPr/>
-                    <a:lstStyle/>
-                    <a:p>
-                      <a:r>
-                        <a:rPr lang="en-US" sz="2000" dirty="0" smtClean="0"/>
-                        <a:t>Server Compatible</a:t>
-                      </a:r>
-                      <a:endParaRPr lang="en-US" sz="2000" dirty="0"/>
-                    </a:p>
-                  </a:txBody>
-                  <a:tcPr/>
-                </a:tc>
-                <a:tc>
-                  <a:txBody>
-                    <a:bodyPr/>
-                    <a:lstStyle/>
-                    <a:p>
-                      <a:endParaRPr lang="en-US" sz="2000" dirty="0"/>
-                    </a:p>
-                  </a:txBody>
-                  <a:tcPr/>
-                </a:tc>
-                <a:tc>
-                  <a:txBody>
-                    <a:bodyPr/>
-                    <a:lstStyle/>
-                    <a:p>
-                      <a:endParaRPr lang="en-US" sz="2000" dirty="0"/>
-                    </a:p>
-                  </a:txBody>
-                  <a:tcPr/>
-                </a:tc>
-              </a:tr>
-              <a:tr h="370840">
-                <a:tc>
-                  <a:txBody>
-                    <a:bodyPr/>
-                    <a:lstStyle/>
-                    <a:p>
-                      <a:r>
-                        <a:rPr lang="en-US" sz="2000" dirty="0" smtClean="0"/>
-                        <a:t>Browser Compatible</a:t>
-                      </a:r>
-                      <a:endParaRPr lang="en-US" sz="2000" dirty="0"/>
-                    </a:p>
-                  </a:txBody>
-                  <a:tcPr/>
-                </a:tc>
-                <a:tc>
-                  <a:txBody>
-                    <a:bodyPr/>
-                    <a:lstStyle/>
-                    <a:p>
-                      <a:endParaRPr lang="en-US" sz="2000" dirty="0"/>
-                    </a:p>
-                  </a:txBody>
-                  <a:tcPr/>
-                </a:tc>
-                <a:tc>
-                  <a:txBody>
-                    <a:bodyPr/>
-                    <a:lstStyle/>
-                    <a:p>
-                      <a:endParaRPr lang="en-US" sz="2000" dirty="0"/>
-                    </a:p>
-                  </a:txBody>
-                  <a:tcPr/>
-                </a:tc>
-              </a:tr>
-              <a:tr h="370840">
-                <a:tc>
-                  <a:txBody>
-                    <a:bodyPr/>
-                    <a:lstStyle/>
-                    <a:p>
-                      <a:r>
-                        <a:rPr lang="en-US" sz="2000" dirty="0" smtClean="0"/>
-                        <a:t>Mature</a:t>
-                      </a:r>
-                      <a:endParaRPr lang="en-US" sz="2000" dirty="0"/>
-                    </a:p>
-                  </a:txBody>
-                  <a:tcPr/>
-                </a:tc>
-                <a:tc>
-                  <a:txBody>
-                    <a:bodyPr/>
-                    <a:lstStyle/>
-                    <a:p>
-                      <a:endParaRPr lang="en-US" sz="2000" dirty="0"/>
-                    </a:p>
-                  </a:txBody>
-                  <a:tcPr/>
-                </a:tc>
-                <a:tc>
-                  <a:txBody>
-                    <a:bodyPr/>
-                    <a:lstStyle/>
-                    <a:p>
-                      <a:endParaRPr lang="en-US" sz="2000" dirty="0"/>
-                    </a:p>
-                  </a:txBody>
-                  <a:tcPr/>
-                </a:tc>
-              </a:tr>
-              <a:tr h="370840">
-                <a:tc>
-                  <a:txBody>
-                    <a:bodyPr/>
-                    <a:lstStyle/>
-                    <a:p>
-                      <a:r>
-                        <a:rPr lang="en-US" sz="2000" dirty="0" smtClean="0"/>
-                        <a:t>Non Proprietary</a:t>
-                      </a:r>
-                      <a:endParaRPr lang="en-US" sz="2000" dirty="0"/>
-                    </a:p>
-                  </a:txBody>
-                  <a:tcPr/>
-                </a:tc>
-                <a:tc>
-                  <a:txBody>
-                    <a:bodyPr/>
-                    <a:lstStyle/>
-                    <a:p>
-                      <a:endParaRPr lang="en-US" sz="2000" dirty="0"/>
-                    </a:p>
-                  </a:txBody>
-                  <a:tcPr/>
-                </a:tc>
-                <a:tc>
-                  <a:txBody>
-                    <a:bodyPr/>
-                    <a:lstStyle/>
-                    <a:p>
-                      <a:endParaRPr lang="en-US" sz="2000" dirty="0"/>
-                    </a:p>
-                  </a:txBody>
-                  <a:tcPr/>
-                </a:tc>
-              </a:tr>
-            </a:tbl>
-          </a:graphicData>
-        </a:graphic>
-      </p:graphicFrame>
+        </p:nvSpPr>
+        <p:spPr/>
+        <p:txBody>
+          <a:bodyPr/>
+          <a:lstStyle/>
+          <a:p>
+            <a:r>
+              <a:rPr lang="en-US" dirty="0" smtClean="0"/>
+              <a:t>No stored data</a:t>
+            </a:r>
+          </a:p>
+          <a:p>
+            <a:r>
+              <a:rPr lang="en-US" dirty="0" smtClean="0"/>
+              <a:t>No Trusted 3</a:t>
+            </a:r>
+            <a:r>
+              <a:rPr lang="en-US" baseline="30000" dirty="0" smtClean="0"/>
+              <a:t>rd</a:t>
+            </a:r>
+            <a:r>
+              <a:rPr lang="en-US" dirty="0" smtClean="0"/>
+              <a:t> parties</a:t>
+            </a:r>
+          </a:p>
+          <a:p>
+            <a:r>
+              <a:rPr lang="en-US" dirty="0"/>
+              <a:t>Phishing </a:t>
+            </a:r>
+            <a:r>
+              <a:rPr lang="en-US" dirty="0" smtClean="0"/>
+              <a:t>protection</a:t>
+            </a:r>
+          </a:p>
+          <a:p>
+            <a:r>
+              <a:rPr lang="en-US" dirty="0" smtClean="0"/>
+              <a:t>184 bit passwords</a:t>
+            </a:r>
+          </a:p>
+        </p:txBody>
+      </p:sp>
     </p:spTree>
     <p:extLst>
       <p:ext uri="{BB962C8B-B14F-4D97-AF65-F5344CB8AC3E}">
-        <p14:creationId xmlns:p14="http://schemas.microsoft.com/office/powerpoint/2010/main" val="177398328"/>
+        <p14:creationId xmlns:p14="http://schemas.microsoft.com/office/powerpoint/2010/main" val="3265504213"/>
       </p:ext>
     </p:extLst>
   </p:cSld>
   <p:clrMapOvr>
     <a:masterClrMapping/>
   </p:clrMapOvr>
+  <p:timing>
+    <p:tnLst>
+      <p:par>
+        <p:cTn id="1" dur="indefinite" restart="never" nodeType="tmRoot"/>
+      </p:par>
+    </p:tnLst>
+  </p:timing>
 </p:sld>
 </file>
 
@@ -4020,494 +6453,53 @@
           <a:p>
             <a:r>
               <a:rPr lang="en-US" dirty="0" smtClean="0"/>
-              <a:t>Security</a:t>
+              <a:t>Implementation</a:t>
             </a:r>
             <a:endParaRPr lang="en-US" dirty="0"/>
           </a:p>
         </p:txBody>
       </p:sp>
-      <p:graphicFrame>
-        <p:nvGraphicFramePr>
-          <p:cNvPr id="4" name="Content Placeholder 3"/>
-          <p:cNvGraphicFramePr>
-            <a:graphicFrameLocks noGrp="1"/>
-          </p:cNvGraphicFramePr>
+      <p:sp>
+        <p:nvSpPr>
+          <p:cNvPr id="3" name="Content Placeholder 2"/>
+          <p:cNvSpPr>
+            <a:spLocks noGrp="1"/>
+          </p:cNvSpPr>
           <p:nvPr>
             <p:ph idx="1"/>
-            <p:extLst>
-              <p:ext uri="{D42A27DB-BD31-4B8C-83A1-F6EECF244321}">
-                <p14:modId xmlns:p14="http://schemas.microsoft.com/office/powerpoint/2010/main" val="3006525168"/>
-              </p:ext>
-            </p:extLst>
           </p:nvPr>
-        </p:nvGraphicFramePr>
-        <p:xfrm>
-          <a:off x="457200" y="1600200"/>
-          <a:ext cx="8229600" cy="4358640"/>
-        </p:xfrm>
-        <a:graphic>
-          <a:graphicData uri="http://schemas.openxmlformats.org/drawingml/2006/table">
-            <a:tbl>
-              <a:tblPr firstRow="1" bandRow="1">
-                <a:tableStyleId>{5C22544A-7EE6-4342-B048-85BDC9FD1C3A}</a:tableStyleId>
-              </a:tblPr>
-              <a:tblGrid>
-                <a:gridCol w="4114800"/>
-                <a:gridCol w="2057400"/>
-                <a:gridCol w="2057400"/>
-              </a:tblGrid>
-              <a:tr h="370840">
-                <a:tc>
-                  <a:txBody>
-                    <a:bodyPr/>
-                    <a:lstStyle/>
-                    <a:p>
-                      <a:r>
-                        <a:rPr lang="en-US" sz="2000" dirty="0" smtClean="0"/>
-                        <a:t>Property</a:t>
-                      </a:r>
-                      <a:endParaRPr lang="en-US" sz="2000" dirty="0"/>
-                    </a:p>
-                  </a:txBody>
-                  <a:tcPr/>
-                </a:tc>
-                <a:tc>
-                  <a:txBody>
-                    <a:bodyPr/>
-                    <a:lstStyle/>
-                    <a:p>
-                      <a:r>
-                        <a:rPr lang="en-US" sz="2000" dirty="0" smtClean="0"/>
-                        <a:t>Password</a:t>
-                      </a:r>
-                    </a:p>
-                  </a:txBody>
-                  <a:tcPr/>
-                </a:tc>
-                <a:tc>
-                  <a:txBody>
-                    <a:bodyPr/>
-                    <a:lstStyle/>
-                    <a:p>
-                      <a:pPr marL="0" marR="0" indent="0" algn="l" defTabSz="914400" rtl="0" eaLnBrk="1" fontAlgn="auto" latinLnBrk="0" hangingPunct="1">
-                        <a:lnSpc>
-                          <a:spcPct val="100000"/>
-                        </a:lnSpc>
-                        <a:spcBef>
-                          <a:spcPts val="0"/>
-                        </a:spcBef>
-                        <a:spcAft>
-                          <a:spcPts val="0"/>
-                        </a:spcAft>
-                        <a:buClrTx/>
-                        <a:buSzTx/>
-                        <a:buFontTx/>
-                        <a:buNone/>
-                        <a:tabLst/>
-                        <a:defRPr/>
-                      </a:pPr>
-                      <a:r>
-                        <a:rPr lang="en-US" sz="2000" dirty="0" err="1" smtClean="0"/>
-                        <a:t>MassPass</a:t>
-                      </a:r>
-                      <a:endParaRPr lang="en-US" sz="2000" dirty="0"/>
-                    </a:p>
-                  </a:txBody>
-                  <a:tcPr/>
-                </a:tc>
-              </a:tr>
-              <a:tr h="370840">
-                <a:tc>
-                  <a:txBody>
-                    <a:bodyPr/>
-                    <a:lstStyle/>
-                    <a:p>
-                      <a:r>
-                        <a:rPr lang="en-US" sz="2000" dirty="0" smtClean="0"/>
-                        <a:t>Resilient</a:t>
-                      </a:r>
-                      <a:r>
-                        <a:rPr lang="en-US" sz="2000" baseline="0" dirty="0" smtClean="0"/>
-                        <a:t> to Physical Observation</a:t>
-                      </a:r>
-                      <a:endParaRPr lang="en-US" sz="2000" dirty="0"/>
-                    </a:p>
-                  </a:txBody>
-                  <a:tcPr/>
-                </a:tc>
-                <a:tc>
-                  <a:txBody>
-                    <a:bodyPr/>
-                    <a:lstStyle/>
-                    <a:p>
-                      <a:endParaRPr lang="en-US" sz="2000"/>
-                    </a:p>
-                  </a:txBody>
-                  <a:tcPr/>
-                </a:tc>
-                <a:tc>
-                  <a:txBody>
-                    <a:bodyPr/>
-                    <a:lstStyle/>
-                    <a:p>
-                      <a:endParaRPr lang="en-US" sz="2000"/>
-                    </a:p>
-                  </a:txBody>
-                  <a:tcPr/>
-                </a:tc>
-              </a:tr>
-              <a:tr h="370840">
-                <a:tc>
-                  <a:txBody>
-                    <a:bodyPr/>
-                    <a:lstStyle/>
-                    <a:p>
-                      <a:r>
-                        <a:rPr lang="en-US" sz="2000" dirty="0" smtClean="0"/>
-                        <a:t>Resilient to Targeted</a:t>
-                      </a:r>
-                      <a:r>
-                        <a:rPr lang="en-US" sz="2000" baseline="0" dirty="0" smtClean="0"/>
-                        <a:t> Impersonation</a:t>
-                      </a:r>
-                      <a:endParaRPr lang="en-US" sz="2000" dirty="0"/>
-                    </a:p>
-                  </a:txBody>
-                  <a:tcPr/>
-                </a:tc>
-                <a:tc>
-                  <a:txBody>
-                    <a:bodyPr/>
-                    <a:lstStyle/>
-                    <a:p>
-                      <a:endParaRPr lang="en-US" sz="2000"/>
-                    </a:p>
-                  </a:txBody>
-                  <a:tcPr/>
-                </a:tc>
-                <a:tc>
-                  <a:txBody>
-                    <a:bodyPr/>
-                    <a:lstStyle/>
-                    <a:p>
-                      <a:endParaRPr lang="en-US" sz="2000"/>
-                    </a:p>
-                  </a:txBody>
-                  <a:tcPr/>
-                </a:tc>
-              </a:tr>
-              <a:tr h="370840">
-                <a:tc>
-                  <a:txBody>
-                    <a:bodyPr/>
-                    <a:lstStyle/>
-                    <a:p>
-                      <a:r>
-                        <a:rPr lang="en-US" sz="2000" dirty="0" smtClean="0"/>
-                        <a:t>Resilient to Throttled Guessing</a:t>
-                      </a:r>
-                      <a:endParaRPr lang="en-US" sz="2000" dirty="0"/>
-                    </a:p>
-                  </a:txBody>
-                  <a:tcPr/>
-                </a:tc>
-                <a:tc>
-                  <a:txBody>
-                    <a:bodyPr/>
-                    <a:lstStyle/>
-                    <a:p>
-                      <a:endParaRPr lang="en-US" sz="2000" dirty="0"/>
-                    </a:p>
-                  </a:txBody>
-                  <a:tcPr/>
-                </a:tc>
-                <a:tc>
-                  <a:txBody>
-                    <a:bodyPr/>
-                    <a:lstStyle/>
-                    <a:p>
-                      <a:endParaRPr lang="en-US" sz="2000"/>
-                    </a:p>
-                  </a:txBody>
-                  <a:tcPr/>
-                </a:tc>
-              </a:tr>
-              <a:tr h="370840">
-                <a:tc>
-                  <a:txBody>
-                    <a:bodyPr/>
-                    <a:lstStyle/>
-                    <a:p>
-                      <a:r>
-                        <a:rPr lang="en-US" sz="2000" dirty="0" smtClean="0"/>
-                        <a:t>Resilient to </a:t>
-                      </a:r>
-                      <a:r>
-                        <a:rPr lang="en-US" sz="2000" dirty="0" err="1" smtClean="0"/>
-                        <a:t>Unthrottled</a:t>
-                      </a:r>
-                      <a:r>
-                        <a:rPr lang="en-US" sz="2000" dirty="0" smtClean="0"/>
-                        <a:t> Guessing</a:t>
-                      </a:r>
-                      <a:endParaRPr lang="en-US" sz="2000" dirty="0"/>
-                    </a:p>
-                  </a:txBody>
-                  <a:tcPr/>
-                </a:tc>
-                <a:tc>
-                  <a:txBody>
-                    <a:bodyPr/>
-                    <a:lstStyle/>
-                    <a:p>
-                      <a:endParaRPr lang="en-US" sz="2000" dirty="0"/>
-                    </a:p>
-                  </a:txBody>
-                  <a:tcPr/>
-                </a:tc>
-                <a:tc>
-                  <a:txBody>
-                    <a:bodyPr/>
-                    <a:lstStyle/>
-                    <a:p>
-                      <a:endParaRPr lang="en-US" sz="2000" dirty="0"/>
-                    </a:p>
-                  </a:txBody>
-                  <a:tcPr/>
-                </a:tc>
-              </a:tr>
-              <a:tr h="370840">
-                <a:tc>
-                  <a:txBody>
-                    <a:bodyPr/>
-                    <a:lstStyle/>
-                    <a:p>
-                      <a:r>
-                        <a:rPr lang="en-US" sz="2000" dirty="0" smtClean="0"/>
-                        <a:t>Resilient to Internal </a:t>
-                      </a:r>
-                      <a:r>
-                        <a:rPr lang="en-US" sz="2000" baseline="0" dirty="0" smtClean="0"/>
-                        <a:t> Observation</a:t>
-                      </a:r>
-                      <a:endParaRPr lang="en-US" sz="2000" dirty="0"/>
-                    </a:p>
-                  </a:txBody>
-                  <a:tcPr/>
-                </a:tc>
-                <a:tc>
-                  <a:txBody>
-                    <a:bodyPr/>
-                    <a:lstStyle/>
-                    <a:p>
-                      <a:endParaRPr lang="en-US" sz="2000"/>
-                    </a:p>
-                  </a:txBody>
-                  <a:tcPr/>
-                </a:tc>
-                <a:tc>
-                  <a:txBody>
-                    <a:bodyPr/>
-                    <a:lstStyle/>
-                    <a:p>
-                      <a:endParaRPr lang="en-US" sz="2000"/>
-                    </a:p>
-                  </a:txBody>
-                  <a:tcPr/>
-                </a:tc>
-              </a:tr>
-              <a:tr h="370840">
-                <a:tc>
-                  <a:txBody>
-                    <a:bodyPr/>
-                    <a:lstStyle/>
-                    <a:p>
-                      <a:r>
-                        <a:rPr lang="en-US" sz="2000" dirty="0" smtClean="0"/>
-                        <a:t>Resilient to Leaks from Other Verifiers</a:t>
-                      </a:r>
-                      <a:endParaRPr lang="en-US" sz="2000" dirty="0"/>
-                    </a:p>
-                  </a:txBody>
-                  <a:tcPr/>
-                </a:tc>
-                <a:tc>
-                  <a:txBody>
-                    <a:bodyPr/>
-                    <a:lstStyle/>
-                    <a:p>
-                      <a:endParaRPr lang="en-US" sz="2000"/>
-                    </a:p>
-                  </a:txBody>
-                  <a:tcPr/>
-                </a:tc>
-                <a:tc>
-                  <a:txBody>
-                    <a:bodyPr/>
-                    <a:lstStyle/>
-                    <a:p>
-                      <a:endParaRPr lang="en-US" sz="2000"/>
-                    </a:p>
-                  </a:txBody>
-                  <a:tcPr/>
-                </a:tc>
-              </a:tr>
-              <a:tr h="370840">
-                <a:tc>
-                  <a:txBody>
-                    <a:bodyPr/>
-                    <a:lstStyle/>
-                    <a:p>
-                      <a:r>
-                        <a:rPr lang="en-US" sz="2000" dirty="0" smtClean="0"/>
-                        <a:t>Resilient to Phishing</a:t>
-                      </a:r>
-                      <a:endParaRPr lang="en-US" sz="2000" dirty="0"/>
-                    </a:p>
-                  </a:txBody>
-                  <a:tcPr/>
-                </a:tc>
-                <a:tc>
-                  <a:txBody>
-                    <a:bodyPr/>
-                    <a:lstStyle/>
-                    <a:p>
-                      <a:endParaRPr lang="en-US" sz="2000"/>
-                    </a:p>
-                  </a:txBody>
-                  <a:tcPr/>
-                </a:tc>
-                <a:tc>
-                  <a:txBody>
-                    <a:bodyPr/>
-                    <a:lstStyle/>
-                    <a:p>
-                      <a:endParaRPr lang="en-US" sz="2000"/>
-                    </a:p>
-                  </a:txBody>
-                  <a:tcPr/>
-                </a:tc>
-              </a:tr>
-              <a:tr h="370840">
-                <a:tc>
-                  <a:txBody>
-                    <a:bodyPr/>
-                    <a:lstStyle/>
-                    <a:p>
-                      <a:r>
-                        <a:rPr lang="en-US" sz="2000" dirty="0" smtClean="0"/>
-                        <a:t>Resilient to Theft</a:t>
-                      </a:r>
-                      <a:endParaRPr lang="en-US" sz="2000" dirty="0"/>
-                    </a:p>
-                  </a:txBody>
-                  <a:tcPr/>
-                </a:tc>
-                <a:tc>
-                  <a:txBody>
-                    <a:bodyPr/>
-                    <a:lstStyle/>
-                    <a:p>
-                      <a:endParaRPr lang="en-US" sz="2000"/>
-                    </a:p>
-                  </a:txBody>
-                  <a:tcPr/>
-                </a:tc>
-                <a:tc>
-                  <a:txBody>
-                    <a:bodyPr/>
-                    <a:lstStyle/>
-                    <a:p>
-                      <a:endParaRPr lang="en-US" sz="2000"/>
-                    </a:p>
-                  </a:txBody>
-                  <a:tcPr/>
-                </a:tc>
-              </a:tr>
-              <a:tr h="370840">
-                <a:tc>
-                  <a:txBody>
-                    <a:bodyPr/>
-                    <a:lstStyle/>
-                    <a:p>
-                      <a:r>
-                        <a:rPr lang="en-US" sz="2000" dirty="0" smtClean="0"/>
-                        <a:t>No Trusted Third</a:t>
-                      </a:r>
-                      <a:r>
-                        <a:rPr lang="en-US" sz="2000" baseline="0" dirty="0" smtClean="0"/>
-                        <a:t> Party</a:t>
-                      </a:r>
-                      <a:endParaRPr lang="en-US" sz="2000" dirty="0"/>
-                    </a:p>
-                  </a:txBody>
-                  <a:tcPr/>
-                </a:tc>
-                <a:tc>
-                  <a:txBody>
-                    <a:bodyPr/>
-                    <a:lstStyle/>
-                    <a:p>
-                      <a:endParaRPr lang="en-US" sz="2000"/>
-                    </a:p>
-                  </a:txBody>
-                  <a:tcPr/>
-                </a:tc>
-                <a:tc>
-                  <a:txBody>
-                    <a:bodyPr/>
-                    <a:lstStyle/>
-                    <a:p>
-                      <a:endParaRPr lang="en-US" sz="2000"/>
-                    </a:p>
-                  </a:txBody>
-                  <a:tcPr/>
-                </a:tc>
-              </a:tr>
-              <a:tr h="370840">
-                <a:tc>
-                  <a:txBody>
-                    <a:bodyPr/>
-                    <a:lstStyle/>
-                    <a:p>
-                      <a:r>
-                        <a:rPr lang="en-US" sz="2000" dirty="0" err="1" smtClean="0"/>
-                        <a:t>Unlinkable</a:t>
-                      </a:r>
-                      <a:endParaRPr lang="en-US" sz="2000" dirty="0"/>
-                    </a:p>
-                  </a:txBody>
-                  <a:tcPr/>
-                </a:tc>
-                <a:tc>
-                  <a:txBody>
-                    <a:bodyPr/>
-                    <a:lstStyle/>
-                    <a:p>
-                      <a:endParaRPr lang="en-US" sz="2000" dirty="0"/>
-                    </a:p>
-                  </a:txBody>
-                  <a:tcPr/>
-                </a:tc>
-                <a:tc>
-                  <a:txBody>
-                    <a:bodyPr/>
-                    <a:lstStyle/>
-                    <a:p>
-                      <a:endParaRPr lang="en-US" sz="2000" dirty="0"/>
-                    </a:p>
-                  </a:txBody>
-                  <a:tcPr/>
-                </a:tc>
-              </a:tr>
-            </a:tbl>
-          </a:graphicData>
-        </a:graphic>
-      </p:graphicFrame>
+        </p:nvSpPr>
+        <p:spPr/>
+        <p:txBody>
+          <a:bodyPr/>
+          <a:lstStyle/>
+          <a:p>
+            <a:r>
+              <a:rPr lang="en-US" dirty="0" smtClean="0">
+                <a:latin typeface="Calibri" pitchFamily="34" charset="0"/>
+              </a:rPr>
+              <a:t>Chrome Plugin</a:t>
+            </a:r>
+          </a:p>
+          <a:p>
+            <a:r>
+              <a:rPr lang="en-US" dirty="0" smtClean="0"/>
+              <a:t>Client-Side JS</a:t>
+            </a:r>
+          </a:p>
+          <a:p>
+            <a:r>
+              <a:rPr lang="en-US" dirty="0" smtClean="0"/>
+              <a:t>Future…</a:t>
+            </a:r>
+            <a:endParaRPr lang="en-US" dirty="0"/>
+          </a:p>
+        </p:txBody>
+      </p:sp>
     </p:spTree>
     <p:extLst>
       <p:ext uri="{BB962C8B-B14F-4D97-AF65-F5344CB8AC3E}">
-        <p14:creationId xmlns:p14="http://schemas.microsoft.com/office/powerpoint/2010/main" val="14870324"/>
+        <p14:creationId xmlns:p14="http://schemas.microsoft.com/office/powerpoint/2010/main" val="2502629578"/>
       </p:ext>
     </p:extLst>
   </p:cSld>
@@ -4552,42 +6544,92 @@
           <a:lstStyle/>
           <a:p>
             <a:r>
-              <a:rPr lang="en-US" dirty="0" err="1" smtClean="0"/>
-              <a:t>Keylogger</a:t>
+              <a:rPr lang="en-US" dirty="0" smtClean="0"/>
+              <a:t>Usability</a:t>
             </a:r>
             <a:endParaRPr lang="en-US" dirty="0"/>
           </a:p>
         </p:txBody>
       </p:sp>
-      <p:sp>
-        <p:nvSpPr>
-          <p:cNvPr id="3" name="Content Placeholder 2"/>
-          <p:cNvSpPr>
-            <a:spLocks noGrp="1"/>
-          </p:cNvSpPr>
-          <p:nvPr>
-            <p:ph idx="1"/>
-          </p:nvPr>
-        </p:nvSpPr>
-        <p:spPr/>
-        <p:txBody>
-          <a:bodyPr/>
-          <a:lstStyle/>
-          <a:p>
-            <a:endParaRPr lang="en-US" dirty="0"/>
-          </a:p>
-        </p:txBody>
-      </p:sp>
+      <p:pic>
+        <p:nvPicPr>
+          <p:cNvPr id="49" name="Picture 33"/>
+          <p:cNvPicPr>
+            <a:picLocks noChangeAspect="1" noChangeArrowheads="1"/>
+          </p:cNvPicPr>
+          <p:nvPr/>
+        </p:nvPicPr>
+        <p:blipFill rotWithShape="1">
+          <a:blip r:embed="rId2">
+            <a:extLst>
+              <a:ext uri="{28A0092B-C50C-407E-A947-70E740481C1C}">
+                <a14:useLocalDpi xmlns:a14="http://schemas.microsoft.com/office/drawing/2010/main" val="0"/>
+              </a:ext>
+            </a:extLst>
+          </a:blip>
+          <a:srcRect l="31798" t="13537" r="1395" b="40793"/>
+          <a:stretch/>
+        </p:blipFill>
+        <p:spPr bwMode="auto">
+          <a:xfrm>
+            <a:off x="99632" y="2286000"/>
+            <a:ext cx="8796718" cy="3382613"/>
+          </a:xfrm>
+          <a:prstGeom prst="rect">
+            <a:avLst/>
+          </a:prstGeom>
+          <a:noFill/>
+          <a:ln>
+            <a:noFill/>
+          </a:ln>
+          <a:effectLst/>
+          <a:extLst>
+            <a:ext uri="{909E8E84-426E-40DD-AFC4-6F175D3DCCD1}">
+              <a14:hiddenFill xmlns:a14="http://schemas.microsoft.com/office/drawing/2010/main">
+                <a:solidFill>
+                  <a:schemeClr val="accent1"/>
+                </a:solidFill>
+              </a14:hiddenFill>
+            </a:ext>
+            <a:ext uri="{91240B29-F687-4F45-9708-019B960494DF}">
+              <a14:hiddenLine xmlns:a14="http://schemas.microsoft.com/office/drawing/2010/main" w="9525">
+                <a:solidFill>
+                  <a:schemeClr val="tx1"/>
+                </a:solidFill>
+                <a:miter lim="800000"/>
+                <a:headEnd/>
+                <a:tailEnd/>
+              </a14:hiddenLine>
+            </a:ext>
+            <a:ext uri="{AF507438-7753-43E0-B8FC-AC1667EBCBE1}">
+              <a14:hiddenEffects xmlns:a14="http://schemas.microsoft.com/office/drawing/2010/main">
+                <a:effectLst>
+                  <a:outerShdw dist="35921" dir="2700000" algn="ctr" rotWithShape="0">
+                    <a:schemeClr val="bg2"/>
+                  </a:outerShdw>
+                </a:effectLst>
+              </a14:hiddenEffects>
+            </a:ext>
+          </a:extLst>
+        </p:spPr>
+      </p:pic>
     </p:spTree>
     <p:extLst>
       <p:ext uri="{BB962C8B-B14F-4D97-AF65-F5344CB8AC3E}">
-        <p14:creationId xmlns:p14="http://schemas.microsoft.com/office/powerpoint/2010/main" val="2119322768"/>
+        <p14:creationId xmlns:p14="http://schemas.microsoft.com/office/powerpoint/2010/main" val="1537143048"/>
       </p:ext>
     </p:extLst>
   </p:cSld>
   <p:clrMapOvr>
     <a:masterClrMapping/>
   </p:clrMapOvr>
+  <p:timing>
+    <p:tnLst>
+      <p:par>
+        <p:cTn id="1" dur="indefinite" restart="never" nodeType="tmRoot"/>
+      </p:par>
+    </p:tnLst>
+  </p:timing>
 </p:sld>
 </file>
 
@@ -4620,46 +6662,98 @@
         </p:nvSpPr>
         <p:spPr/>
         <p:txBody>
-          <a:bodyPr/>
+          <a:bodyPr>
+            <a:normAutofit/>
+          </a:bodyPr>
           <a:lstStyle/>
           <a:p>
             <a:r>
-              <a:rPr lang="en-US" dirty="0" smtClean="0"/>
-              <a:t>Dictionary Attack</a:t>
+              <a:rPr lang="en-US" dirty="0" err="1" smtClean="0"/>
+              <a:t>Deployability</a:t>
             </a:r>
             <a:endParaRPr lang="en-US" dirty="0"/>
           </a:p>
         </p:txBody>
       </p:sp>
-      <p:sp>
-        <p:nvSpPr>
-          <p:cNvPr id="3" name="Content Placeholder 2"/>
-          <p:cNvSpPr>
-            <a:spLocks noGrp="1"/>
-          </p:cNvSpPr>
-          <p:nvPr>
-            <p:ph idx="1"/>
-          </p:nvPr>
-        </p:nvSpPr>
-        <p:spPr/>
-        <p:txBody>
-          <a:bodyPr/>
-          <a:lstStyle/>
-          <a:p>
-            <a:endParaRPr lang="en-US" dirty="0"/>
-          </a:p>
-        </p:txBody>
-      </p:sp>
+      <p:pic>
+        <p:nvPicPr>
+          <p:cNvPr id="11" name="Picture 34"/>
+          <p:cNvPicPr>
+            <a:picLocks noChangeAspect="1" noChangeArrowheads="1"/>
+          </p:cNvPicPr>
+          <p:nvPr/>
+        </p:nvPicPr>
+        <p:blipFill rotWithShape="1">
+          <a:blip r:embed="rId2">
+            <a:extLst>
+              <a:ext uri="{28A0092B-C50C-407E-A947-70E740481C1C}">
+                <a14:useLocalDpi xmlns:a14="http://schemas.microsoft.com/office/drawing/2010/main" val="0"/>
+              </a:ext>
+            </a:extLst>
+          </a:blip>
+          <a:srcRect l="31940" t="19055" r="1194" b="44943"/>
+          <a:stretch/>
+        </p:blipFill>
+        <p:spPr bwMode="auto">
+          <a:xfrm>
+            <a:off x="57150" y="2515061"/>
+            <a:ext cx="8804487" cy="2666539"/>
+          </a:xfrm>
+          <a:prstGeom prst="rect">
+            <a:avLst/>
+          </a:prstGeom>
+          <a:noFill/>
+          <a:ln>
+            <a:noFill/>
+          </a:ln>
+          <a:effectLst/>
+          <a:extLst>
+            <a:ext uri="{909E8E84-426E-40DD-AFC4-6F175D3DCCD1}">
+              <a14:hiddenFill xmlns:a14="http://schemas.microsoft.com/office/drawing/2010/main">
+                <a:solidFill>
+                  <a:schemeClr val="accent1"/>
+                </a:solidFill>
+              </a14:hiddenFill>
+            </a:ext>
+            <a:ext uri="{91240B29-F687-4F45-9708-019B960494DF}">
+              <a14:hiddenLine xmlns:a14="http://schemas.microsoft.com/office/drawing/2010/main" w="9525">
+                <a:solidFill>
+                  <a:schemeClr val="tx1"/>
+                </a:solidFill>
+                <a:miter lim="800000"/>
+                <a:headEnd/>
+                <a:tailEnd/>
+              </a14:hiddenLine>
+            </a:ext>
+            <a:ext uri="{AF507438-7753-43E0-B8FC-AC1667EBCBE1}">
+              <a14:hiddenEffects xmlns:a14="http://schemas.microsoft.com/office/drawing/2010/main">
+                <a:effectLst>
+                  <a:outerShdw dist="35921" dir="2700000" algn="ctr" rotWithShape="0">
+                    <a:schemeClr val="bg2"/>
+                  </a:outerShdw>
+                </a:effectLst>
+              </a14:hiddenEffects>
+            </a:ext>
+          </a:extLst>
+        </p:spPr>
+      </p:pic>
     </p:spTree>
     <p:extLst>
       <p:ext uri="{BB962C8B-B14F-4D97-AF65-F5344CB8AC3E}">
-        <p14:creationId xmlns:p14="http://schemas.microsoft.com/office/powerpoint/2010/main" val="3986982024"/>
+        <p14:creationId xmlns:p14="http://schemas.microsoft.com/office/powerpoint/2010/main" val="177398328"/>
       </p:ext>
     </p:extLst>
   </p:cSld>
   <p:clrMapOvr>
     <a:masterClrMapping/>
   </p:clrMapOvr>
+  <p:timing>
+    <p:tnLst>
+      <p:par>
+        <p:cTn id="1" dur="indefinite" restart="never" nodeType="tmRoot"/>
+      </p:par>
+    </p:tnLst>
+  </p:timing>
 </p:sld>
 </file>
 
@@ -4697,46 +6791,96 @@
           <a:p>
             <a:r>
               <a:rPr lang="en-US" dirty="0" smtClean="0"/>
-              <a:t>Phishing Attack</a:t>
+              <a:t>Security</a:t>
             </a:r>
             <a:endParaRPr lang="en-US" dirty="0"/>
           </a:p>
         </p:txBody>
       </p:sp>
-      <p:sp>
-        <p:nvSpPr>
-          <p:cNvPr id="3" name="Content Placeholder 2"/>
-          <p:cNvSpPr>
-            <a:spLocks noGrp="1"/>
-          </p:cNvSpPr>
-          <p:nvPr>
-            <p:ph idx="1"/>
-          </p:nvPr>
-        </p:nvSpPr>
-        <p:spPr/>
-        <p:txBody>
-          <a:bodyPr/>
-          <a:lstStyle/>
-          <a:p>
-            <a:endParaRPr lang="en-US"/>
-          </a:p>
-        </p:txBody>
-      </p:sp>
+      <p:pic>
+        <p:nvPicPr>
+          <p:cNvPr id="16" name="Picture 35"/>
+          <p:cNvPicPr>
+            <a:picLocks noChangeAspect="1" noChangeArrowheads="1"/>
+          </p:cNvPicPr>
+          <p:nvPr/>
+        </p:nvPicPr>
+        <p:blipFill rotWithShape="1">
+          <a:blip r:embed="rId2">
+            <a:extLst>
+              <a:ext uri="{28A0092B-C50C-407E-A947-70E740481C1C}">
+                <a14:useLocalDpi xmlns:a14="http://schemas.microsoft.com/office/drawing/2010/main" val="0"/>
+              </a:ext>
+            </a:extLst>
+          </a:blip>
+          <a:srcRect l="31940" t="13483" r="1194" b="27479"/>
+          <a:stretch/>
+        </p:blipFill>
+        <p:spPr bwMode="auto">
+          <a:xfrm>
+            <a:off x="110913" y="1905000"/>
+            <a:ext cx="8804487" cy="4372732"/>
+          </a:xfrm>
+          <a:prstGeom prst="rect">
+            <a:avLst/>
+          </a:prstGeom>
+          <a:noFill/>
+          <a:ln>
+            <a:noFill/>
+          </a:ln>
+          <a:effectLst/>
+          <a:extLst>
+            <a:ext uri="{909E8E84-426E-40DD-AFC4-6F175D3DCCD1}">
+              <a14:hiddenFill xmlns:a14="http://schemas.microsoft.com/office/drawing/2010/main">
+                <a:solidFill>
+                  <a:schemeClr val="accent1"/>
+                </a:solidFill>
+              </a14:hiddenFill>
+            </a:ext>
+            <a:ext uri="{91240B29-F687-4F45-9708-019B960494DF}">
+              <a14:hiddenLine xmlns:a14="http://schemas.microsoft.com/office/drawing/2010/main" w="9525">
+                <a:solidFill>
+                  <a:schemeClr val="tx1"/>
+                </a:solidFill>
+                <a:miter lim="800000"/>
+                <a:headEnd/>
+                <a:tailEnd/>
+              </a14:hiddenLine>
+            </a:ext>
+            <a:ext uri="{AF507438-7753-43E0-B8FC-AC1667EBCBE1}">
+              <a14:hiddenEffects xmlns:a14="http://schemas.microsoft.com/office/drawing/2010/main">
+                <a:effectLst>
+                  <a:outerShdw dist="35921" dir="2700000" algn="ctr" rotWithShape="0">
+                    <a:schemeClr val="bg2"/>
+                  </a:outerShdw>
+                </a:effectLst>
+              </a14:hiddenEffects>
+            </a:ext>
+          </a:extLst>
+        </p:spPr>
+      </p:pic>
     </p:spTree>
     <p:extLst>
       <p:ext uri="{BB962C8B-B14F-4D97-AF65-F5344CB8AC3E}">
-        <p14:creationId xmlns:p14="http://schemas.microsoft.com/office/powerpoint/2010/main" val="2036803156"/>
+        <p14:creationId xmlns:p14="http://schemas.microsoft.com/office/powerpoint/2010/main" val="14870324"/>
       </p:ext>
     </p:extLst>
   </p:cSld>
   <p:clrMapOvr>
     <a:masterClrMapping/>
   </p:clrMapOvr>
+  <p:timing>
+    <p:tnLst>
+      <p:par>
+        <p:cTn id="1" dur="indefinite" restart="never" nodeType="tmRoot"/>
+      </p:par>
+    </p:tnLst>
+  </p:timing>
 </p:sld>
 </file>
 
 <file path=ppt/slides/slide8.xml><?xml version="1.0" encoding="utf-8"?>
-<p:sld xmlns:a="http://schemas.openxmlformats.org/drawingml/2006/main" xmlns:r="http://schemas.openxmlformats.org/officeDocument/2006/relationships" xmlns:p="http://schemas.openxmlformats.org/presentationml/2006/main">
+<p:sld xmlns:a="http://schemas.openxmlformats.org/drawingml/2006/main" xmlns:r="http://schemas.openxmlformats.org/officeDocument/2006/relationships" xmlns:p="http://schemas.openxmlformats.org/presentationml/2006/main" show="0">
   <p:cSld>
     <p:spTree>
       <p:nvGrpSpPr>
@@ -5122,62 +7266,339 @@
   <p:clrMapOvr>
     <a:masterClrMapping/>
   </p:clrMapOvr>
+  <mc:AlternateContent xmlns:mc="http://schemas.openxmlformats.org/markup-compatibility/2006">
+    <mc:Choice xmlns:p14="http://schemas.microsoft.com/office/powerpoint/2010/main" Requires="p14">
+      <p:transition spd="slow" p14:dur="2000"/>
+    </mc:Choice>
+    <mc:Fallback>
+      <p:transition spd="slow"/>
+    </mc:Fallback>
+  </mc:AlternateContent>
+  <p:timing>
+    <p:tnLst>
+      <p:par>
+        <p:cTn id="1" dur="indefinite" restart="never" nodeType="tmRoot"/>
+      </p:par>
+    </p:tnLst>
+  </p:timing>
+</p:sld>
+</file>
+
+<file path=ppt/slides/slide9.xml><?xml version="1.0" encoding="utf-8"?>
+<p:sld xmlns:a="http://schemas.openxmlformats.org/drawingml/2006/main" xmlns:r="http://schemas.openxmlformats.org/officeDocument/2006/relationships" xmlns:p="http://schemas.openxmlformats.org/presentationml/2006/main" show="0">
+  <p:cSld>
+    <p:spTree>
+      <p:nvGrpSpPr>
+        <p:cNvPr id="1" name=""/>
+        <p:cNvGrpSpPr/>
+        <p:nvPr/>
+      </p:nvGrpSpPr>
+      <p:grpSpPr>
+        <a:xfrm>
+          <a:off x="0" y="0"/>
+          <a:ext cx="0" cy="0"/>
+          <a:chOff x="0" y="0"/>
+          <a:chExt cx="0" cy="0"/>
+        </a:xfrm>
+      </p:grpSpPr>
+      <p:sp>
+        <p:nvSpPr>
+          <p:cNvPr id="2" name="Title 1"/>
+          <p:cNvSpPr>
+            <a:spLocks noGrp="1"/>
+          </p:cNvSpPr>
+          <p:nvPr>
+            <p:ph type="title"/>
+          </p:nvPr>
+        </p:nvSpPr>
+        <p:spPr/>
+        <p:txBody>
+          <a:bodyPr/>
+          <a:lstStyle/>
+          <a:p>
+            <a:endParaRPr lang="en-US"/>
+          </a:p>
+        </p:txBody>
+      </p:sp>
+      <p:sp>
+        <p:nvSpPr>
+          <p:cNvPr id="3" name="Content Placeholder 2"/>
+          <p:cNvSpPr>
+            <a:spLocks noGrp="1"/>
+          </p:cNvSpPr>
+          <p:nvPr>
+            <p:ph idx="1"/>
+          </p:nvPr>
+        </p:nvSpPr>
+        <p:spPr/>
+        <p:txBody>
+          <a:bodyPr/>
+          <a:lstStyle/>
+          <a:p>
+            <a:endParaRPr lang="en-US"/>
+          </a:p>
+        </p:txBody>
+      </p:sp>
+      <p:pic>
+        <p:nvPicPr>
+          <p:cNvPr id="4" name="Picture 33"/>
+          <p:cNvPicPr>
+            <a:picLocks noChangeAspect="1" noChangeArrowheads="1"/>
+          </p:cNvPicPr>
+          <p:nvPr/>
+        </p:nvPicPr>
+        <p:blipFill rotWithShape="1">
+          <a:blip r:embed="rId2">
+            <a:extLst>
+              <a:ext uri="{28A0092B-C50C-407E-A947-70E740481C1C}">
+                <a14:useLocalDpi xmlns:a14="http://schemas.microsoft.com/office/drawing/2010/main" val="0"/>
+              </a:ext>
+            </a:extLst>
+          </a:blip>
+          <a:srcRect l="31798" t="13537" r="1395" b="40793"/>
+          <a:stretch/>
+        </p:blipFill>
+        <p:spPr bwMode="auto">
+          <a:xfrm>
+            <a:off x="-1371600" y="1600200"/>
+            <a:ext cx="12217751" cy="4698086"/>
+          </a:xfrm>
+          <a:prstGeom prst="rect">
+            <a:avLst/>
+          </a:prstGeom>
+          <a:noFill/>
+          <a:ln>
+            <a:noFill/>
+          </a:ln>
+          <a:effectLst/>
+          <a:extLst>
+            <a:ext uri="{909E8E84-426E-40DD-AFC4-6F175D3DCCD1}">
+              <a14:hiddenFill xmlns:a14="http://schemas.microsoft.com/office/drawing/2010/main">
+                <a:solidFill>
+                  <a:schemeClr val="accent1"/>
+                </a:solidFill>
+              </a14:hiddenFill>
+            </a:ext>
+            <a:ext uri="{91240B29-F687-4F45-9708-019B960494DF}">
+              <a14:hiddenLine xmlns:a14="http://schemas.microsoft.com/office/drawing/2010/main" w="9525">
+                <a:solidFill>
+                  <a:schemeClr val="tx1"/>
+                </a:solidFill>
+                <a:miter lim="800000"/>
+                <a:headEnd/>
+                <a:tailEnd/>
+              </a14:hiddenLine>
+            </a:ext>
+            <a:ext uri="{AF507438-7753-43E0-B8FC-AC1667EBCBE1}">
+              <a14:hiddenEffects xmlns:a14="http://schemas.microsoft.com/office/drawing/2010/main">
+                <a:effectLst>
+                  <a:outerShdw dist="35921" dir="2700000" algn="ctr" rotWithShape="0">
+                    <a:schemeClr val="bg2"/>
+                  </a:outerShdw>
+                </a:effectLst>
+              </a14:hiddenEffects>
+            </a:ext>
+          </a:extLst>
+        </p:spPr>
+      </p:pic>
+      <p:pic>
+        <p:nvPicPr>
+          <p:cNvPr id="5" name="Picture 34"/>
+          <p:cNvPicPr>
+            <a:picLocks noChangeAspect="1" noChangeArrowheads="1"/>
+          </p:cNvPicPr>
+          <p:nvPr/>
+        </p:nvPicPr>
+        <p:blipFill rotWithShape="1">
+          <a:blip r:embed="rId3">
+            <a:extLst>
+              <a:ext uri="{28A0092B-C50C-407E-A947-70E740481C1C}">
+                <a14:useLocalDpi xmlns:a14="http://schemas.microsoft.com/office/drawing/2010/main" val="0"/>
+              </a:ext>
+            </a:extLst>
+          </a:blip>
+          <a:srcRect l="31940" t="19055" r="1194" b="44943"/>
+          <a:stretch/>
+        </p:blipFill>
+        <p:spPr bwMode="auto">
+          <a:xfrm>
+            <a:off x="-1219200" y="1524000"/>
+            <a:ext cx="12228394" cy="3703583"/>
+          </a:xfrm>
+          <a:prstGeom prst="rect">
+            <a:avLst/>
+          </a:prstGeom>
+          <a:noFill/>
+          <a:ln>
+            <a:noFill/>
+          </a:ln>
+          <a:effectLst/>
+          <a:extLst>
+            <a:ext uri="{909E8E84-426E-40DD-AFC4-6F175D3DCCD1}">
+              <a14:hiddenFill xmlns:a14="http://schemas.microsoft.com/office/drawing/2010/main">
+                <a:solidFill>
+                  <a:schemeClr val="accent1"/>
+                </a:solidFill>
+              </a14:hiddenFill>
+            </a:ext>
+            <a:ext uri="{91240B29-F687-4F45-9708-019B960494DF}">
+              <a14:hiddenLine xmlns:a14="http://schemas.microsoft.com/office/drawing/2010/main" w="9525">
+                <a:solidFill>
+                  <a:schemeClr val="tx1"/>
+                </a:solidFill>
+                <a:miter lim="800000"/>
+                <a:headEnd/>
+                <a:tailEnd/>
+              </a14:hiddenLine>
+            </a:ext>
+            <a:ext uri="{AF507438-7753-43E0-B8FC-AC1667EBCBE1}">
+              <a14:hiddenEffects xmlns:a14="http://schemas.microsoft.com/office/drawing/2010/main">
+                <a:effectLst>
+                  <a:outerShdw dist="35921" dir="2700000" algn="ctr" rotWithShape="0">
+                    <a:schemeClr val="bg2"/>
+                  </a:outerShdw>
+                </a:effectLst>
+              </a14:hiddenEffects>
+            </a:ext>
+          </a:extLst>
+        </p:spPr>
+      </p:pic>
+      <p:pic>
+        <p:nvPicPr>
+          <p:cNvPr id="6" name="Picture 35"/>
+          <p:cNvPicPr>
+            <a:picLocks noChangeAspect="1" noChangeArrowheads="1"/>
+          </p:cNvPicPr>
+          <p:nvPr/>
+        </p:nvPicPr>
+        <p:blipFill rotWithShape="1">
+          <a:blip r:embed="rId4">
+            <a:extLst>
+              <a:ext uri="{28A0092B-C50C-407E-A947-70E740481C1C}">
+                <a14:useLocalDpi xmlns:a14="http://schemas.microsoft.com/office/drawing/2010/main" val="0"/>
+              </a:ext>
+            </a:extLst>
+          </a:blip>
+          <a:srcRect l="31940" t="13483" r="1194" b="27479"/>
+          <a:stretch/>
+        </p:blipFill>
+        <p:spPr bwMode="auto">
+          <a:xfrm>
+            <a:off x="-2057400" y="152400"/>
+            <a:ext cx="12228394" cy="6073253"/>
+          </a:xfrm>
+          <a:prstGeom prst="rect">
+            <a:avLst/>
+          </a:prstGeom>
+          <a:noFill/>
+          <a:ln>
+            <a:noFill/>
+          </a:ln>
+          <a:effectLst/>
+          <a:extLst>
+            <a:ext uri="{909E8E84-426E-40DD-AFC4-6F175D3DCCD1}">
+              <a14:hiddenFill xmlns:a14="http://schemas.microsoft.com/office/drawing/2010/main">
+                <a:solidFill>
+                  <a:schemeClr val="accent1"/>
+                </a:solidFill>
+              </a14:hiddenFill>
+            </a:ext>
+            <a:ext uri="{91240B29-F687-4F45-9708-019B960494DF}">
+              <a14:hiddenLine xmlns:a14="http://schemas.microsoft.com/office/drawing/2010/main" w="9525">
+                <a:solidFill>
+                  <a:schemeClr val="tx1"/>
+                </a:solidFill>
+                <a:miter lim="800000"/>
+                <a:headEnd/>
+                <a:tailEnd/>
+              </a14:hiddenLine>
+            </a:ext>
+            <a:ext uri="{AF507438-7753-43E0-B8FC-AC1667EBCBE1}">
+              <a14:hiddenEffects xmlns:a14="http://schemas.microsoft.com/office/drawing/2010/main">
+                <a:effectLst>
+                  <a:outerShdw dist="35921" dir="2700000" algn="ctr" rotWithShape="0">
+                    <a:schemeClr val="bg2"/>
+                  </a:outerShdw>
+                </a:effectLst>
+              </a14:hiddenEffects>
+            </a:ext>
+          </a:extLst>
+        </p:spPr>
+      </p:pic>
+    </p:spTree>
+    <p:extLst>
+      <p:ext uri="{BB962C8B-B14F-4D97-AF65-F5344CB8AC3E}">
+        <p14:creationId xmlns:p14="http://schemas.microsoft.com/office/powerpoint/2010/main" val="2823258141"/>
+      </p:ext>
+    </p:extLst>
+  </p:cSld>
+  <p:clrMapOvr>
+    <a:masterClrMapping/>
+  </p:clrMapOvr>
+  <mc:AlternateContent xmlns:mc="http://schemas.openxmlformats.org/markup-compatibility/2006">
+    <mc:Choice xmlns:p14="http://schemas.microsoft.com/office/powerpoint/2010/main" Requires="p14">
+      <p:transition spd="slow" p14:dur="2000"/>
+    </mc:Choice>
+    <mc:Fallback>
+      <p:transition spd="slow"/>
+    </mc:Fallback>
+  </mc:AlternateContent>
 </p:sld>
 </file>
 
 <file path=ppt/theme/theme1.xml><?xml version="1.0" encoding="utf-8"?>
-<a:theme xmlns:a="http://schemas.openxmlformats.org/drawingml/2006/main" name="Office Theme">
+<a:theme xmlns:a="http://schemas.openxmlformats.org/drawingml/2006/main" name="Essential">
   <a:themeElements>
-    <a:clrScheme name="Office">
+    <a:clrScheme name="Essential">
       <a:dk1>
-        <a:sysClr val="windowText" lastClr="000000"/>
+        <a:srgbClr val="000000"/>
       </a:dk1>
       <a:lt1>
-        <a:sysClr val="window" lastClr="FFFFFF"/>
+        <a:srgbClr val="FFFFFF"/>
       </a:lt1>
       <a:dk2>
-        <a:srgbClr val="1F497D"/>
+        <a:srgbClr val="D1282E"/>
       </a:dk2>
       <a:lt2>
-        <a:srgbClr val="EEECE1"/>
+        <a:srgbClr val="C8C8B1"/>
       </a:lt2>
       <a:accent1>
-        <a:srgbClr val="4F81BD"/>
+        <a:srgbClr val="7A7A7A"/>
       </a:accent1>
       <a:accent2>
-        <a:srgbClr val="C0504D"/>
+        <a:srgbClr val="F5C201"/>
       </a:accent2>
       <a:accent3>
-        <a:srgbClr val="9BBB59"/>
+        <a:srgbClr val="526DB0"/>
       </a:accent3>
       <a:accent4>
-        <a:srgbClr val="8064A2"/>
+        <a:srgbClr val="989AAC"/>
       </a:accent4>
       <a:accent5>
-        <a:srgbClr val="4BACC6"/>
+        <a:srgbClr val="DC5924"/>
       </a:accent5>
       <a:accent6>
-        <a:srgbClr val="F79646"/>
+        <a:srgbClr val="B4B392"/>
       </a:accent6>
       <a:hlink>
-        <a:srgbClr val="0000FF"/>
+        <a:srgbClr val="CC9900"/>
       </a:hlink>
       <a:folHlink>
-        <a:srgbClr val="800080"/>
+        <a:srgbClr val="969696"/>
       </a:folHlink>
     </a:clrScheme>
-    <a:fontScheme name="Office">
+    <a:fontScheme name="Essential">
       <a:majorFont>
-        <a:latin typeface="Calibri"/>
+        <a:latin typeface="Arial Black"/>
         <a:ea typeface=""/>
         <a:cs typeface=""/>
         <a:font script="Jpan" typeface="ＭＳ Ｐゴシック"/>
-        <a:font script="Hang" typeface="맑은 고딕"/>
-        <a:font script="Hans" typeface="宋体"/>
-        <a:font script="Hant" typeface="新細明體"/>
-        <a:font script="Arab" typeface="Times New Roman"/>
-        <a:font script="Hebr" typeface="Times New Roman"/>
-        <a:font script="Thai" typeface="Angsana New"/>
+        <a:font script="Hang" typeface="HY견고딕"/>
+        <a:font script="Hans" typeface="微软雅黑"/>
+        <a:font script="Hant" typeface="微軟正黑體"/>
+        <a:font script="Arab" typeface="Tahoma"/>
+        <a:font script="Hebr" typeface="Tahoma"/>
+        <a:font script="Thai" typeface="Tahoma"/>
         <a:font script="Ethi" typeface="Nyala"/>
         <a:font script="Beng" typeface="Vrinda"/>
         <a:font script="Gujr" typeface="Shruti"/>
@@ -5203,13 +7624,13 @@
         <a:font script="Geor" typeface="Sylfaen"/>
       </a:majorFont>
       <a:minorFont>
-        <a:latin typeface="Calibri"/>
+        <a:latin typeface="Arial"/>
         <a:ea typeface=""/>
         <a:cs typeface=""/>
         <a:font script="Jpan" typeface="ＭＳ Ｐゴシック"/>
-        <a:font script="Hang" typeface="맑은 고딕"/>
-        <a:font script="Hans" typeface="宋体"/>
-        <a:font script="Hant" typeface="新細明體"/>
+        <a:font script="Hang" typeface="돋움"/>
+        <a:font script="Hans" typeface="黑体"/>
+        <a:font script="Hant" typeface="微軟正黑體"/>
         <a:font script="Arab" typeface="Arial"/>
         <a:font script="Hebr" typeface="Arial"/>
         <a:font script="Thai" typeface="Cordia New"/>
@@ -5238,7 +7659,7 @@
         <a:font script="Geor" typeface="Sylfaen"/>
       </a:minorFont>
     </a:fontScheme>
-    <a:fmtScheme name="Office">
+    <a:fmtScheme name="Essential">
       <a:fillStyleLst>
         <a:solidFill>
           <a:schemeClr val="phClr"/>
@@ -5247,51 +7668,33 @@
           <a:gsLst>
             <a:gs pos="0">
               <a:schemeClr val="phClr">
-                <a:tint val="50000"/>
-                <a:satMod val="300000"/>
+                <a:tint val="60000"/>
+                <a:satMod val="250000"/>
               </a:schemeClr>
             </a:gs>
             <a:gs pos="35000">
               <a:schemeClr val="phClr">
-                <a:tint val="37000"/>
-                <a:satMod val="300000"/>
+                <a:tint val="47000"/>
+                <a:satMod val="275000"/>
               </a:schemeClr>
             </a:gs>
             <a:gs pos="100000">
               <a:schemeClr val="phClr">
-                <a:tint val="15000"/>
-                <a:satMod val="350000"/>
+                <a:tint val="25000"/>
+                <a:satMod val="300000"/>
               </a:schemeClr>
             </a:gs>
           </a:gsLst>
           <a:lin ang="16200000" scaled="1"/>
         </a:gradFill>
-        <a:gradFill rotWithShape="1">
-          <a:gsLst>
-            <a:gs pos="0">
-              <a:schemeClr val="phClr">
-                <a:shade val="51000"/>
-                <a:satMod val="130000"/>
-              </a:schemeClr>
-            </a:gs>
-            <a:gs pos="80000">
-              <a:schemeClr val="phClr">
-                <a:shade val="93000"/>
-                <a:satMod val="130000"/>
-              </a:schemeClr>
-            </a:gs>
-            <a:gs pos="100000">
-              <a:schemeClr val="phClr">
-                <a:shade val="94000"/>
-                <a:satMod val="135000"/>
-              </a:schemeClr>
-            </a:gs>
-          </a:gsLst>
-          <a:lin ang="16200000" scaled="0"/>
-        </a:gradFill>
+        <a:solidFill>
+          <a:schemeClr val="phClr">
+            <a:satMod val="110000"/>
+          </a:schemeClr>
+        </a:solidFill>
       </a:fillStyleLst>
       <a:lnStyleLst>
-        <a:ln w="9525" cap="flat" cmpd="sng" algn="ctr">
+        <a:ln w="12700" cap="flat" cmpd="sng" algn="ctr">
           <a:solidFill>
             <a:schemeClr val="phClr">
               <a:shade val="95000"/>
@@ -5300,13 +7703,13 @@
           </a:solidFill>
           <a:prstDash val="solid"/>
         </a:ln>
-        <a:ln w="25400" cap="flat" cmpd="sng" algn="ctr">
+        <a:ln w="28575" cap="flat" cmpd="sng" algn="ctr">
           <a:solidFill>
             <a:schemeClr val="phClr"/>
           </a:solidFill>
           <a:prstDash val="solid"/>
         </a:ln>
-        <a:ln w="38100" cap="flat" cmpd="sng" algn="ctr">
+        <a:ln w="41275" cap="flat" cmpd="sng" algn="ctr">
           <a:solidFill>
             <a:schemeClr val="phClr"/>
           </a:solidFill>
@@ -5315,28 +7718,22 @@
       </a:lnStyleLst>
       <a:effectStyleLst>
         <a:effectStyle>
+          <a:effectLst/>
+        </a:effectStyle>
+        <a:effectStyle>
           <a:effectLst>
-            <a:outerShdw blurRad="40000" dist="20000" dir="5400000" rotWithShape="0">
+            <a:outerShdw blurRad="39999" dist="23000" algn="bl" rotWithShape="0">
               <a:srgbClr val="000000">
-                <a:alpha val="38000"/>
+                <a:alpha val="40000"/>
               </a:srgbClr>
             </a:outerShdw>
           </a:effectLst>
         </a:effectStyle>
         <a:effectStyle>
           <a:effectLst>
-            <a:outerShdw blurRad="40000" dist="23000" dir="5400000" rotWithShape="0">
+            <a:outerShdw blurRad="38100" dist="19050" algn="bl" rotWithShape="0">
               <a:srgbClr val="000000">
-                <a:alpha val="35000"/>
-              </a:srgbClr>
-            </a:outerShdw>
-          </a:effectLst>
-        </a:effectStyle>
-        <a:effectStyle>
-          <a:effectLst>
-            <a:outerShdw blurRad="40000" dist="23000" dir="5400000" rotWithShape="0">
-              <a:srgbClr val="000000">
-                <a:alpha val="35000"/>
+                <a:alpha val="60000"/>
               </a:srgbClr>
             </a:outerShdw>
           </a:effectLst>
@@ -5344,12 +7741,10 @@
             <a:camera prst="orthographicFront">
               <a:rot lat="0" lon="0" rev="0"/>
             </a:camera>
-            <a:lightRig rig="threePt" dir="t">
-              <a:rot lat="0" lon="0" rev="1200000"/>
-            </a:lightRig>
+            <a:lightRig rig="balanced" dir="l"/>
           </a:scene3d>
-          <a:sp3d>
-            <a:bevelT w="63500" h="25400"/>
+          <a:sp3d prstMaterial="plastic">
+            <a:bevelT w="38100" h="31750"/>
           </a:sp3d>
         </a:effectStyle>
       </a:effectStyleLst>
@@ -5357,49 +7752,43 @@
         <a:solidFill>
           <a:schemeClr val="phClr"/>
         </a:solidFill>
+        <a:blipFill rotWithShape="1">
+          <a:blip xmlns:r="http://schemas.openxmlformats.org/officeDocument/2006/relationships" r:embed="rId1">
+            <a:duotone>
+              <a:schemeClr val="phClr">
+                <a:tint val="96000"/>
+              </a:schemeClr>
+              <a:schemeClr val="phClr">
+                <a:shade val="94000"/>
+              </a:schemeClr>
+            </a:duotone>
+          </a:blip>
+          <a:tile tx="0" ty="0" sx="100000" sy="100000" flip="none" algn="tl"/>
+        </a:blipFill>
         <a:gradFill rotWithShape="1">
           <a:gsLst>
             <a:gs pos="0">
               <a:schemeClr val="phClr">
-                <a:tint val="40000"/>
-                <a:satMod val="350000"/>
+                <a:tint val="84000"/>
+                <a:satMod val="110000"/>
               </a:schemeClr>
             </a:gs>
-            <a:gs pos="40000">
+            <a:gs pos="44000">
               <a:schemeClr val="phClr">
-                <a:tint val="45000"/>
-                <a:shade val="99000"/>
-                <a:satMod val="350000"/>
+                <a:tint val="93000"/>
+                <a:satMod val="115000"/>
               </a:schemeClr>
             </a:gs>
             <a:gs pos="100000">
               <a:schemeClr val="phClr">
-                <a:shade val="20000"/>
-                <a:satMod val="255000"/>
+                <a:tint val="100000"/>
+                <a:shade val="59000"/>
+                <a:satMod val="120000"/>
               </a:schemeClr>
             </a:gs>
           </a:gsLst>
           <a:path path="circle">
-            <a:fillToRect l="50000" t="-80000" r="50000" b="180000"/>
-          </a:path>
-        </a:gradFill>
-        <a:gradFill rotWithShape="1">
-          <a:gsLst>
-            <a:gs pos="0">
-              <a:schemeClr val="phClr">
-                <a:tint val="80000"/>
-                <a:satMod val="300000"/>
-              </a:schemeClr>
-            </a:gs>
-            <a:gs pos="100000">
-              <a:schemeClr val="phClr">
-                <a:shade val="30000"/>
-                <a:satMod val="200000"/>
-              </a:schemeClr>
-            </a:gs>
-          </a:gsLst>
-          <a:path path="circle">
-            <a:fillToRect l="50000" t="50000" r="50000" b="50000"/>
+            <a:fillToRect l="40000" t="60000" r="60000" b="40000"/>
           </a:path>
         </a:gradFill>
       </a:bgFillStyleLst>
